--- a/Results/QAP_PowerPoint.pptx
+++ b/Results/QAP_PowerPoint.pptx
@@ -5,24 +5,28 @@
     <p:sldMasterId id="2147483648" r:id="rId1"/>
   </p:sldMasterIdLst>
   <p:notesMasterIdLst>
-    <p:notesMasterId r:id="rId17"/>
+    <p:notesMasterId r:id="rId21"/>
   </p:notesMasterIdLst>
   <p:sldIdLst>
     <p:sldId id="256" r:id="rId2"/>
     <p:sldId id="257" r:id="rId3"/>
     <p:sldId id="259" r:id="rId4"/>
-    <p:sldId id="271" r:id="rId5"/>
-    <p:sldId id="260" r:id="rId6"/>
-    <p:sldId id="258" r:id="rId7"/>
-    <p:sldId id="264" r:id="rId8"/>
-    <p:sldId id="261" r:id="rId9"/>
-    <p:sldId id="263" r:id="rId10"/>
-    <p:sldId id="265" r:id="rId11"/>
-    <p:sldId id="266" r:id="rId12"/>
-    <p:sldId id="267" r:id="rId13"/>
-    <p:sldId id="268" r:id="rId14"/>
-    <p:sldId id="269" r:id="rId15"/>
-    <p:sldId id="270" r:id="rId16"/>
+    <p:sldId id="278" r:id="rId5"/>
+    <p:sldId id="271" r:id="rId6"/>
+    <p:sldId id="275" r:id="rId7"/>
+    <p:sldId id="276" r:id="rId8"/>
+    <p:sldId id="277" r:id="rId9"/>
+    <p:sldId id="258" r:id="rId10"/>
+    <p:sldId id="264" r:id="rId11"/>
+    <p:sldId id="261" r:id="rId12"/>
+    <p:sldId id="263" r:id="rId13"/>
+    <p:sldId id="265" r:id="rId14"/>
+    <p:sldId id="266" r:id="rId15"/>
+    <p:sldId id="267" r:id="rId16"/>
+    <p:sldId id="268" r:id="rId17"/>
+    <p:sldId id="269" r:id="rId18"/>
+    <p:sldId id="270" r:id="rId19"/>
+    <p:sldId id="272" r:id="rId20"/>
   </p:sldIdLst>
   <p:sldSz cx="12192000" cy="6858000"/>
   <p:notesSz cx="6858000" cy="9144000"/>
@@ -134,18 +138,18 @@
   <pc:docChgLst>
     <pc:chgData name="Daniel Swikert" userId="c8da073bdfddea55" providerId="LiveId" clId="{345F62BB-3040-434E-87EA-C500FE5A95C5}"/>
     <pc:docChg chg="custSel addSld delSld modSld">
-      <pc:chgData name="Daniel Swikert" userId="c8da073bdfddea55" providerId="LiveId" clId="{345F62BB-3040-434E-87EA-C500FE5A95C5}" dt="2017-11-09T17:02:30.420" v="726" actId="122"/>
+      <pc:chgData name="Daniel Swikert" userId="c8da073bdfddea55" providerId="LiveId" clId="{345F62BB-3040-434E-87EA-C500FE5A95C5}" dt="2017-11-11T17:33:50.917" v="1276" actId="2696"/>
       <pc:docMkLst>
         <pc:docMk/>
       </pc:docMkLst>
       <pc:sldChg chg="modSp">
-        <pc:chgData name="Daniel Swikert" userId="c8da073bdfddea55" providerId="LiveId" clId="{345F62BB-3040-434E-87EA-C500FE5A95C5}" dt="2017-11-09T16:52:23.773" v="616"/>
+        <pc:chgData name="Daniel Swikert" userId="c8da073bdfddea55" providerId="LiveId" clId="{345F62BB-3040-434E-87EA-C500FE5A95C5}" dt="2017-11-09T16:52:23.773" v="616" actId="122"/>
         <pc:sldMkLst>
           <pc:docMk/>
           <pc:sldMk cId="1491124500" sldId="258"/>
         </pc:sldMkLst>
         <pc:spChg chg="mod">
-          <ac:chgData name="Daniel Swikert" userId="c8da073bdfddea55" providerId="LiveId" clId="{345F62BB-3040-434E-87EA-C500FE5A95C5}" dt="2017-11-09T16:52:23.773" v="616"/>
+          <ac:chgData name="Daniel Swikert" userId="c8da073bdfddea55" providerId="LiveId" clId="{345F62BB-3040-434E-87EA-C500FE5A95C5}" dt="2017-11-09T16:52:23.773" v="616" actId="122"/>
           <ac:spMkLst>
             <pc:docMk/>
             <pc:sldMk cId="1491124500" sldId="258"/>
@@ -153,14 +157,21 @@
           </ac:spMkLst>
         </pc:spChg>
       </pc:sldChg>
+      <pc:sldChg chg="del">
+        <pc:chgData name="Daniel Swikert" userId="c8da073bdfddea55" providerId="LiveId" clId="{345F62BB-3040-434E-87EA-C500FE5A95C5}" dt="2017-11-11T17:33:50.917" v="1276" actId="2696"/>
+        <pc:sldMkLst>
+          <pc:docMk/>
+          <pc:sldMk cId="661464725" sldId="260"/>
+        </pc:sldMkLst>
+      </pc:sldChg>
       <pc:sldChg chg="modSp">
-        <pc:chgData name="Daniel Swikert" userId="c8da073bdfddea55" providerId="LiveId" clId="{345F62BB-3040-434E-87EA-C500FE5A95C5}" dt="2017-11-09T16:48:04.876" v="283" actId="5793"/>
+        <pc:chgData name="Daniel Swikert" userId="c8da073bdfddea55" providerId="LiveId" clId="{345F62BB-3040-434E-87EA-C500FE5A95C5}" dt="2017-11-11T16:43:15.490" v="736" actId="313"/>
         <pc:sldMkLst>
           <pc:docMk/>
           <pc:sldMk cId="2214631039" sldId="269"/>
         </pc:sldMkLst>
         <pc:spChg chg="mod">
-          <ac:chgData name="Daniel Swikert" userId="c8da073bdfddea55" providerId="LiveId" clId="{345F62BB-3040-434E-87EA-C500FE5A95C5}" dt="2017-11-09T16:48:04.876" v="283" actId="5793"/>
+          <ac:chgData name="Daniel Swikert" userId="c8da073bdfddea55" providerId="LiveId" clId="{345F62BB-3040-434E-87EA-C500FE5A95C5}" dt="2017-11-11T16:43:15.490" v="736" actId="313"/>
           <ac:spMkLst>
             <pc:docMk/>
             <pc:sldMk cId="2214631039" sldId="269"/>
@@ -169,7 +180,7 @@
         </pc:spChg>
       </pc:sldChg>
       <pc:sldChg chg="modSp">
-        <pc:chgData name="Daniel Swikert" userId="c8da073bdfddea55" providerId="LiveId" clId="{345F62BB-3040-434E-87EA-C500FE5A95C5}" dt="2017-11-09T16:50:26.233" v="572" actId="313"/>
+        <pc:chgData name="Daniel Swikert" userId="c8da073bdfddea55" providerId="LiveId" clId="{345F62BB-3040-434E-87EA-C500FE5A95C5}" dt="2017-11-11T16:43:42.124" v="739" actId="20577"/>
         <pc:sldMkLst>
           <pc:docMk/>
           <pc:sldMk cId="1268194570" sldId="270"/>
@@ -183,7 +194,7 @@
           </ac:spMkLst>
         </pc:spChg>
         <pc:spChg chg="mod">
-          <ac:chgData name="Daniel Swikert" userId="c8da073bdfddea55" providerId="LiveId" clId="{345F62BB-3040-434E-87EA-C500FE5A95C5}" dt="2017-11-09T16:50:26.233" v="572" actId="313"/>
+          <ac:chgData name="Daniel Swikert" userId="c8da073bdfddea55" providerId="LiveId" clId="{345F62BB-3040-434E-87EA-C500FE5A95C5}" dt="2017-11-11T16:43:42.124" v="739" actId="20577"/>
           <ac:spMkLst>
             <pc:docMk/>
             <pc:sldMk cId="1268194570" sldId="270"/>
@@ -207,19 +218,174 @@
         </pc:spChg>
       </pc:sldChg>
       <pc:sldChg chg="modSp add">
-        <pc:chgData name="Daniel Swikert" userId="c8da073bdfddea55" providerId="LiveId" clId="{345F62BB-3040-434E-87EA-C500FE5A95C5}" dt="2017-11-09T17:02:30.420" v="726" actId="122"/>
+        <pc:chgData name="Daniel Swikert" userId="c8da073bdfddea55" providerId="LiveId" clId="{345F62BB-3040-434E-87EA-C500FE5A95C5}" dt="2017-11-11T17:20:00.144" v="1216" actId="20577"/>
         <pc:sldMkLst>
           <pc:docMk/>
           <pc:sldMk cId="4067653631" sldId="271"/>
         </pc:sldMkLst>
         <pc:spChg chg="mod">
-          <ac:chgData name="Daniel Swikert" userId="c8da073bdfddea55" providerId="LiveId" clId="{345F62BB-3040-434E-87EA-C500FE5A95C5}" dt="2017-11-09T17:02:30.420" v="726" actId="122"/>
+          <ac:chgData name="Daniel Swikert" userId="c8da073bdfddea55" providerId="LiveId" clId="{345F62BB-3040-434E-87EA-C500FE5A95C5}" dt="2017-11-11T17:12:04.919" v="845" actId="20577"/>
           <ac:spMkLst>
             <pc:docMk/>
             <pc:sldMk cId="4067653631" sldId="271"/>
             <ac:spMk id="2" creationId="{850467C5-C431-4C9C-89DA-0A4D6CB6E958}"/>
           </ac:spMkLst>
         </pc:spChg>
+        <pc:spChg chg="mod">
+          <ac:chgData name="Daniel Swikert" userId="c8da073bdfddea55" providerId="LiveId" clId="{345F62BB-3040-434E-87EA-C500FE5A95C5}" dt="2017-11-11T17:20:00.144" v="1216" actId="20577"/>
+          <ac:spMkLst>
+            <pc:docMk/>
+            <pc:sldMk cId="4067653631" sldId="271"/>
+            <ac:spMk id="3" creationId="{1D35E197-8DF6-4CD8-866C-E9162B83958F}"/>
+          </ac:spMkLst>
+        </pc:spChg>
+      </pc:sldChg>
+      <pc:sldChg chg="modSp add">
+        <pc:chgData name="Daniel Swikert" userId="c8da073bdfddea55" providerId="LiveId" clId="{345F62BB-3040-434E-87EA-C500FE5A95C5}" dt="2017-11-11T16:49:08.941" v="748" actId="122"/>
+        <pc:sldMkLst>
+          <pc:docMk/>
+          <pc:sldMk cId="1410554905" sldId="272"/>
+        </pc:sldMkLst>
+        <pc:spChg chg="mod">
+          <ac:chgData name="Daniel Swikert" userId="c8da073bdfddea55" providerId="LiveId" clId="{345F62BB-3040-434E-87EA-C500FE5A95C5}" dt="2017-11-11T16:49:08.941" v="748" actId="122"/>
+          <ac:spMkLst>
+            <pc:docMk/>
+            <pc:sldMk cId="1410554905" sldId="272"/>
+            <ac:spMk id="2" creationId="{31C39837-E048-458C-9E55-77C550067D59}"/>
+          </ac:spMkLst>
+        </pc:spChg>
+      </pc:sldChg>
+      <pc:sldChg chg="addSp delSp modSp add del modNotesTx">
+        <pc:chgData name="Daniel Swikert" userId="c8da073bdfddea55" providerId="LiveId" clId="{345F62BB-3040-434E-87EA-C500FE5A95C5}" dt="2017-11-11T17:29:38.404" v="1275" actId="2696"/>
+        <pc:sldMkLst>
+          <pc:docMk/>
+          <pc:sldMk cId="946587847" sldId="273"/>
+        </pc:sldMkLst>
+        <pc:spChg chg="mod">
+          <ac:chgData name="Daniel Swikert" userId="c8da073bdfddea55" providerId="LiveId" clId="{345F62BB-3040-434E-87EA-C500FE5A95C5}" dt="2017-11-11T16:51:00.248" v="779" actId="122"/>
+          <ac:spMkLst>
+            <pc:docMk/>
+            <pc:sldMk cId="946587847" sldId="273"/>
+            <ac:spMk id="2" creationId="{1A90415D-3977-48D2-875B-8B3391E596CC}"/>
+          </ac:spMkLst>
+        </pc:spChg>
+        <pc:spChg chg="del">
+          <ac:chgData name="Daniel Swikert" userId="c8da073bdfddea55" providerId="LiveId" clId="{345F62BB-3040-434E-87EA-C500FE5A95C5}" dt="2017-11-11T16:51:56.865" v="780" actId="931"/>
+          <ac:spMkLst>
+            <pc:docMk/>
+            <pc:sldMk cId="946587847" sldId="273"/>
+            <ac:spMk id="3" creationId="{7B87525A-500E-4C99-A89B-2C9658FE8452}"/>
+          </ac:spMkLst>
+        </pc:spChg>
+        <pc:spChg chg="add del mod">
+          <ac:chgData name="Daniel Swikert" userId="c8da073bdfddea55" providerId="LiveId" clId="{345F62BB-3040-434E-87EA-C500FE5A95C5}" dt="2017-11-11T17:00:54.152" v="784" actId="931"/>
+          <ac:spMkLst>
+            <pc:docMk/>
+            <pc:sldMk cId="946587847" sldId="273"/>
+            <ac:spMk id="6" creationId="{048F8B68-5A10-41BD-8E58-27AA0E698D1C}"/>
+          </ac:spMkLst>
+        </pc:spChg>
+        <pc:spChg chg="add del mod">
+          <ac:chgData name="Daniel Swikert" userId="c8da073bdfddea55" providerId="LiveId" clId="{345F62BB-3040-434E-87EA-C500FE5A95C5}" dt="2017-11-11T17:02:25.024" v="812" actId="478"/>
+          <ac:spMkLst>
+            <pc:docMk/>
+            <pc:sldMk cId="946587847" sldId="273"/>
+            <ac:spMk id="9" creationId="{D9A95B8A-FE53-4DA3-8E5A-CC30A2D9DC51}"/>
+          </ac:spMkLst>
+        </pc:spChg>
+        <pc:picChg chg="add del mod">
+          <ac:chgData name="Daniel Swikert" userId="c8da073bdfddea55" providerId="LiveId" clId="{345F62BB-3040-434E-87EA-C500FE5A95C5}" dt="2017-11-11T16:52:29.912" v="783"/>
+          <ac:picMkLst>
+            <pc:docMk/>
+            <pc:sldMk cId="946587847" sldId="273"/>
+            <ac:picMk id="5" creationId="{C4FF97EC-696D-41AE-99E9-EF6C518CF0B8}"/>
+          </ac:picMkLst>
+        </pc:picChg>
+        <pc:picChg chg="add mod">
+          <ac:chgData name="Daniel Swikert" userId="c8da073bdfddea55" providerId="LiveId" clId="{345F62BB-3040-434E-87EA-C500FE5A95C5}" dt="2017-11-11T17:01:02.353" v="786" actId="1076"/>
+          <ac:picMkLst>
+            <pc:docMk/>
+            <pc:sldMk cId="946587847" sldId="273"/>
+            <ac:picMk id="8" creationId="{57F87004-310C-4160-B380-BA1A9D746FA4}"/>
+          </ac:picMkLst>
+        </pc:picChg>
+      </pc:sldChg>
+      <pc:sldChg chg="addSp delSp modSp add del modNotesTx">
+        <pc:chgData name="Daniel Swikert" userId="c8da073bdfddea55" providerId="LiveId" clId="{345F62BB-3040-434E-87EA-C500FE5A95C5}" dt="2017-11-11T17:29:38.378" v="1274" actId="2696"/>
+        <pc:sldMkLst>
+          <pc:docMk/>
+          <pc:sldMk cId="1654749687" sldId="274"/>
+        </pc:sldMkLst>
+        <pc:spChg chg="mod">
+          <ac:chgData name="Daniel Swikert" userId="c8da073bdfddea55" providerId="LiveId" clId="{345F62BB-3040-434E-87EA-C500FE5A95C5}" dt="2017-11-11T17:03:02.753" v="825" actId="20577"/>
+          <ac:spMkLst>
+            <pc:docMk/>
+            <pc:sldMk cId="1654749687" sldId="274"/>
+            <ac:spMk id="2" creationId="{A5454BE2-E068-4D56-B270-AF330CDB05FF}"/>
+          </ac:spMkLst>
+        </pc:spChg>
+        <pc:spChg chg="del">
+          <ac:chgData name="Daniel Swikert" userId="c8da073bdfddea55" providerId="LiveId" clId="{345F62BB-3040-434E-87EA-C500FE5A95C5}" dt="2017-11-11T17:03:08.428" v="826" actId="931"/>
+          <ac:spMkLst>
+            <pc:docMk/>
+            <pc:sldMk cId="1654749687" sldId="274"/>
+            <ac:spMk id="3" creationId="{1091F743-2606-40DC-9168-9158AC455246}"/>
+          </ac:spMkLst>
+        </pc:spChg>
+        <pc:picChg chg="add mod">
+          <ac:chgData name="Daniel Swikert" userId="c8da073bdfddea55" providerId="LiveId" clId="{345F62BB-3040-434E-87EA-C500FE5A95C5}" dt="2017-11-11T17:03:21.471" v="830" actId="1076"/>
+          <ac:picMkLst>
+            <pc:docMk/>
+            <pc:sldMk cId="1654749687" sldId="274"/>
+            <ac:picMk id="5" creationId="{910298AA-3EC1-4FC5-9CFA-0B28FA6FC566}"/>
+          </ac:picMkLst>
+        </pc:picChg>
+      </pc:sldChg>
+      <pc:sldChg chg="addSp delSp modSp add del">
+        <pc:chgData name="Daniel Swikert" userId="c8da073bdfddea55" providerId="LiveId" clId="{345F62BB-3040-434E-87EA-C500FE5A95C5}" dt="2017-11-11T17:24:51.275" v="1222" actId="2696"/>
+        <pc:sldMkLst>
+          <pc:docMk/>
+          <pc:sldMk cId="2456071" sldId="275"/>
+        </pc:sldMkLst>
+        <pc:spChg chg="del">
+          <ac:chgData name="Daniel Swikert" userId="c8da073bdfddea55" providerId="LiveId" clId="{345F62BB-3040-434E-87EA-C500FE5A95C5}" dt="2017-11-11T17:24:17.294" v="1218" actId="931"/>
+          <ac:spMkLst>
+            <pc:docMk/>
+            <pc:sldMk cId="2456071" sldId="275"/>
+            <ac:spMk id="3" creationId="{5F6474BA-22EA-4775-A1CB-7739E2B5C937}"/>
+          </ac:spMkLst>
+        </pc:spChg>
+        <pc:spChg chg="add mod">
+          <ac:chgData name="Daniel Swikert" userId="c8da073bdfddea55" providerId="LiveId" clId="{345F62BB-3040-434E-87EA-C500FE5A95C5}" dt="2017-11-11T17:24:42.477" v="1221"/>
+          <ac:spMkLst>
+            <pc:docMk/>
+            <pc:sldMk cId="2456071" sldId="275"/>
+            <ac:spMk id="6" creationId="{47807A45-BB81-43E8-93B5-A7AB23F9F975}"/>
+          </ac:spMkLst>
+        </pc:spChg>
+        <pc:picChg chg="add del mod">
+          <ac:chgData name="Daniel Swikert" userId="c8da073bdfddea55" providerId="LiveId" clId="{345F62BB-3040-434E-87EA-C500FE5A95C5}" dt="2017-11-11T17:24:42.477" v="1221"/>
+          <ac:picMkLst>
+            <pc:docMk/>
+            <pc:sldMk cId="2456071" sldId="275"/>
+            <ac:picMk id="5" creationId="{6865BDE7-9546-456F-9DFA-CBEA085C56C8}"/>
+          </ac:picMkLst>
+        </pc:picChg>
+      </pc:sldChg>
+      <pc:sldChg chg="addSp modSp add modNotesTx">
+        <pc:chgData name="Daniel Swikert" userId="c8da073bdfddea55" providerId="LiveId" clId="{345F62BB-3040-434E-87EA-C500FE5A95C5}" dt="2017-11-11T17:27:49.560" v="1273" actId="20577"/>
+        <pc:sldMkLst>
+          <pc:docMk/>
+          <pc:sldMk cId="105385343" sldId="275"/>
+        </pc:sldMkLst>
+        <pc:picChg chg="add mod">
+          <ac:chgData name="Daniel Swikert" userId="c8da073bdfddea55" providerId="LiveId" clId="{345F62BB-3040-434E-87EA-C500FE5A95C5}" dt="2017-11-11T17:25:21.711" v="1226" actId="1076"/>
+          <ac:picMkLst>
+            <pc:docMk/>
+            <pc:sldMk cId="105385343" sldId="275"/>
+            <ac:picMk id="3" creationId="{46F9224A-D586-4789-A39F-09C97CDE38F8}"/>
+          </ac:picMkLst>
+        </pc:picChg>
       </pc:sldChg>
     </pc:docChg>
   </pc:docChgLst>
@@ -308,7 +474,7 @@
           <a:p>
             <a:fld id="{387C9159-18F8-4BAF-8613-032E94B0C8E9}" type="datetimeFigureOut">
               <a:rPr lang="en-US" smtClean="0"/>
-              <a:t>11/9/2017</a:t>
+              <a:t>11/11/2017</a:t>
             </a:fld>
             <a:endParaRPr lang="en-US"/>
           </a:p>
@@ -621,13 +787,16 @@
           <a:p>
             <a:r>
               <a:rPr lang="en-US" dirty="0"/>
-              <a:t>Because</a:t>
-            </a:r>
-            <a:r>
-              <a:rPr lang="en-US" baseline="0" dirty="0"/>
-              <a:t> one of the stopping criteria is convergence, we must have a relatively high chance of mutation to delay this.</a:t>
-            </a:r>
-            <a:endParaRPr lang="en-US" dirty="0"/>
+              <a:t>Highest </a:t>
+            </a:r>
+            <a:r>
+              <a:rPr lang="en-US" dirty="0" err="1"/>
+              <a:t>Opt</a:t>
+            </a:r>
+            <a:r>
+              <a:rPr lang="en-US" dirty="0"/>
+              <a:t> solved on LIB was 128</a:t>
+            </a:r>
           </a:p>
         </p:txBody>
       </p:sp>
@@ -649,6 +818,272 @@
             <a:fld id="{01DA1D18-76CD-4955-8D8D-14027F92EFFF}" type="slidenum">
               <a:rPr lang="en-US" smtClean="0"/>
               <a:t>6</a:t>
+            </a:fld>
+            <a:endParaRPr lang="en-US"/>
+          </a:p>
+        </p:txBody>
+      </p:sp>
+    </p:spTree>
+    <p:extLst>
+      <p:ext uri="{BB962C8B-B14F-4D97-AF65-F5344CB8AC3E}">
+        <p14:creationId xmlns:p14="http://schemas.microsoft.com/office/powerpoint/2010/main" val="1577433596"/>
+      </p:ext>
+    </p:extLst>
+  </p:cSld>
+  <p:clrMapOvr>
+    <a:masterClrMapping/>
+  </p:clrMapOvr>
+</p:notes>
+</file>
+
+<file path=ppt/notesSlides/notesSlide2.xml><?xml version="1.0" encoding="utf-8"?>
+<p:notes xmlns:a="http://schemas.openxmlformats.org/drawingml/2006/main" xmlns:r="http://schemas.openxmlformats.org/officeDocument/2006/relationships" xmlns:p="http://schemas.openxmlformats.org/presentationml/2006/main">
+  <p:cSld>
+    <p:spTree>
+      <p:nvGrpSpPr>
+        <p:cNvPr id="1" name=""/>
+        <p:cNvGrpSpPr/>
+        <p:nvPr/>
+      </p:nvGrpSpPr>
+      <p:grpSpPr>
+        <a:xfrm>
+          <a:off x="0" y="0"/>
+          <a:ext cx="0" cy="0"/>
+          <a:chOff x="0" y="0"/>
+          <a:chExt cx="0" cy="0"/>
+        </a:xfrm>
+      </p:grpSpPr>
+      <p:sp>
+        <p:nvSpPr>
+          <p:cNvPr id="2" name="Slide Image Placeholder 1"/>
+          <p:cNvSpPr>
+            <a:spLocks noGrp="1" noRot="1" noChangeAspect="1"/>
+          </p:cNvSpPr>
+          <p:nvPr>
+            <p:ph type="sldImg"/>
+          </p:nvPr>
+        </p:nvSpPr>
+        <p:spPr/>
+      </p:sp>
+      <p:sp>
+        <p:nvSpPr>
+          <p:cNvPr id="3" name="Notes Placeholder 2"/>
+          <p:cNvSpPr>
+            <a:spLocks noGrp="1"/>
+          </p:cNvSpPr>
+          <p:nvPr>
+            <p:ph type="body" idx="1"/>
+          </p:nvPr>
+        </p:nvSpPr>
+        <p:spPr/>
+        <p:txBody>
+          <a:bodyPr/>
+          <a:lstStyle/>
+          <a:p>
+            <a:r>
+              <a:rPr lang="en-US" dirty="0"/>
+              <a:t>1652</a:t>
+            </a:r>
+          </a:p>
+        </p:txBody>
+      </p:sp>
+      <p:sp>
+        <p:nvSpPr>
+          <p:cNvPr id="4" name="Slide Number Placeholder 3"/>
+          <p:cNvSpPr>
+            <a:spLocks noGrp="1"/>
+          </p:cNvSpPr>
+          <p:nvPr>
+            <p:ph type="sldNum" sz="quarter" idx="10"/>
+          </p:nvPr>
+        </p:nvSpPr>
+        <p:spPr/>
+        <p:txBody>
+          <a:bodyPr/>
+          <a:lstStyle/>
+          <a:p>
+            <a:fld id="{01DA1D18-76CD-4955-8D8D-14027F92EFFF}" type="slidenum">
+              <a:rPr lang="en-US" smtClean="0"/>
+              <a:t>7</a:t>
+            </a:fld>
+            <a:endParaRPr lang="en-US"/>
+          </a:p>
+        </p:txBody>
+      </p:sp>
+    </p:spTree>
+    <p:extLst>
+      <p:ext uri="{BB962C8B-B14F-4D97-AF65-F5344CB8AC3E}">
+        <p14:creationId xmlns:p14="http://schemas.microsoft.com/office/powerpoint/2010/main" val="3805690728"/>
+      </p:ext>
+    </p:extLst>
+  </p:cSld>
+  <p:clrMapOvr>
+    <a:masterClrMapping/>
+  </p:clrMapOvr>
+</p:notes>
+</file>
+
+<file path=ppt/notesSlides/notesSlide3.xml><?xml version="1.0" encoding="utf-8"?>
+<p:notes xmlns:a="http://schemas.openxmlformats.org/drawingml/2006/main" xmlns:r="http://schemas.openxmlformats.org/officeDocument/2006/relationships" xmlns:p="http://schemas.openxmlformats.org/presentationml/2006/main">
+  <p:cSld>
+    <p:spTree>
+      <p:nvGrpSpPr>
+        <p:cNvPr id="1" name=""/>
+        <p:cNvGrpSpPr/>
+        <p:nvPr/>
+      </p:nvGrpSpPr>
+      <p:grpSpPr>
+        <a:xfrm>
+          <a:off x="0" y="0"/>
+          <a:ext cx="0" cy="0"/>
+          <a:chOff x="0" y="0"/>
+          <a:chExt cx="0" cy="0"/>
+        </a:xfrm>
+      </p:grpSpPr>
+      <p:sp>
+        <p:nvSpPr>
+          <p:cNvPr id="2" name="Slide Image Placeholder 1"/>
+          <p:cNvSpPr>
+            <a:spLocks noGrp="1" noRot="1" noChangeAspect="1"/>
+          </p:cNvSpPr>
+          <p:nvPr>
+            <p:ph type="sldImg"/>
+          </p:nvPr>
+        </p:nvSpPr>
+        <p:spPr/>
+      </p:sp>
+      <p:sp>
+        <p:nvSpPr>
+          <p:cNvPr id="3" name="Notes Placeholder 2"/>
+          <p:cNvSpPr>
+            <a:spLocks noGrp="1"/>
+          </p:cNvSpPr>
+          <p:nvPr>
+            <p:ph type="body" idx="1"/>
+          </p:nvPr>
+        </p:nvSpPr>
+        <p:spPr/>
+        <p:txBody>
+          <a:bodyPr/>
+          <a:lstStyle/>
+          <a:p>
+            <a:r>
+              <a:rPr lang="en-US" dirty="0"/>
+              <a:t>471</a:t>
+            </a:r>
+          </a:p>
+        </p:txBody>
+      </p:sp>
+      <p:sp>
+        <p:nvSpPr>
+          <p:cNvPr id="4" name="Slide Number Placeholder 3"/>
+          <p:cNvSpPr>
+            <a:spLocks noGrp="1"/>
+          </p:cNvSpPr>
+          <p:nvPr>
+            <p:ph type="sldNum" sz="quarter" idx="10"/>
+          </p:nvPr>
+        </p:nvSpPr>
+        <p:spPr/>
+        <p:txBody>
+          <a:bodyPr/>
+          <a:lstStyle/>
+          <a:p>
+            <a:fld id="{01DA1D18-76CD-4955-8D8D-14027F92EFFF}" type="slidenum">
+              <a:rPr lang="en-US" smtClean="0"/>
+              <a:t>8</a:t>
+            </a:fld>
+            <a:endParaRPr lang="en-US"/>
+          </a:p>
+        </p:txBody>
+      </p:sp>
+    </p:spTree>
+    <p:extLst>
+      <p:ext uri="{BB962C8B-B14F-4D97-AF65-F5344CB8AC3E}">
+        <p14:creationId xmlns:p14="http://schemas.microsoft.com/office/powerpoint/2010/main" val="349228644"/>
+      </p:ext>
+    </p:extLst>
+  </p:cSld>
+  <p:clrMapOvr>
+    <a:masterClrMapping/>
+  </p:clrMapOvr>
+</p:notes>
+</file>
+
+<file path=ppt/notesSlides/notesSlide4.xml><?xml version="1.0" encoding="utf-8"?>
+<p:notes xmlns:a="http://schemas.openxmlformats.org/drawingml/2006/main" xmlns:r="http://schemas.openxmlformats.org/officeDocument/2006/relationships" xmlns:p="http://schemas.openxmlformats.org/presentationml/2006/main">
+  <p:cSld>
+    <p:spTree>
+      <p:nvGrpSpPr>
+        <p:cNvPr id="1" name=""/>
+        <p:cNvGrpSpPr/>
+        <p:nvPr/>
+      </p:nvGrpSpPr>
+      <p:grpSpPr>
+        <a:xfrm>
+          <a:off x="0" y="0"/>
+          <a:ext cx="0" cy="0"/>
+          <a:chOff x="0" y="0"/>
+          <a:chExt cx="0" cy="0"/>
+        </a:xfrm>
+      </p:grpSpPr>
+      <p:sp>
+        <p:nvSpPr>
+          <p:cNvPr id="2" name="Slide Image Placeholder 1"/>
+          <p:cNvSpPr>
+            <a:spLocks noGrp="1" noRot="1" noChangeAspect="1"/>
+          </p:cNvSpPr>
+          <p:nvPr>
+            <p:ph type="sldImg"/>
+          </p:nvPr>
+        </p:nvSpPr>
+        <p:spPr/>
+      </p:sp>
+      <p:sp>
+        <p:nvSpPr>
+          <p:cNvPr id="3" name="Notes Placeholder 2"/>
+          <p:cNvSpPr>
+            <a:spLocks noGrp="1"/>
+          </p:cNvSpPr>
+          <p:nvPr>
+            <p:ph type="body" idx="1"/>
+          </p:nvPr>
+        </p:nvSpPr>
+        <p:spPr/>
+        <p:txBody>
+          <a:bodyPr/>
+          <a:lstStyle/>
+          <a:p>
+            <a:r>
+              <a:rPr lang="en-US" dirty="0"/>
+              <a:t>Because</a:t>
+            </a:r>
+            <a:r>
+              <a:rPr lang="en-US" baseline="0" dirty="0"/>
+              <a:t> one of the stopping criteria is convergence, we must have a relatively high chance of mutation to delay this.</a:t>
+            </a:r>
+            <a:endParaRPr lang="en-US" dirty="0"/>
+          </a:p>
+        </p:txBody>
+      </p:sp>
+      <p:sp>
+        <p:nvSpPr>
+          <p:cNvPr id="4" name="Slide Number Placeholder 3"/>
+          <p:cNvSpPr>
+            <a:spLocks noGrp="1"/>
+          </p:cNvSpPr>
+          <p:nvPr>
+            <p:ph type="sldNum" sz="quarter" idx="10"/>
+          </p:nvPr>
+        </p:nvSpPr>
+        <p:spPr/>
+        <p:txBody>
+          <a:bodyPr/>
+          <a:lstStyle/>
+          <a:p>
+            <a:fld id="{01DA1D18-76CD-4955-8D8D-14027F92EFFF}" type="slidenum">
+              <a:rPr lang="en-US" smtClean="0"/>
+              <a:t>9</a:t>
             </a:fld>
             <a:endParaRPr lang="en-US"/>
           </a:p>
@@ -853,7 +1288,7 @@
           <a:p>
             <a:fld id="{4AAD347D-5ACD-4C99-B74B-A9C85AD731AF}" type="datetimeFigureOut">
               <a:rPr lang="en-US" dirty="0"/>
-              <a:t>11/9/2017</a:t>
+              <a:t>11/11/2017</a:t>
             </a:fld>
             <a:endParaRPr lang="en-US" dirty="0"/>
           </a:p>
@@ -1123,7 +1558,7 @@
           <a:p>
             <a:fld id="{4509A250-FF31-4206-8172-F9D3106AACB1}" type="datetimeFigureOut">
               <a:rPr lang="en-US" dirty="0"/>
-              <a:t>11/9/2017</a:t>
+              <a:t>11/11/2017</a:t>
             </a:fld>
             <a:endParaRPr lang="en-US" dirty="0"/>
           </a:p>
@@ -1312,7 +1747,7 @@
           <a:p>
             <a:fld id="{4509A250-FF31-4206-8172-F9D3106AACB1}" type="datetimeFigureOut">
               <a:rPr lang="en-US" dirty="0"/>
-              <a:t>11/9/2017</a:t>
+              <a:t>11/11/2017</a:t>
             </a:fld>
             <a:endParaRPr lang="en-US" dirty="0"/>
           </a:p>
@@ -1580,7 +2015,7 @@
           <a:p>
             <a:fld id="{4509A250-FF31-4206-8172-F9D3106AACB1}" type="datetimeFigureOut">
               <a:rPr lang="en-US" dirty="0"/>
-              <a:t>11/9/2017</a:t>
+              <a:t>11/11/2017</a:t>
             </a:fld>
             <a:endParaRPr lang="en-US" dirty="0"/>
           </a:p>
@@ -1916,7 +2351,7 @@
           <a:p>
             <a:fld id="{4509A250-FF31-4206-8172-F9D3106AACB1}" type="datetimeFigureOut">
               <a:rPr lang="en-US" dirty="0"/>
-              <a:t>11/9/2017</a:t>
+              <a:t>11/11/2017</a:t>
             </a:fld>
             <a:endParaRPr lang="en-US" dirty="0"/>
           </a:p>
@@ -2534,7 +2969,7 @@
           <a:p>
             <a:fld id="{4509A250-FF31-4206-8172-F9D3106AACB1}" type="datetimeFigureOut">
               <a:rPr lang="en-US" dirty="0"/>
-              <a:t>11/9/2017</a:t>
+              <a:t>11/11/2017</a:t>
             </a:fld>
             <a:endParaRPr lang="en-US" dirty="0"/>
           </a:p>
@@ -3389,7 +3824,7 @@
           <a:p>
             <a:fld id="{4509A250-FF31-4206-8172-F9D3106AACB1}" type="datetimeFigureOut">
               <a:rPr lang="en-US" dirty="0"/>
-              <a:t>11/9/2017</a:t>
+              <a:t>11/11/2017</a:t>
             </a:fld>
             <a:endParaRPr lang="en-US" dirty="0"/>
           </a:p>
@@ -3554,7 +3989,7 @@
           <a:p>
             <a:fld id="{4509A250-FF31-4206-8172-F9D3106AACB1}" type="datetimeFigureOut">
               <a:rPr lang="en-US" dirty="0"/>
-              <a:t>11/9/2017</a:t>
+              <a:t>11/11/2017</a:t>
             </a:fld>
             <a:endParaRPr lang="en-US" dirty="0"/>
           </a:p>
@@ -3729,7 +4164,7 @@
           <a:p>
             <a:fld id="{4509A250-FF31-4206-8172-F9D3106AACB1}" type="datetimeFigureOut">
               <a:rPr lang="en-US" dirty="0"/>
-              <a:t>11/9/2017</a:t>
+              <a:t>11/11/2017</a:t>
             </a:fld>
             <a:endParaRPr lang="en-US" dirty="0"/>
           </a:p>
@@ -3894,7 +4329,7 @@
           <a:p>
             <a:fld id="{4509A250-FF31-4206-8172-F9D3106AACB1}" type="datetimeFigureOut">
               <a:rPr lang="en-US" dirty="0"/>
-              <a:t>11/9/2017</a:t>
+              <a:t>11/11/2017</a:t>
             </a:fld>
             <a:endParaRPr lang="en-US" dirty="0"/>
           </a:p>
@@ -4136,7 +4571,7 @@
           <a:p>
             <a:fld id="{9796027F-7875-4030-9381-8BD8C4F21935}" type="datetimeFigureOut">
               <a:rPr lang="en-US" dirty="0"/>
-              <a:t>11/9/2017</a:t>
+              <a:t>11/11/2017</a:t>
             </a:fld>
             <a:endParaRPr lang="en-US" dirty="0"/>
           </a:p>
@@ -4423,7 +4858,7 @@
           <a:p>
             <a:fld id="{9796027F-7875-4030-9381-8BD8C4F21935}" type="datetimeFigureOut">
               <a:rPr lang="en-US" dirty="0"/>
-              <a:t>11/9/2017</a:t>
+              <a:t>11/11/2017</a:t>
             </a:fld>
             <a:endParaRPr lang="en-US" dirty="0"/>
           </a:p>
@@ -4862,7 +5297,7 @@
           <a:p>
             <a:fld id="{9796027F-7875-4030-9381-8BD8C4F21935}" type="datetimeFigureOut">
               <a:rPr lang="en-US" dirty="0"/>
-              <a:t>11/9/2017</a:t>
+              <a:t>11/11/2017</a:t>
             </a:fld>
             <a:endParaRPr lang="en-US" dirty="0"/>
           </a:p>
@@ -4975,7 +5410,7 @@
           <a:p>
             <a:fld id="{4509A250-FF31-4206-8172-F9D3106AACB1}" type="datetimeFigureOut">
               <a:rPr lang="en-US" dirty="0"/>
-              <a:t>11/9/2017</a:t>
+              <a:t>11/11/2017</a:t>
             </a:fld>
             <a:endParaRPr lang="en-US" dirty="0"/>
           </a:p>
@@ -5065,7 +5500,7 @@
           <a:p>
             <a:fld id="{4509A250-FF31-4206-8172-F9D3106AACB1}" type="datetimeFigureOut">
               <a:rPr lang="en-US" dirty="0"/>
-              <a:t>11/9/2017</a:t>
+              <a:t>11/11/2017</a:t>
             </a:fld>
             <a:endParaRPr lang="en-US" dirty="0"/>
           </a:p>
@@ -5339,7 +5774,7 @@
           <a:p>
             <a:fld id="{4509A250-FF31-4206-8172-F9D3106AACB1}" type="datetimeFigureOut">
               <a:rPr lang="en-US" dirty="0"/>
-              <a:t>11/9/2017</a:t>
+              <a:t>11/11/2017</a:t>
             </a:fld>
             <a:endParaRPr lang="en-US" dirty="0"/>
           </a:p>
@@ -5609,7 +6044,7 @@
           <a:p>
             <a:fld id="{4509A250-FF31-4206-8172-F9D3106AACB1}" type="datetimeFigureOut">
               <a:rPr lang="en-US" dirty="0"/>
-              <a:t>11/9/2017</a:t>
+              <a:t>11/11/2017</a:t>
             </a:fld>
             <a:endParaRPr lang="en-US" dirty="0"/>
           </a:p>
@@ -6033,7 +6468,7 @@
           <a:p>
             <a:fld id="{4AAD347D-5ACD-4C99-B74B-A9C85AD731AF}" type="datetimeFigureOut">
               <a:rPr lang="en-US" dirty="0"/>
-              <a:t>11/9/2017</a:t>
+              <a:t>11/11/2017</a:t>
             </a:fld>
             <a:endParaRPr lang="en-US" dirty="0"/>
           </a:p>
@@ -6798,6 +7233,1913 @@
           <a:p>
             <a:pPr algn="ctr"/>
             <a:r>
+              <a:rPr lang="en-US" dirty="0"/>
+              <a:t>4</a:t>
+            </a:r>
+          </a:p>
+        </p:txBody>
+      </p:sp>
+      <p:sp>
+        <p:nvSpPr>
+          <p:cNvPr id="10" name="Rectangle 9"/>
+          <p:cNvSpPr/>
+          <p:nvPr/>
+        </p:nvSpPr>
+        <p:spPr>
+          <a:xfrm>
+            <a:off x="4958364" y="2419080"/>
+            <a:ext cx="1107583" cy="579549"/>
+          </a:xfrm>
+          <a:prstGeom prst="rect">
+            <a:avLst/>
+          </a:prstGeom>
+          <a:ln w="38100">
+            <a:solidFill>
+              <a:schemeClr val="bg1"/>
+            </a:solidFill>
+          </a:ln>
+        </p:spPr>
+        <p:style>
+          <a:lnRef idx="2">
+            <a:schemeClr val="accent1">
+              <a:shade val="50000"/>
+            </a:schemeClr>
+          </a:lnRef>
+          <a:fillRef idx="1">
+            <a:schemeClr val="accent1"/>
+          </a:fillRef>
+          <a:effectRef idx="0">
+            <a:schemeClr val="accent1"/>
+          </a:effectRef>
+          <a:fontRef idx="minor">
+            <a:schemeClr val="lt1"/>
+          </a:fontRef>
+        </p:style>
+        <p:txBody>
+          <a:bodyPr rtlCol="0" anchor="ctr"/>
+          <a:lstStyle/>
+          <a:p>
+            <a:pPr algn="ctr"/>
+            <a:r>
+              <a:rPr lang="en-US" dirty="0"/>
+              <a:t>1</a:t>
+            </a:r>
+          </a:p>
+        </p:txBody>
+      </p:sp>
+      <p:sp>
+        <p:nvSpPr>
+          <p:cNvPr id="11" name="Rectangle 10"/>
+          <p:cNvSpPr/>
+          <p:nvPr/>
+        </p:nvSpPr>
+        <p:spPr>
+          <a:xfrm>
+            <a:off x="6065946" y="2419080"/>
+            <a:ext cx="1107583" cy="579549"/>
+          </a:xfrm>
+          <a:prstGeom prst="rect">
+            <a:avLst/>
+          </a:prstGeom>
+          <a:ln w="38100">
+            <a:solidFill>
+              <a:schemeClr val="bg1"/>
+            </a:solidFill>
+          </a:ln>
+        </p:spPr>
+        <p:style>
+          <a:lnRef idx="2">
+            <a:schemeClr val="accent1">
+              <a:shade val="50000"/>
+            </a:schemeClr>
+          </a:lnRef>
+          <a:fillRef idx="1">
+            <a:schemeClr val="accent1"/>
+          </a:fillRef>
+          <a:effectRef idx="0">
+            <a:schemeClr val="accent1"/>
+          </a:effectRef>
+          <a:fontRef idx="minor">
+            <a:schemeClr val="lt1"/>
+          </a:fontRef>
+        </p:style>
+        <p:txBody>
+          <a:bodyPr rtlCol="0" anchor="ctr"/>
+          <a:lstStyle/>
+          <a:p>
+            <a:pPr algn="ctr"/>
+            <a:r>
+              <a:rPr lang="en-US" dirty="0"/>
+              <a:t>2</a:t>
+            </a:r>
+          </a:p>
+        </p:txBody>
+      </p:sp>
+      <p:sp>
+        <p:nvSpPr>
+          <p:cNvPr id="12" name="Rectangle 11"/>
+          <p:cNvSpPr/>
+          <p:nvPr/>
+        </p:nvSpPr>
+        <p:spPr>
+          <a:xfrm>
+            <a:off x="1635616" y="3513786"/>
+            <a:ext cx="1107583" cy="579549"/>
+          </a:xfrm>
+          <a:prstGeom prst="rect">
+            <a:avLst/>
+          </a:prstGeom>
+          <a:ln w="38100">
+            <a:solidFill>
+              <a:schemeClr val="bg1"/>
+            </a:solidFill>
+          </a:ln>
+        </p:spPr>
+        <p:style>
+          <a:lnRef idx="2">
+            <a:schemeClr val="accent1">
+              <a:shade val="50000"/>
+            </a:schemeClr>
+          </a:lnRef>
+          <a:fillRef idx="1">
+            <a:schemeClr val="accent1"/>
+          </a:fillRef>
+          <a:effectRef idx="0">
+            <a:schemeClr val="accent1"/>
+          </a:effectRef>
+          <a:fontRef idx="minor">
+            <a:schemeClr val="lt1"/>
+          </a:fontRef>
+        </p:style>
+        <p:txBody>
+          <a:bodyPr rtlCol="0" anchor="ctr"/>
+          <a:lstStyle/>
+          <a:p>
+            <a:pPr algn="ctr"/>
+            <a:r>
+              <a:rPr lang="en-US" dirty="0"/>
+              <a:t>1</a:t>
+            </a:r>
+          </a:p>
+        </p:txBody>
+      </p:sp>
+      <p:sp>
+        <p:nvSpPr>
+          <p:cNvPr id="13" name="Rectangle 12"/>
+          <p:cNvSpPr/>
+          <p:nvPr/>
+        </p:nvSpPr>
+        <p:spPr>
+          <a:xfrm>
+            <a:off x="2702414" y="3511639"/>
+            <a:ext cx="1107583" cy="579549"/>
+          </a:xfrm>
+          <a:prstGeom prst="rect">
+            <a:avLst/>
+          </a:prstGeom>
+          <a:ln w="38100">
+            <a:solidFill>
+              <a:schemeClr val="bg1"/>
+            </a:solidFill>
+          </a:ln>
+        </p:spPr>
+        <p:style>
+          <a:lnRef idx="2">
+            <a:schemeClr val="accent1">
+              <a:shade val="50000"/>
+            </a:schemeClr>
+          </a:lnRef>
+          <a:fillRef idx="1">
+            <a:schemeClr val="accent1"/>
+          </a:fillRef>
+          <a:effectRef idx="0">
+            <a:schemeClr val="accent1"/>
+          </a:effectRef>
+          <a:fontRef idx="minor">
+            <a:schemeClr val="lt1"/>
+          </a:fontRef>
+        </p:style>
+        <p:txBody>
+          <a:bodyPr rtlCol="0" anchor="ctr"/>
+          <a:lstStyle/>
+          <a:p>
+            <a:pPr algn="ctr"/>
+            <a:r>
+              <a:rPr lang="en-US" dirty="0"/>
+              <a:t>3</a:t>
+            </a:r>
+          </a:p>
+        </p:txBody>
+      </p:sp>
+      <p:sp>
+        <p:nvSpPr>
+          <p:cNvPr id="14" name="Rectangle 13"/>
+          <p:cNvSpPr/>
+          <p:nvPr/>
+        </p:nvSpPr>
+        <p:spPr>
+          <a:xfrm>
+            <a:off x="3809997" y="3522371"/>
+            <a:ext cx="1107583" cy="579549"/>
+          </a:xfrm>
+          <a:prstGeom prst="rect">
+            <a:avLst/>
+          </a:prstGeom>
+          <a:ln w="38100">
+            <a:solidFill>
+              <a:schemeClr val="bg1"/>
+            </a:solidFill>
+          </a:ln>
+        </p:spPr>
+        <p:style>
+          <a:lnRef idx="2">
+            <a:schemeClr val="accent1">
+              <a:shade val="50000"/>
+            </a:schemeClr>
+          </a:lnRef>
+          <a:fillRef idx="1">
+            <a:schemeClr val="accent1"/>
+          </a:fillRef>
+          <a:effectRef idx="0">
+            <a:schemeClr val="accent1"/>
+          </a:effectRef>
+          <a:fontRef idx="minor">
+            <a:schemeClr val="lt1"/>
+          </a:fontRef>
+        </p:style>
+        <p:txBody>
+          <a:bodyPr rtlCol="0" anchor="ctr"/>
+          <a:lstStyle/>
+          <a:p>
+            <a:pPr algn="ctr"/>
+            <a:r>
+              <a:rPr lang="en-US" dirty="0"/>
+              <a:t>5</a:t>
+            </a:r>
+          </a:p>
+        </p:txBody>
+      </p:sp>
+      <p:sp>
+        <p:nvSpPr>
+          <p:cNvPr id="15" name="Rectangle 14"/>
+          <p:cNvSpPr/>
+          <p:nvPr/>
+        </p:nvSpPr>
+        <p:spPr>
+          <a:xfrm>
+            <a:off x="6027307" y="3522371"/>
+            <a:ext cx="1107583" cy="579549"/>
+          </a:xfrm>
+          <a:prstGeom prst="rect">
+            <a:avLst/>
+          </a:prstGeom>
+          <a:ln w="38100">
+            <a:solidFill>
+              <a:schemeClr val="bg1"/>
+            </a:solidFill>
+          </a:ln>
+        </p:spPr>
+        <p:style>
+          <a:lnRef idx="2">
+            <a:schemeClr val="accent1">
+              <a:shade val="50000"/>
+            </a:schemeClr>
+          </a:lnRef>
+          <a:fillRef idx="1">
+            <a:schemeClr val="accent1"/>
+          </a:fillRef>
+          <a:effectRef idx="0">
+            <a:schemeClr val="accent1"/>
+          </a:effectRef>
+          <a:fontRef idx="minor">
+            <a:schemeClr val="lt1"/>
+          </a:fontRef>
+        </p:style>
+        <p:txBody>
+          <a:bodyPr rtlCol="0" anchor="ctr"/>
+          <a:lstStyle/>
+          <a:p>
+            <a:pPr algn="ctr"/>
+            <a:r>
+              <a:rPr lang="en-US" dirty="0"/>
+              <a:t>2</a:t>
+            </a:r>
+          </a:p>
+        </p:txBody>
+      </p:sp>
+      <p:sp>
+        <p:nvSpPr>
+          <p:cNvPr id="16" name="Rectangle 15"/>
+          <p:cNvSpPr/>
+          <p:nvPr/>
+        </p:nvSpPr>
+        <p:spPr>
+          <a:xfrm>
+            <a:off x="4917580" y="3511638"/>
+            <a:ext cx="1107583" cy="579549"/>
+          </a:xfrm>
+          <a:prstGeom prst="rect">
+            <a:avLst/>
+          </a:prstGeom>
+          <a:ln w="38100">
+            <a:solidFill>
+              <a:schemeClr val="bg1"/>
+            </a:solidFill>
+          </a:ln>
+        </p:spPr>
+        <p:style>
+          <a:lnRef idx="2">
+            <a:schemeClr val="accent1">
+              <a:shade val="50000"/>
+            </a:schemeClr>
+          </a:lnRef>
+          <a:fillRef idx="1">
+            <a:schemeClr val="accent1"/>
+          </a:fillRef>
+          <a:effectRef idx="0">
+            <a:schemeClr val="accent1"/>
+          </a:effectRef>
+          <a:fontRef idx="minor">
+            <a:schemeClr val="lt1"/>
+          </a:fontRef>
+        </p:style>
+        <p:txBody>
+          <a:bodyPr rtlCol="0" anchor="ctr"/>
+          <a:lstStyle/>
+          <a:p>
+            <a:pPr algn="ctr"/>
+            <a:r>
+              <a:rPr lang="en-US" dirty="0"/>
+              <a:t>4</a:t>
+            </a:r>
+          </a:p>
+        </p:txBody>
+      </p:sp>
+      <p:sp>
+        <p:nvSpPr>
+          <p:cNvPr id="17" name="TextBox 16"/>
+          <p:cNvSpPr txBox="1"/>
+          <p:nvPr/>
+        </p:nvSpPr>
+        <p:spPr>
+          <a:xfrm>
+            <a:off x="1854558" y="1545465"/>
+            <a:ext cx="2215671" cy="369332"/>
+          </a:xfrm>
+          <a:prstGeom prst="rect">
+            <a:avLst/>
+          </a:prstGeom>
+          <a:noFill/>
+        </p:spPr>
+        <p:txBody>
+          <a:bodyPr wrap="none" rtlCol="0">
+            <a:spAutoFit/>
+          </a:bodyPr>
+          <a:lstStyle/>
+          <a:p>
+            <a:r>
+              <a:rPr lang="en-US" dirty="0"/>
+              <a:t>Random index = 3</a:t>
+            </a:r>
+          </a:p>
+        </p:txBody>
+      </p:sp>
+    </p:spTree>
+    <p:extLst>
+      <p:ext uri="{BB962C8B-B14F-4D97-AF65-F5344CB8AC3E}">
+        <p14:creationId xmlns:p14="http://schemas.microsoft.com/office/powerpoint/2010/main" val="2477469298"/>
+      </p:ext>
+    </p:extLst>
+  </p:cSld>
+  <p:clrMapOvr>
+    <a:masterClrMapping/>
+  </p:clrMapOvr>
+</p:sld>
+</file>
+
+<file path=ppt/slides/slide11.xml><?xml version="1.0" encoding="utf-8"?>
+<p:sld xmlns:a="http://schemas.openxmlformats.org/drawingml/2006/main" xmlns:r="http://schemas.openxmlformats.org/officeDocument/2006/relationships" xmlns:p="http://schemas.openxmlformats.org/presentationml/2006/main">
+  <p:cSld>
+    <p:spTree>
+      <p:nvGrpSpPr>
+        <p:cNvPr id="1" name=""/>
+        <p:cNvGrpSpPr/>
+        <p:nvPr/>
+      </p:nvGrpSpPr>
+      <p:grpSpPr>
+        <a:xfrm>
+          <a:off x="0" y="0"/>
+          <a:ext cx="0" cy="0"/>
+          <a:chOff x="0" y="0"/>
+          <a:chExt cx="0" cy="0"/>
+        </a:xfrm>
+      </p:grpSpPr>
+      <p:sp>
+        <p:nvSpPr>
+          <p:cNvPr id="2" name="TextBox 1"/>
+          <p:cNvSpPr txBox="1"/>
+          <p:nvPr/>
+        </p:nvSpPr>
+        <p:spPr>
+          <a:xfrm>
+            <a:off x="3915177" y="656822"/>
+            <a:ext cx="3979571" cy="523220"/>
+          </a:xfrm>
+          <a:prstGeom prst="rect">
+            <a:avLst/>
+          </a:prstGeom>
+          <a:noFill/>
+        </p:spPr>
+        <p:txBody>
+          <a:bodyPr wrap="square" rtlCol="0">
+            <a:spAutoFit/>
+          </a:bodyPr>
+          <a:lstStyle/>
+          <a:p>
+            <a:r>
+              <a:rPr lang="en-US" sz="2800" dirty="0"/>
+              <a:t>Crossover Operation</a:t>
+            </a:r>
+          </a:p>
+        </p:txBody>
+      </p:sp>
+      <p:sp>
+        <p:nvSpPr>
+          <p:cNvPr id="3" name="Rectangle 2"/>
+          <p:cNvSpPr/>
+          <p:nvPr/>
+        </p:nvSpPr>
+        <p:spPr>
+          <a:xfrm>
+            <a:off x="1635617" y="2421228"/>
+            <a:ext cx="1107583" cy="579549"/>
+          </a:xfrm>
+          <a:prstGeom prst="rect">
+            <a:avLst/>
+          </a:prstGeom>
+          <a:ln w="38100">
+            <a:solidFill>
+              <a:schemeClr val="bg1"/>
+            </a:solidFill>
+          </a:ln>
+        </p:spPr>
+        <p:style>
+          <a:lnRef idx="2">
+            <a:schemeClr val="accent1">
+              <a:shade val="50000"/>
+            </a:schemeClr>
+          </a:lnRef>
+          <a:fillRef idx="1">
+            <a:schemeClr val="accent1"/>
+          </a:fillRef>
+          <a:effectRef idx="0">
+            <a:schemeClr val="accent1"/>
+          </a:effectRef>
+          <a:fontRef idx="minor">
+            <a:schemeClr val="lt1"/>
+          </a:fontRef>
+        </p:style>
+        <p:txBody>
+          <a:bodyPr rtlCol="0" anchor="ctr"/>
+          <a:lstStyle/>
+          <a:p>
+            <a:pPr algn="ctr"/>
+            <a:r>
+              <a:rPr lang="en-US" dirty="0"/>
+              <a:t>3</a:t>
+            </a:r>
+          </a:p>
+        </p:txBody>
+      </p:sp>
+      <p:sp>
+        <p:nvSpPr>
+          <p:cNvPr id="8" name="Rectangle 7"/>
+          <p:cNvSpPr/>
+          <p:nvPr/>
+        </p:nvSpPr>
+        <p:spPr>
+          <a:xfrm>
+            <a:off x="2743199" y="2419081"/>
+            <a:ext cx="1107583" cy="579549"/>
+          </a:xfrm>
+          <a:prstGeom prst="rect">
+            <a:avLst/>
+          </a:prstGeom>
+          <a:ln w="38100">
+            <a:solidFill>
+              <a:schemeClr val="bg1"/>
+            </a:solidFill>
+          </a:ln>
+        </p:spPr>
+        <p:style>
+          <a:lnRef idx="2">
+            <a:schemeClr val="accent1">
+              <a:shade val="50000"/>
+            </a:schemeClr>
+          </a:lnRef>
+          <a:fillRef idx="1">
+            <a:schemeClr val="accent1"/>
+          </a:fillRef>
+          <a:effectRef idx="0">
+            <a:schemeClr val="accent1"/>
+          </a:effectRef>
+          <a:fontRef idx="minor">
+            <a:schemeClr val="lt1"/>
+          </a:fontRef>
+        </p:style>
+        <p:txBody>
+          <a:bodyPr rtlCol="0" anchor="ctr"/>
+          <a:lstStyle/>
+          <a:p>
+            <a:pPr algn="ctr"/>
+            <a:r>
+              <a:rPr lang="en-US" dirty="0"/>
+              <a:t>5</a:t>
+            </a:r>
+          </a:p>
+        </p:txBody>
+      </p:sp>
+      <p:sp>
+        <p:nvSpPr>
+          <p:cNvPr id="9" name="Rectangle 8"/>
+          <p:cNvSpPr/>
+          <p:nvPr/>
+        </p:nvSpPr>
+        <p:spPr>
+          <a:xfrm>
+            <a:off x="3850782" y="2419081"/>
+            <a:ext cx="1107583" cy="579549"/>
+          </a:xfrm>
+          <a:prstGeom prst="rect">
+            <a:avLst/>
+          </a:prstGeom>
+          <a:ln w="38100">
+            <a:solidFill>
+              <a:schemeClr val="bg1"/>
+            </a:solidFill>
+          </a:ln>
+        </p:spPr>
+        <p:style>
+          <a:lnRef idx="2">
+            <a:schemeClr val="accent1">
+              <a:shade val="50000"/>
+            </a:schemeClr>
+          </a:lnRef>
+          <a:fillRef idx="1">
+            <a:schemeClr val="accent1"/>
+          </a:fillRef>
+          <a:effectRef idx="0">
+            <a:schemeClr val="accent1"/>
+          </a:effectRef>
+          <a:fontRef idx="minor">
+            <a:schemeClr val="lt1"/>
+          </a:fontRef>
+        </p:style>
+        <p:txBody>
+          <a:bodyPr rtlCol="0" anchor="ctr"/>
+          <a:lstStyle/>
+          <a:p>
+            <a:pPr algn="ctr"/>
+            <a:r>
+              <a:rPr lang="en-US" dirty="0"/>
+              <a:t>4</a:t>
+            </a:r>
+          </a:p>
+        </p:txBody>
+      </p:sp>
+      <p:sp>
+        <p:nvSpPr>
+          <p:cNvPr id="10" name="Rectangle 9"/>
+          <p:cNvSpPr/>
+          <p:nvPr/>
+        </p:nvSpPr>
+        <p:spPr>
+          <a:xfrm>
+            <a:off x="6478071" y="2419079"/>
+            <a:ext cx="1107583" cy="579549"/>
+          </a:xfrm>
+          <a:prstGeom prst="rect">
+            <a:avLst/>
+          </a:prstGeom>
+          <a:ln w="38100">
+            <a:solidFill>
+              <a:schemeClr val="bg1"/>
+            </a:solidFill>
+          </a:ln>
+        </p:spPr>
+        <p:style>
+          <a:lnRef idx="2">
+            <a:schemeClr val="accent1">
+              <a:shade val="50000"/>
+            </a:schemeClr>
+          </a:lnRef>
+          <a:fillRef idx="1">
+            <a:schemeClr val="accent1"/>
+          </a:fillRef>
+          <a:effectRef idx="0">
+            <a:schemeClr val="accent1"/>
+          </a:effectRef>
+          <a:fontRef idx="minor">
+            <a:schemeClr val="lt1"/>
+          </a:fontRef>
+        </p:style>
+        <p:txBody>
+          <a:bodyPr rtlCol="0" anchor="ctr"/>
+          <a:lstStyle/>
+          <a:p>
+            <a:pPr algn="ctr"/>
+            <a:r>
+              <a:rPr lang="en-US" dirty="0"/>
+              <a:t>1</a:t>
+            </a:r>
+          </a:p>
+        </p:txBody>
+      </p:sp>
+      <p:sp>
+        <p:nvSpPr>
+          <p:cNvPr id="11" name="Rectangle 10"/>
+          <p:cNvSpPr/>
+          <p:nvPr/>
+        </p:nvSpPr>
+        <p:spPr>
+          <a:xfrm>
+            <a:off x="7585654" y="2419080"/>
+            <a:ext cx="1107583" cy="579549"/>
+          </a:xfrm>
+          <a:prstGeom prst="rect">
+            <a:avLst/>
+          </a:prstGeom>
+          <a:ln w="38100">
+            <a:solidFill>
+              <a:schemeClr val="bg1"/>
+            </a:solidFill>
+          </a:ln>
+        </p:spPr>
+        <p:style>
+          <a:lnRef idx="2">
+            <a:schemeClr val="accent1">
+              <a:shade val="50000"/>
+            </a:schemeClr>
+          </a:lnRef>
+          <a:fillRef idx="1">
+            <a:schemeClr val="accent1"/>
+          </a:fillRef>
+          <a:effectRef idx="0">
+            <a:schemeClr val="accent1"/>
+          </a:effectRef>
+          <a:fontRef idx="minor">
+            <a:schemeClr val="lt1"/>
+          </a:fontRef>
+        </p:style>
+        <p:txBody>
+          <a:bodyPr rtlCol="0" anchor="ctr"/>
+          <a:lstStyle/>
+          <a:p>
+            <a:pPr algn="ctr"/>
+            <a:r>
+              <a:rPr lang="en-US" dirty="0"/>
+              <a:t>2</a:t>
+            </a:r>
+          </a:p>
+        </p:txBody>
+      </p:sp>
+      <p:sp>
+        <p:nvSpPr>
+          <p:cNvPr id="12" name="Rectangle 11"/>
+          <p:cNvSpPr/>
+          <p:nvPr/>
+        </p:nvSpPr>
+        <p:spPr>
+          <a:xfrm>
+            <a:off x="1635616" y="3513786"/>
+            <a:ext cx="1107583" cy="579549"/>
+          </a:xfrm>
+          <a:prstGeom prst="rect">
+            <a:avLst/>
+          </a:prstGeom>
+          <a:ln w="38100">
+            <a:solidFill>
+              <a:schemeClr val="bg1"/>
+            </a:solidFill>
+          </a:ln>
+        </p:spPr>
+        <p:style>
+          <a:lnRef idx="2">
+            <a:schemeClr val="accent1">
+              <a:shade val="50000"/>
+            </a:schemeClr>
+          </a:lnRef>
+          <a:fillRef idx="1">
+            <a:schemeClr val="accent1"/>
+          </a:fillRef>
+          <a:effectRef idx="0">
+            <a:schemeClr val="accent1"/>
+          </a:effectRef>
+          <a:fontRef idx="minor">
+            <a:schemeClr val="lt1"/>
+          </a:fontRef>
+        </p:style>
+        <p:txBody>
+          <a:bodyPr rtlCol="0" anchor="ctr"/>
+          <a:lstStyle/>
+          <a:p>
+            <a:pPr algn="ctr"/>
+            <a:r>
+              <a:rPr lang="en-US" dirty="0"/>
+              <a:t>1</a:t>
+            </a:r>
+          </a:p>
+        </p:txBody>
+      </p:sp>
+      <p:sp>
+        <p:nvSpPr>
+          <p:cNvPr id="13" name="Rectangle 12"/>
+          <p:cNvSpPr/>
+          <p:nvPr/>
+        </p:nvSpPr>
+        <p:spPr>
+          <a:xfrm>
+            <a:off x="2702414" y="3511639"/>
+            <a:ext cx="1107583" cy="579549"/>
+          </a:xfrm>
+          <a:prstGeom prst="rect">
+            <a:avLst/>
+          </a:prstGeom>
+          <a:ln w="38100">
+            <a:solidFill>
+              <a:schemeClr val="bg1"/>
+            </a:solidFill>
+          </a:ln>
+        </p:spPr>
+        <p:style>
+          <a:lnRef idx="2">
+            <a:schemeClr val="accent1">
+              <a:shade val="50000"/>
+            </a:schemeClr>
+          </a:lnRef>
+          <a:fillRef idx="1">
+            <a:schemeClr val="accent1"/>
+          </a:fillRef>
+          <a:effectRef idx="0">
+            <a:schemeClr val="accent1"/>
+          </a:effectRef>
+          <a:fontRef idx="minor">
+            <a:schemeClr val="lt1"/>
+          </a:fontRef>
+        </p:style>
+        <p:txBody>
+          <a:bodyPr rtlCol="0" anchor="ctr"/>
+          <a:lstStyle/>
+          <a:p>
+            <a:pPr algn="ctr"/>
+            <a:r>
+              <a:rPr lang="en-US" dirty="0"/>
+              <a:t>3</a:t>
+            </a:r>
+          </a:p>
+        </p:txBody>
+      </p:sp>
+      <p:sp>
+        <p:nvSpPr>
+          <p:cNvPr id="14" name="Rectangle 13"/>
+          <p:cNvSpPr/>
+          <p:nvPr/>
+        </p:nvSpPr>
+        <p:spPr>
+          <a:xfrm>
+            <a:off x="3809997" y="3522371"/>
+            <a:ext cx="1107583" cy="579549"/>
+          </a:xfrm>
+          <a:prstGeom prst="rect">
+            <a:avLst/>
+          </a:prstGeom>
+          <a:ln w="38100">
+            <a:solidFill>
+              <a:schemeClr val="bg1"/>
+            </a:solidFill>
+          </a:ln>
+        </p:spPr>
+        <p:style>
+          <a:lnRef idx="2">
+            <a:schemeClr val="accent1">
+              <a:shade val="50000"/>
+            </a:schemeClr>
+          </a:lnRef>
+          <a:fillRef idx="1">
+            <a:schemeClr val="accent1"/>
+          </a:fillRef>
+          <a:effectRef idx="0">
+            <a:schemeClr val="accent1"/>
+          </a:effectRef>
+          <a:fontRef idx="minor">
+            <a:schemeClr val="lt1"/>
+          </a:fontRef>
+        </p:style>
+        <p:txBody>
+          <a:bodyPr rtlCol="0" anchor="ctr"/>
+          <a:lstStyle/>
+          <a:p>
+            <a:pPr algn="ctr"/>
+            <a:r>
+              <a:rPr lang="en-US" dirty="0"/>
+              <a:t>5</a:t>
+            </a:r>
+          </a:p>
+        </p:txBody>
+      </p:sp>
+      <p:sp>
+        <p:nvSpPr>
+          <p:cNvPr id="15" name="Rectangle 14"/>
+          <p:cNvSpPr/>
+          <p:nvPr/>
+        </p:nvSpPr>
+        <p:spPr>
+          <a:xfrm>
+            <a:off x="7585654" y="3522371"/>
+            <a:ext cx="1107583" cy="579549"/>
+          </a:xfrm>
+          <a:prstGeom prst="rect">
+            <a:avLst/>
+          </a:prstGeom>
+          <a:ln w="38100">
+            <a:solidFill>
+              <a:schemeClr val="bg1"/>
+            </a:solidFill>
+          </a:ln>
+        </p:spPr>
+        <p:style>
+          <a:lnRef idx="2">
+            <a:schemeClr val="accent1">
+              <a:shade val="50000"/>
+            </a:schemeClr>
+          </a:lnRef>
+          <a:fillRef idx="1">
+            <a:schemeClr val="accent1"/>
+          </a:fillRef>
+          <a:effectRef idx="0">
+            <a:schemeClr val="accent1"/>
+          </a:effectRef>
+          <a:fontRef idx="minor">
+            <a:schemeClr val="lt1"/>
+          </a:fontRef>
+        </p:style>
+        <p:txBody>
+          <a:bodyPr rtlCol="0" anchor="ctr"/>
+          <a:lstStyle/>
+          <a:p>
+            <a:pPr algn="ctr"/>
+            <a:r>
+              <a:rPr lang="en-US" dirty="0"/>
+              <a:t>4</a:t>
+            </a:r>
+          </a:p>
+        </p:txBody>
+      </p:sp>
+      <p:sp>
+        <p:nvSpPr>
+          <p:cNvPr id="16" name="Rectangle 15"/>
+          <p:cNvSpPr/>
+          <p:nvPr/>
+        </p:nvSpPr>
+        <p:spPr>
+          <a:xfrm>
+            <a:off x="6478071" y="3511638"/>
+            <a:ext cx="1107583" cy="579549"/>
+          </a:xfrm>
+          <a:prstGeom prst="rect">
+            <a:avLst/>
+          </a:prstGeom>
+          <a:ln w="38100">
+            <a:solidFill>
+              <a:schemeClr val="bg1"/>
+            </a:solidFill>
+          </a:ln>
+        </p:spPr>
+        <p:style>
+          <a:lnRef idx="2">
+            <a:schemeClr val="accent1">
+              <a:shade val="50000"/>
+            </a:schemeClr>
+          </a:lnRef>
+          <a:fillRef idx="1">
+            <a:schemeClr val="accent1"/>
+          </a:fillRef>
+          <a:effectRef idx="0">
+            <a:schemeClr val="accent1"/>
+          </a:effectRef>
+          <a:fontRef idx="minor">
+            <a:schemeClr val="lt1"/>
+          </a:fontRef>
+        </p:style>
+        <p:txBody>
+          <a:bodyPr rtlCol="0" anchor="ctr"/>
+          <a:lstStyle/>
+          <a:p>
+            <a:pPr algn="ctr"/>
+            <a:r>
+              <a:rPr lang="en-US" dirty="0"/>
+              <a:t>2</a:t>
+            </a:r>
+          </a:p>
+        </p:txBody>
+      </p:sp>
+      <p:sp>
+        <p:nvSpPr>
+          <p:cNvPr id="17" name="TextBox 16"/>
+          <p:cNvSpPr txBox="1"/>
+          <p:nvPr/>
+        </p:nvSpPr>
+        <p:spPr>
+          <a:xfrm>
+            <a:off x="1854558" y="1545465"/>
+            <a:ext cx="2215671" cy="369332"/>
+          </a:xfrm>
+          <a:prstGeom prst="rect">
+            <a:avLst/>
+          </a:prstGeom>
+          <a:noFill/>
+        </p:spPr>
+        <p:txBody>
+          <a:bodyPr wrap="none" rtlCol="0">
+            <a:spAutoFit/>
+          </a:bodyPr>
+          <a:lstStyle/>
+          <a:p>
+            <a:r>
+              <a:rPr lang="en-US" dirty="0"/>
+              <a:t>Random index = 3</a:t>
+            </a:r>
+          </a:p>
+        </p:txBody>
+      </p:sp>
+      <p:cxnSp>
+        <p:nvCxnSpPr>
+          <p:cNvPr id="19" name="Straight Arrow Connector 18"/>
+          <p:cNvCxnSpPr>
+            <a:stCxn id="9" idx="3"/>
+          </p:cNvCxnSpPr>
+          <p:nvPr/>
+        </p:nvCxnSpPr>
+        <p:spPr>
+          <a:xfrm flipV="1">
+            <a:off x="4958365" y="2704563"/>
+            <a:ext cx="978796" cy="4293"/>
+          </a:xfrm>
+          <a:prstGeom prst="straightConnector1">
+            <a:avLst/>
+          </a:prstGeom>
+          <a:ln>
+            <a:tailEnd type="triangle"/>
+          </a:ln>
+        </p:spPr>
+        <p:style>
+          <a:lnRef idx="3">
+            <a:schemeClr val="accent1"/>
+          </a:lnRef>
+          <a:fillRef idx="0">
+            <a:schemeClr val="accent1"/>
+          </a:fillRef>
+          <a:effectRef idx="2">
+            <a:schemeClr val="accent1"/>
+          </a:effectRef>
+          <a:fontRef idx="minor">
+            <a:schemeClr val="tx1"/>
+          </a:fontRef>
+        </p:style>
+      </p:cxnSp>
+      <p:cxnSp>
+        <p:nvCxnSpPr>
+          <p:cNvPr id="20" name="Straight Arrow Connector 19"/>
+          <p:cNvCxnSpPr>
+            <a:stCxn id="14" idx="3"/>
+          </p:cNvCxnSpPr>
+          <p:nvPr/>
+        </p:nvCxnSpPr>
+        <p:spPr>
+          <a:xfrm flipV="1">
+            <a:off x="4917580" y="3799268"/>
+            <a:ext cx="1019581" cy="12878"/>
+          </a:xfrm>
+          <a:prstGeom prst="straightConnector1">
+            <a:avLst/>
+          </a:prstGeom>
+          <a:ln>
+            <a:tailEnd type="triangle"/>
+          </a:ln>
+        </p:spPr>
+        <p:style>
+          <a:lnRef idx="3">
+            <a:schemeClr val="accent1"/>
+          </a:lnRef>
+          <a:fillRef idx="0">
+            <a:schemeClr val="accent1"/>
+          </a:fillRef>
+          <a:effectRef idx="2">
+            <a:schemeClr val="accent1"/>
+          </a:effectRef>
+          <a:fontRef idx="minor">
+            <a:schemeClr val="tx1"/>
+          </a:fontRef>
+        </p:style>
+      </p:cxnSp>
+      <p:sp>
+        <p:nvSpPr>
+          <p:cNvPr id="23" name="Curved Left Arrow 22"/>
+          <p:cNvSpPr/>
+          <p:nvPr/>
+        </p:nvSpPr>
+        <p:spPr>
+          <a:xfrm>
+            <a:off x="9146145" y="2704563"/>
+            <a:ext cx="731520" cy="1216152"/>
+          </a:xfrm>
+          <a:prstGeom prst="curvedLeftArrow">
+            <a:avLst/>
+          </a:prstGeom>
+        </p:spPr>
+        <p:style>
+          <a:lnRef idx="2">
+            <a:schemeClr val="accent1">
+              <a:shade val="50000"/>
+            </a:schemeClr>
+          </a:lnRef>
+          <a:fillRef idx="1">
+            <a:schemeClr val="accent1"/>
+          </a:fillRef>
+          <a:effectRef idx="0">
+            <a:schemeClr val="accent1"/>
+          </a:effectRef>
+          <a:fontRef idx="minor">
+            <a:schemeClr val="lt1"/>
+          </a:fontRef>
+        </p:style>
+        <p:txBody>
+          <a:bodyPr rtlCol="0" anchor="ctr"/>
+          <a:lstStyle/>
+          <a:p>
+            <a:pPr algn="ctr"/>
+            <a:endParaRPr lang="en-US">
+              <a:solidFill>
+                <a:schemeClr val="tx1"/>
+              </a:solidFill>
+            </a:endParaRPr>
+          </a:p>
+        </p:txBody>
+      </p:sp>
+      <p:sp>
+        <p:nvSpPr>
+          <p:cNvPr id="25" name="Curved Right Arrow 24"/>
+          <p:cNvSpPr/>
+          <p:nvPr/>
+        </p:nvSpPr>
+        <p:spPr>
+          <a:xfrm rot="10800000">
+            <a:off x="9591762" y="2304492"/>
+            <a:ext cx="1066358" cy="1797428"/>
+          </a:xfrm>
+          <a:prstGeom prst="curvedRightArrow">
+            <a:avLst/>
+          </a:prstGeom>
+        </p:spPr>
+        <p:style>
+          <a:lnRef idx="2">
+            <a:schemeClr val="accent1">
+              <a:shade val="50000"/>
+            </a:schemeClr>
+          </a:lnRef>
+          <a:fillRef idx="1">
+            <a:schemeClr val="accent1"/>
+          </a:fillRef>
+          <a:effectRef idx="0">
+            <a:schemeClr val="accent1"/>
+          </a:effectRef>
+          <a:fontRef idx="minor">
+            <a:schemeClr val="lt1"/>
+          </a:fontRef>
+        </p:style>
+        <p:txBody>
+          <a:bodyPr rtlCol="0" anchor="ctr"/>
+          <a:lstStyle/>
+          <a:p>
+            <a:pPr algn="ctr"/>
+            <a:endParaRPr lang="en-US">
+              <a:solidFill>
+                <a:schemeClr val="tx1"/>
+              </a:solidFill>
+            </a:endParaRPr>
+          </a:p>
+        </p:txBody>
+      </p:sp>
+    </p:spTree>
+    <p:extLst>
+      <p:ext uri="{BB962C8B-B14F-4D97-AF65-F5344CB8AC3E}">
+        <p14:creationId xmlns:p14="http://schemas.microsoft.com/office/powerpoint/2010/main" val="2639030084"/>
+      </p:ext>
+    </p:extLst>
+  </p:cSld>
+  <p:clrMapOvr>
+    <a:masterClrMapping/>
+  </p:clrMapOvr>
+</p:sld>
+</file>
+
+<file path=ppt/slides/slide12.xml><?xml version="1.0" encoding="utf-8"?>
+<p:sld xmlns:a="http://schemas.openxmlformats.org/drawingml/2006/main" xmlns:r="http://schemas.openxmlformats.org/officeDocument/2006/relationships" xmlns:p="http://schemas.openxmlformats.org/presentationml/2006/main">
+  <p:cSld>
+    <p:spTree>
+      <p:nvGrpSpPr>
+        <p:cNvPr id="1" name=""/>
+        <p:cNvGrpSpPr/>
+        <p:nvPr/>
+      </p:nvGrpSpPr>
+      <p:grpSpPr>
+        <a:xfrm>
+          <a:off x="0" y="0"/>
+          <a:ext cx="0" cy="0"/>
+          <a:chOff x="0" y="0"/>
+          <a:chExt cx="0" cy="0"/>
+        </a:xfrm>
+      </p:grpSpPr>
+      <p:sp>
+        <p:nvSpPr>
+          <p:cNvPr id="2" name="TextBox 1"/>
+          <p:cNvSpPr txBox="1"/>
+          <p:nvPr/>
+        </p:nvSpPr>
+        <p:spPr>
+          <a:xfrm>
+            <a:off x="3915177" y="656822"/>
+            <a:ext cx="3979571" cy="523220"/>
+          </a:xfrm>
+          <a:prstGeom prst="rect">
+            <a:avLst/>
+          </a:prstGeom>
+          <a:noFill/>
+        </p:spPr>
+        <p:txBody>
+          <a:bodyPr wrap="square" rtlCol="0">
+            <a:spAutoFit/>
+          </a:bodyPr>
+          <a:lstStyle/>
+          <a:p>
+            <a:r>
+              <a:rPr lang="en-US" sz="2800" dirty="0"/>
+              <a:t>Crossover Operation</a:t>
+            </a:r>
+          </a:p>
+        </p:txBody>
+      </p:sp>
+      <p:sp>
+        <p:nvSpPr>
+          <p:cNvPr id="3" name="Rectangle 2"/>
+          <p:cNvSpPr/>
+          <p:nvPr/>
+        </p:nvSpPr>
+        <p:spPr>
+          <a:xfrm>
+            <a:off x="1635617" y="2421228"/>
+            <a:ext cx="1107583" cy="579549"/>
+          </a:xfrm>
+          <a:prstGeom prst="rect">
+            <a:avLst/>
+          </a:prstGeom>
+          <a:ln w="38100">
+            <a:solidFill>
+              <a:schemeClr val="bg1"/>
+            </a:solidFill>
+          </a:ln>
+        </p:spPr>
+        <p:style>
+          <a:lnRef idx="2">
+            <a:schemeClr val="accent1">
+              <a:shade val="50000"/>
+            </a:schemeClr>
+          </a:lnRef>
+          <a:fillRef idx="1">
+            <a:schemeClr val="accent1"/>
+          </a:fillRef>
+          <a:effectRef idx="0">
+            <a:schemeClr val="accent1"/>
+          </a:effectRef>
+          <a:fontRef idx="minor">
+            <a:schemeClr val="lt1"/>
+          </a:fontRef>
+        </p:style>
+        <p:txBody>
+          <a:bodyPr rtlCol="0" anchor="ctr"/>
+          <a:lstStyle/>
+          <a:p>
+            <a:pPr algn="ctr"/>
+            <a:r>
+              <a:rPr lang="en-US" dirty="0"/>
+              <a:t>3</a:t>
+            </a:r>
+          </a:p>
+        </p:txBody>
+      </p:sp>
+      <p:sp>
+        <p:nvSpPr>
+          <p:cNvPr id="8" name="Rectangle 7"/>
+          <p:cNvSpPr/>
+          <p:nvPr/>
+        </p:nvSpPr>
+        <p:spPr>
+          <a:xfrm>
+            <a:off x="2743199" y="2419081"/>
+            <a:ext cx="1107583" cy="579549"/>
+          </a:xfrm>
+          <a:prstGeom prst="rect">
+            <a:avLst/>
+          </a:prstGeom>
+          <a:ln w="38100">
+            <a:solidFill>
+              <a:schemeClr val="bg1"/>
+            </a:solidFill>
+          </a:ln>
+        </p:spPr>
+        <p:style>
+          <a:lnRef idx="2">
+            <a:schemeClr val="accent1">
+              <a:shade val="50000"/>
+            </a:schemeClr>
+          </a:lnRef>
+          <a:fillRef idx="1">
+            <a:schemeClr val="accent1"/>
+          </a:fillRef>
+          <a:effectRef idx="0">
+            <a:schemeClr val="accent1"/>
+          </a:effectRef>
+          <a:fontRef idx="minor">
+            <a:schemeClr val="lt1"/>
+          </a:fontRef>
+        </p:style>
+        <p:txBody>
+          <a:bodyPr rtlCol="0" anchor="ctr"/>
+          <a:lstStyle/>
+          <a:p>
+            <a:pPr algn="ctr"/>
+            <a:r>
+              <a:rPr lang="en-US" dirty="0"/>
+              <a:t>5</a:t>
+            </a:r>
+          </a:p>
+        </p:txBody>
+      </p:sp>
+      <p:sp>
+        <p:nvSpPr>
+          <p:cNvPr id="9" name="Rectangle 8"/>
+          <p:cNvSpPr/>
+          <p:nvPr/>
+        </p:nvSpPr>
+        <p:spPr>
+          <a:xfrm>
+            <a:off x="3850782" y="2419081"/>
+            <a:ext cx="1107583" cy="579549"/>
+          </a:xfrm>
+          <a:prstGeom prst="rect">
+            <a:avLst/>
+          </a:prstGeom>
+          <a:ln w="38100">
+            <a:solidFill>
+              <a:schemeClr val="bg1"/>
+            </a:solidFill>
+          </a:ln>
+        </p:spPr>
+        <p:style>
+          <a:lnRef idx="2">
+            <a:schemeClr val="accent1">
+              <a:shade val="50000"/>
+            </a:schemeClr>
+          </a:lnRef>
+          <a:fillRef idx="1">
+            <a:schemeClr val="accent1"/>
+          </a:fillRef>
+          <a:effectRef idx="0">
+            <a:schemeClr val="accent1"/>
+          </a:effectRef>
+          <a:fontRef idx="minor">
+            <a:schemeClr val="lt1"/>
+          </a:fontRef>
+        </p:style>
+        <p:txBody>
+          <a:bodyPr rtlCol="0" anchor="ctr"/>
+          <a:lstStyle/>
+          <a:p>
+            <a:pPr algn="ctr"/>
+            <a:r>
+              <a:rPr lang="en-US" dirty="0"/>
+              <a:t>4</a:t>
+            </a:r>
+          </a:p>
+        </p:txBody>
+      </p:sp>
+      <p:sp>
+        <p:nvSpPr>
+          <p:cNvPr id="10" name="Rectangle 9"/>
+          <p:cNvSpPr/>
+          <p:nvPr/>
+        </p:nvSpPr>
+        <p:spPr>
+          <a:xfrm>
+            <a:off x="6362160" y="3511638"/>
+            <a:ext cx="1107583" cy="579549"/>
+          </a:xfrm>
+          <a:prstGeom prst="rect">
+            <a:avLst/>
+          </a:prstGeom>
+          <a:ln w="38100">
+            <a:solidFill>
+              <a:schemeClr val="bg1"/>
+            </a:solidFill>
+          </a:ln>
+        </p:spPr>
+        <p:style>
+          <a:lnRef idx="2">
+            <a:schemeClr val="accent1">
+              <a:shade val="50000"/>
+            </a:schemeClr>
+          </a:lnRef>
+          <a:fillRef idx="1">
+            <a:schemeClr val="accent1"/>
+          </a:fillRef>
+          <a:effectRef idx="0">
+            <a:schemeClr val="accent1"/>
+          </a:effectRef>
+          <a:fontRef idx="minor">
+            <a:schemeClr val="lt1"/>
+          </a:fontRef>
+        </p:style>
+        <p:txBody>
+          <a:bodyPr rtlCol="0" anchor="ctr"/>
+          <a:lstStyle/>
+          <a:p>
+            <a:pPr algn="ctr"/>
+            <a:r>
+              <a:rPr lang="en-US" dirty="0">
+                <a:solidFill>
+                  <a:srgbClr val="FFFF00"/>
+                </a:solidFill>
+              </a:rPr>
+              <a:t>1</a:t>
+            </a:r>
+          </a:p>
+        </p:txBody>
+      </p:sp>
+      <p:sp>
+        <p:nvSpPr>
+          <p:cNvPr id="11" name="Rectangle 10"/>
+          <p:cNvSpPr/>
+          <p:nvPr/>
+        </p:nvSpPr>
+        <p:spPr>
+          <a:xfrm>
+            <a:off x="7469744" y="3522371"/>
+            <a:ext cx="1107583" cy="579549"/>
+          </a:xfrm>
+          <a:prstGeom prst="rect">
+            <a:avLst/>
+          </a:prstGeom>
+          <a:ln w="38100">
+            <a:solidFill>
+              <a:schemeClr val="bg1"/>
+            </a:solidFill>
+          </a:ln>
+        </p:spPr>
+        <p:style>
+          <a:lnRef idx="2">
+            <a:schemeClr val="accent1">
+              <a:shade val="50000"/>
+            </a:schemeClr>
+          </a:lnRef>
+          <a:fillRef idx="1">
+            <a:schemeClr val="accent1"/>
+          </a:fillRef>
+          <a:effectRef idx="0">
+            <a:schemeClr val="accent1"/>
+          </a:effectRef>
+          <a:fontRef idx="minor">
+            <a:schemeClr val="lt1"/>
+          </a:fontRef>
+        </p:style>
+        <p:txBody>
+          <a:bodyPr rtlCol="0" anchor="ctr"/>
+          <a:lstStyle/>
+          <a:p>
+            <a:pPr algn="ctr"/>
+            <a:r>
+              <a:rPr lang="en-US" dirty="0"/>
+              <a:t>2</a:t>
+            </a:r>
+          </a:p>
+        </p:txBody>
+      </p:sp>
+      <p:sp>
+        <p:nvSpPr>
+          <p:cNvPr id="12" name="Rectangle 11"/>
+          <p:cNvSpPr/>
+          <p:nvPr/>
+        </p:nvSpPr>
+        <p:spPr>
+          <a:xfrm>
+            <a:off x="1635616" y="3513786"/>
+            <a:ext cx="1107583" cy="579549"/>
+          </a:xfrm>
+          <a:prstGeom prst="rect">
+            <a:avLst/>
+          </a:prstGeom>
+          <a:ln w="38100">
+            <a:solidFill>
+              <a:schemeClr val="bg1"/>
+            </a:solidFill>
+          </a:ln>
+        </p:spPr>
+        <p:style>
+          <a:lnRef idx="2">
+            <a:schemeClr val="accent1">
+              <a:shade val="50000"/>
+            </a:schemeClr>
+          </a:lnRef>
+          <a:fillRef idx="1">
+            <a:schemeClr val="accent1"/>
+          </a:fillRef>
+          <a:effectRef idx="0">
+            <a:schemeClr val="accent1"/>
+          </a:effectRef>
+          <a:fontRef idx="minor">
+            <a:schemeClr val="lt1"/>
+          </a:fontRef>
+        </p:style>
+        <p:txBody>
+          <a:bodyPr rtlCol="0" anchor="ctr"/>
+          <a:lstStyle/>
+          <a:p>
+            <a:pPr algn="ctr"/>
+            <a:r>
+              <a:rPr lang="en-US" dirty="0"/>
+              <a:t>1</a:t>
+            </a:r>
+          </a:p>
+        </p:txBody>
+      </p:sp>
+      <p:sp>
+        <p:nvSpPr>
+          <p:cNvPr id="13" name="Rectangle 12"/>
+          <p:cNvSpPr/>
+          <p:nvPr/>
+        </p:nvSpPr>
+        <p:spPr>
+          <a:xfrm>
+            <a:off x="2702414" y="3511639"/>
+            <a:ext cx="1107583" cy="579549"/>
+          </a:xfrm>
+          <a:prstGeom prst="rect">
+            <a:avLst/>
+          </a:prstGeom>
+          <a:ln w="38100">
+            <a:solidFill>
+              <a:schemeClr val="bg1"/>
+            </a:solidFill>
+          </a:ln>
+        </p:spPr>
+        <p:style>
+          <a:lnRef idx="2">
+            <a:schemeClr val="accent1">
+              <a:shade val="50000"/>
+            </a:schemeClr>
+          </a:lnRef>
+          <a:fillRef idx="1">
+            <a:schemeClr val="accent1"/>
+          </a:fillRef>
+          <a:effectRef idx="0">
+            <a:schemeClr val="accent1"/>
+          </a:effectRef>
+          <a:fontRef idx="minor">
+            <a:schemeClr val="lt1"/>
+          </a:fontRef>
+        </p:style>
+        <p:txBody>
+          <a:bodyPr rtlCol="0" anchor="ctr"/>
+          <a:lstStyle/>
+          <a:p>
+            <a:pPr algn="ctr"/>
+            <a:r>
+              <a:rPr lang="en-US" dirty="0"/>
+              <a:t>3</a:t>
+            </a:r>
+          </a:p>
+        </p:txBody>
+      </p:sp>
+      <p:sp>
+        <p:nvSpPr>
+          <p:cNvPr id="14" name="Rectangle 13"/>
+          <p:cNvSpPr/>
+          <p:nvPr/>
+        </p:nvSpPr>
+        <p:spPr>
+          <a:xfrm>
+            <a:off x="3809997" y="3522371"/>
+            <a:ext cx="1107583" cy="579549"/>
+          </a:xfrm>
+          <a:prstGeom prst="rect">
+            <a:avLst/>
+          </a:prstGeom>
+          <a:ln w="38100">
+            <a:solidFill>
+              <a:schemeClr val="bg1"/>
+            </a:solidFill>
+          </a:ln>
+        </p:spPr>
+        <p:style>
+          <a:lnRef idx="2">
+            <a:schemeClr val="accent1">
+              <a:shade val="50000"/>
+            </a:schemeClr>
+          </a:lnRef>
+          <a:fillRef idx="1">
+            <a:schemeClr val="accent1"/>
+          </a:fillRef>
+          <a:effectRef idx="0">
+            <a:schemeClr val="accent1"/>
+          </a:effectRef>
+          <a:fontRef idx="minor">
+            <a:schemeClr val="lt1"/>
+          </a:fontRef>
+        </p:style>
+        <p:txBody>
+          <a:bodyPr rtlCol="0" anchor="ctr"/>
+          <a:lstStyle/>
+          <a:p>
+            <a:pPr algn="ctr"/>
+            <a:r>
+              <a:rPr lang="en-US" dirty="0"/>
+              <a:t>5</a:t>
+            </a:r>
+          </a:p>
+        </p:txBody>
+      </p:sp>
+      <p:sp>
+        <p:nvSpPr>
+          <p:cNvPr id="15" name="Rectangle 14"/>
+          <p:cNvSpPr/>
+          <p:nvPr/>
+        </p:nvSpPr>
+        <p:spPr>
+          <a:xfrm>
+            <a:off x="7469744" y="2419081"/>
+            <a:ext cx="1107583" cy="579549"/>
+          </a:xfrm>
+          <a:prstGeom prst="rect">
+            <a:avLst/>
+          </a:prstGeom>
+          <a:ln w="38100">
+            <a:solidFill>
+              <a:schemeClr val="bg1"/>
+            </a:solidFill>
+          </a:ln>
+        </p:spPr>
+        <p:style>
+          <a:lnRef idx="2">
+            <a:schemeClr val="accent1">
+              <a:shade val="50000"/>
+            </a:schemeClr>
+          </a:lnRef>
+          <a:fillRef idx="1">
+            <a:schemeClr val="accent1"/>
+          </a:fillRef>
+          <a:effectRef idx="0">
+            <a:schemeClr val="accent1"/>
+          </a:effectRef>
+          <a:fontRef idx="minor">
+            <a:schemeClr val="lt1"/>
+          </a:fontRef>
+        </p:style>
+        <p:txBody>
+          <a:bodyPr rtlCol="0" anchor="ctr"/>
+          <a:lstStyle/>
+          <a:p>
+            <a:pPr algn="ctr"/>
+            <a:r>
+              <a:rPr lang="en-US" dirty="0">
+                <a:solidFill>
+                  <a:srgbClr val="FFFF00"/>
+                </a:solidFill>
+              </a:rPr>
+              <a:t>4</a:t>
+            </a:r>
+          </a:p>
+        </p:txBody>
+      </p:sp>
+      <p:sp>
+        <p:nvSpPr>
+          <p:cNvPr id="16" name="Rectangle 15"/>
+          <p:cNvSpPr/>
+          <p:nvPr/>
+        </p:nvSpPr>
+        <p:spPr>
+          <a:xfrm>
+            <a:off x="6362161" y="2419081"/>
+            <a:ext cx="1107583" cy="579549"/>
+          </a:xfrm>
+          <a:prstGeom prst="rect">
+            <a:avLst/>
+          </a:prstGeom>
+          <a:ln w="38100">
+            <a:solidFill>
+              <a:schemeClr val="bg1"/>
+            </a:solidFill>
+          </a:ln>
+        </p:spPr>
+        <p:style>
+          <a:lnRef idx="2">
+            <a:schemeClr val="accent1">
+              <a:shade val="50000"/>
+            </a:schemeClr>
+          </a:lnRef>
+          <a:fillRef idx="1">
+            <a:schemeClr val="accent1"/>
+          </a:fillRef>
+          <a:effectRef idx="0">
+            <a:schemeClr val="accent1"/>
+          </a:effectRef>
+          <a:fontRef idx="minor">
+            <a:schemeClr val="lt1"/>
+          </a:fontRef>
+        </p:style>
+        <p:txBody>
+          <a:bodyPr rtlCol="0" anchor="ctr"/>
+          <a:lstStyle/>
+          <a:p>
+            <a:pPr algn="ctr"/>
+            <a:r>
+              <a:rPr lang="en-US" dirty="0">
+                <a:solidFill>
+                  <a:schemeClr val="tx1"/>
+                </a:solidFill>
+              </a:rPr>
+              <a:t>2</a:t>
+            </a:r>
+          </a:p>
+        </p:txBody>
+      </p:sp>
+      <p:sp>
+        <p:nvSpPr>
+          <p:cNvPr id="17" name="TextBox 16"/>
+          <p:cNvSpPr txBox="1"/>
+          <p:nvPr/>
+        </p:nvSpPr>
+        <p:spPr>
+          <a:xfrm>
+            <a:off x="1854558" y="1545465"/>
+            <a:ext cx="2215671" cy="369332"/>
+          </a:xfrm>
+          <a:prstGeom prst="rect">
+            <a:avLst/>
+          </a:prstGeom>
+          <a:noFill/>
+        </p:spPr>
+        <p:txBody>
+          <a:bodyPr wrap="none" rtlCol="0">
+            <a:spAutoFit/>
+          </a:bodyPr>
+          <a:lstStyle/>
+          <a:p>
+            <a:r>
+              <a:rPr lang="en-US" dirty="0"/>
+              <a:t>Random index = 3</a:t>
+            </a:r>
+          </a:p>
+        </p:txBody>
+      </p:sp>
+      <p:sp>
+        <p:nvSpPr>
+          <p:cNvPr id="4" name="TextBox 3"/>
+          <p:cNvSpPr txBox="1"/>
+          <p:nvPr/>
+        </p:nvSpPr>
+        <p:spPr>
+          <a:xfrm>
+            <a:off x="6812924" y="1545465"/>
+            <a:ext cx="1952779" cy="369332"/>
+          </a:xfrm>
+          <a:prstGeom prst="rect">
+            <a:avLst/>
+          </a:prstGeom>
+          <a:noFill/>
+        </p:spPr>
+        <p:txBody>
+          <a:bodyPr wrap="none" rtlCol="0">
+            <a:spAutoFit/>
+          </a:bodyPr>
+          <a:lstStyle/>
+          <a:p>
+            <a:r>
+              <a:rPr lang="en-US" dirty="0">
+                <a:solidFill>
+                  <a:srgbClr val="FFFF00"/>
+                </a:solidFill>
+              </a:rPr>
+              <a:t>Already in array</a:t>
+            </a:r>
+          </a:p>
+        </p:txBody>
+      </p:sp>
+    </p:spTree>
+    <p:extLst>
+      <p:ext uri="{BB962C8B-B14F-4D97-AF65-F5344CB8AC3E}">
+        <p14:creationId xmlns:p14="http://schemas.microsoft.com/office/powerpoint/2010/main" val="901840836"/>
+      </p:ext>
+    </p:extLst>
+  </p:cSld>
+  <p:clrMapOvr>
+    <a:masterClrMapping/>
+  </p:clrMapOvr>
+</p:sld>
+</file>
+
+<file path=ppt/slides/slide13.xml><?xml version="1.0" encoding="utf-8"?>
+<p:sld xmlns:a="http://schemas.openxmlformats.org/drawingml/2006/main" xmlns:r="http://schemas.openxmlformats.org/officeDocument/2006/relationships" xmlns:p="http://schemas.openxmlformats.org/presentationml/2006/main">
+  <p:cSld>
+    <p:spTree>
+      <p:nvGrpSpPr>
+        <p:cNvPr id="1" name=""/>
+        <p:cNvGrpSpPr/>
+        <p:nvPr/>
+      </p:nvGrpSpPr>
+      <p:grpSpPr>
+        <a:xfrm>
+          <a:off x="0" y="0"/>
+          <a:ext cx="0" cy="0"/>
+          <a:chOff x="0" y="0"/>
+          <a:chExt cx="0" cy="0"/>
+        </a:xfrm>
+      </p:grpSpPr>
+      <p:sp>
+        <p:nvSpPr>
+          <p:cNvPr id="2" name="TextBox 1"/>
+          <p:cNvSpPr txBox="1"/>
+          <p:nvPr/>
+        </p:nvSpPr>
+        <p:spPr>
+          <a:xfrm>
+            <a:off x="3915177" y="656822"/>
+            <a:ext cx="3979571" cy="523220"/>
+          </a:xfrm>
+          <a:prstGeom prst="rect">
+            <a:avLst/>
+          </a:prstGeom>
+          <a:noFill/>
+        </p:spPr>
+        <p:txBody>
+          <a:bodyPr wrap="square" rtlCol="0">
+            <a:spAutoFit/>
+          </a:bodyPr>
+          <a:lstStyle/>
+          <a:p>
+            <a:r>
+              <a:rPr lang="en-US" sz="2800" dirty="0"/>
+              <a:t>Crossover Operation</a:t>
+            </a:r>
+          </a:p>
+        </p:txBody>
+      </p:sp>
+      <p:sp>
+        <p:nvSpPr>
+          <p:cNvPr id="3" name="Rectangle 2"/>
+          <p:cNvSpPr/>
+          <p:nvPr/>
+        </p:nvSpPr>
+        <p:spPr>
+          <a:xfrm>
+            <a:off x="1635617" y="2421228"/>
+            <a:ext cx="1107583" cy="579549"/>
+          </a:xfrm>
+          <a:prstGeom prst="rect">
+            <a:avLst/>
+          </a:prstGeom>
+          <a:ln w="38100">
+            <a:solidFill>
+              <a:schemeClr val="bg1"/>
+            </a:solidFill>
+          </a:ln>
+        </p:spPr>
+        <p:style>
+          <a:lnRef idx="2">
+            <a:schemeClr val="accent1">
+              <a:shade val="50000"/>
+            </a:schemeClr>
+          </a:lnRef>
+          <a:fillRef idx="1">
+            <a:schemeClr val="accent1"/>
+          </a:fillRef>
+          <a:effectRef idx="0">
+            <a:schemeClr val="accent1"/>
+          </a:effectRef>
+          <a:fontRef idx="minor">
+            <a:schemeClr val="lt1"/>
+          </a:fontRef>
+        </p:style>
+        <p:txBody>
+          <a:bodyPr rtlCol="0" anchor="ctr"/>
+          <a:lstStyle/>
+          <a:p>
+            <a:pPr algn="ctr"/>
+            <a:r>
+              <a:rPr lang="en-US" dirty="0"/>
+              <a:t>3</a:t>
+            </a:r>
+          </a:p>
+        </p:txBody>
+      </p:sp>
+      <p:sp>
+        <p:nvSpPr>
+          <p:cNvPr id="8" name="Rectangle 7"/>
+          <p:cNvSpPr/>
+          <p:nvPr/>
+        </p:nvSpPr>
+        <p:spPr>
+          <a:xfrm>
+            <a:off x="2743199" y="2419081"/>
+            <a:ext cx="1107583" cy="579549"/>
+          </a:xfrm>
+          <a:prstGeom prst="rect">
+            <a:avLst/>
+          </a:prstGeom>
+          <a:ln w="38100">
+            <a:solidFill>
+              <a:schemeClr val="bg1"/>
+            </a:solidFill>
+          </a:ln>
+        </p:spPr>
+        <p:style>
+          <a:lnRef idx="2">
+            <a:schemeClr val="accent1">
+              <a:shade val="50000"/>
+            </a:schemeClr>
+          </a:lnRef>
+          <a:fillRef idx="1">
+            <a:schemeClr val="accent1"/>
+          </a:fillRef>
+          <a:effectRef idx="0">
+            <a:schemeClr val="accent1"/>
+          </a:effectRef>
+          <a:fontRef idx="minor">
+            <a:schemeClr val="lt1"/>
+          </a:fontRef>
+        </p:style>
+        <p:txBody>
+          <a:bodyPr rtlCol="0" anchor="ctr"/>
+          <a:lstStyle/>
+          <a:p>
+            <a:pPr algn="ctr"/>
+            <a:r>
+              <a:rPr lang="en-US" dirty="0"/>
+              <a:t>5</a:t>
+            </a:r>
+          </a:p>
+        </p:txBody>
+      </p:sp>
+      <p:sp>
+        <p:nvSpPr>
+          <p:cNvPr id="9" name="Rectangle 8"/>
+          <p:cNvSpPr/>
+          <p:nvPr/>
+        </p:nvSpPr>
+        <p:spPr>
+          <a:xfrm>
+            <a:off x="3850782" y="2419081"/>
+            <a:ext cx="1107583" cy="579549"/>
+          </a:xfrm>
+          <a:prstGeom prst="rect">
+            <a:avLst/>
+          </a:prstGeom>
+          <a:ln w="38100">
+            <a:solidFill>
+              <a:schemeClr val="bg1"/>
+            </a:solidFill>
+          </a:ln>
+        </p:spPr>
+        <p:style>
+          <a:lnRef idx="2">
+            <a:schemeClr val="accent1">
+              <a:shade val="50000"/>
+            </a:schemeClr>
+          </a:lnRef>
+          <a:fillRef idx="1">
+            <a:schemeClr val="accent1"/>
+          </a:fillRef>
+          <a:effectRef idx="0">
+            <a:schemeClr val="accent1"/>
+          </a:effectRef>
+          <a:fontRef idx="minor">
+            <a:schemeClr val="lt1"/>
+          </a:fontRef>
+        </p:style>
+        <p:txBody>
+          <a:bodyPr rtlCol="0" anchor="ctr"/>
+          <a:lstStyle/>
+          <a:p>
+            <a:pPr algn="ctr"/>
+            <a:r>
               <a:rPr lang="en-US" dirty="0">
                 <a:solidFill>
                   <a:srgbClr val="FFFF00"/>
@@ -7352,1362 +9694,6 @@
 </p:sld>
 </file>
 
-<file path=ppt/slides/slide11.xml><?xml version="1.0" encoding="utf-8"?>
-<p:sld xmlns:a="http://schemas.openxmlformats.org/drawingml/2006/main" xmlns:r="http://schemas.openxmlformats.org/officeDocument/2006/relationships" xmlns:p="http://schemas.openxmlformats.org/presentationml/2006/main">
-  <p:cSld>
-    <p:spTree>
-      <p:nvGrpSpPr>
-        <p:cNvPr id="1" name=""/>
-        <p:cNvGrpSpPr/>
-        <p:nvPr/>
-      </p:nvGrpSpPr>
-      <p:grpSpPr>
-        <a:xfrm>
-          <a:off x="0" y="0"/>
-          <a:ext cx="0" cy="0"/>
-          <a:chOff x="0" y="0"/>
-          <a:chExt cx="0" cy="0"/>
-        </a:xfrm>
-      </p:grpSpPr>
-      <p:sp>
-        <p:nvSpPr>
-          <p:cNvPr id="2" name="TextBox 1"/>
-          <p:cNvSpPr txBox="1"/>
-          <p:nvPr/>
-        </p:nvSpPr>
-        <p:spPr>
-          <a:xfrm>
-            <a:off x="3915177" y="656822"/>
-            <a:ext cx="3979571" cy="523220"/>
-          </a:xfrm>
-          <a:prstGeom prst="rect">
-            <a:avLst/>
-          </a:prstGeom>
-          <a:noFill/>
-        </p:spPr>
-        <p:txBody>
-          <a:bodyPr wrap="square" rtlCol="0">
-            <a:spAutoFit/>
-          </a:bodyPr>
-          <a:lstStyle/>
-          <a:p>
-            <a:r>
-              <a:rPr lang="en-US" sz="2800" dirty="0"/>
-              <a:t>Crossover Operation</a:t>
-            </a:r>
-          </a:p>
-        </p:txBody>
-      </p:sp>
-      <p:sp>
-        <p:nvSpPr>
-          <p:cNvPr id="3" name="Rectangle 2"/>
-          <p:cNvSpPr/>
-          <p:nvPr/>
-        </p:nvSpPr>
-        <p:spPr>
-          <a:xfrm>
-            <a:off x="1635617" y="2421228"/>
-            <a:ext cx="1107583" cy="579549"/>
-          </a:xfrm>
-          <a:prstGeom prst="rect">
-            <a:avLst/>
-          </a:prstGeom>
-          <a:ln w="38100">
-            <a:solidFill>
-              <a:schemeClr val="bg1"/>
-            </a:solidFill>
-          </a:ln>
-        </p:spPr>
-        <p:style>
-          <a:lnRef idx="2">
-            <a:schemeClr val="accent1">
-              <a:shade val="50000"/>
-            </a:schemeClr>
-          </a:lnRef>
-          <a:fillRef idx="1">
-            <a:schemeClr val="accent1"/>
-          </a:fillRef>
-          <a:effectRef idx="0">
-            <a:schemeClr val="accent1"/>
-          </a:effectRef>
-          <a:fontRef idx="minor">
-            <a:schemeClr val="lt1"/>
-          </a:fontRef>
-        </p:style>
-        <p:txBody>
-          <a:bodyPr rtlCol="0" anchor="ctr"/>
-          <a:lstStyle/>
-          <a:p>
-            <a:pPr algn="ctr"/>
-            <a:r>
-              <a:rPr lang="en-US" dirty="0"/>
-              <a:t>3</a:t>
-            </a:r>
-          </a:p>
-        </p:txBody>
-      </p:sp>
-      <p:sp>
-        <p:nvSpPr>
-          <p:cNvPr id="8" name="Rectangle 7"/>
-          <p:cNvSpPr/>
-          <p:nvPr/>
-        </p:nvSpPr>
-        <p:spPr>
-          <a:xfrm>
-            <a:off x="2743199" y="2419081"/>
-            <a:ext cx="1107583" cy="579549"/>
-          </a:xfrm>
-          <a:prstGeom prst="rect">
-            <a:avLst/>
-          </a:prstGeom>
-          <a:ln w="38100">
-            <a:solidFill>
-              <a:schemeClr val="bg1"/>
-            </a:solidFill>
-          </a:ln>
-        </p:spPr>
-        <p:style>
-          <a:lnRef idx="2">
-            <a:schemeClr val="accent1">
-              <a:shade val="50000"/>
-            </a:schemeClr>
-          </a:lnRef>
-          <a:fillRef idx="1">
-            <a:schemeClr val="accent1"/>
-          </a:fillRef>
-          <a:effectRef idx="0">
-            <a:schemeClr val="accent1"/>
-          </a:effectRef>
-          <a:fontRef idx="minor">
-            <a:schemeClr val="lt1"/>
-          </a:fontRef>
-        </p:style>
-        <p:txBody>
-          <a:bodyPr rtlCol="0" anchor="ctr"/>
-          <a:lstStyle/>
-          <a:p>
-            <a:pPr algn="ctr"/>
-            <a:r>
-              <a:rPr lang="en-US" dirty="0"/>
-              <a:t>5</a:t>
-            </a:r>
-          </a:p>
-        </p:txBody>
-      </p:sp>
-      <p:sp>
-        <p:nvSpPr>
-          <p:cNvPr id="9" name="Rectangle 8"/>
-          <p:cNvSpPr/>
-          <p:nvPr/>
-        </p:nvSpPr>
-        <p:spPr>
-          <a:xfrm>
-            <a:off x="3850782" y="2419081"/>
-            <a:ext cx="1107583" cy="579549"/>
-          </a:xfrm>
-          <a:prstGeom prst="rect">
-            <a:avLst/>
-          </a:prstGeom>
-          <a:ln w="38100">
-            <a:solidFill>
-              <a:schemeClr val="bg1"/>
-            </a:solidFill>
-          </a:ln>
-        </p:spPr>
-        <p:style>
-          <a:lnRef idx="2">
-            <a:schemeClr val="accent1">
-              <a:shade val="50000"/>
-            </a:schemeClr>
-          </a:lnRef>
-          <a:fillRef idx="1">
-            <a:schemeClr val="accent1"/>
-          </a:fillRef>
-          <a:effectRef idx="0">
-            <a:schemeClr val="accent1"/>
-          </a:effectRef>
-          <a:fontRef idx="minor">
-            <a:schemeClr val="lt1"/>
-          </a:fontRef>
-        </p:style>
-        <p:txBody>
-          <a:bodyPr rtlCol="0" anchor="ctr"/>
-          <a:lstStyle/>
-          <a:p>
-            <a:pPr algn="ctr"/>
-            <a:r>
-              <a:rPr lang="en-US" dirty="0">
-                <a:solidFill>
-                  <a:srgbClr val="FFFF00"/>
-                </a:solidFill>
-              </a:rPr>
-              <a:t>4</a:t>
-            </a:r>
-          </a:p>
-        </p:txBody>
-      </p:sp>
-      <p:sp>
-        <p:nvSpPr>
-          <p:cNvPr id="10" name="Rectangle 9"/>
-          <p:cNvSpPr/>
-          <p:nvPr/>
-        </p:nvSpPr>
-        <p:spPr>
-          <a:xfrm>
-            <a:off x="6362160" y="3511638"/>
-            <a:ext cx="1107583" cy="579549"/>
-          </a:xfrm>
-          <a:prstGeom prst="rect">
-            <a:avLst/>
-          </a:prstGeom>
-          <a:ln w="38100">
-            <a:solidFill>
-              <a:schemeClr val="bg1"/>
-            </a:solidFill>
-          </a:ln>
-        </p:spPr>
-        <p:style>
-          <a:lnRef idx="2">
-            <a:schemeClr val="accent1">
-              <a:shade val="50000"/>
-            </a:schemeClr>
-          </a:lnRef>
-          <a:fillRef idx="1">
-            <a:schemeClr val="accent1"/>
-          </a:fillRef>
-          <a:effectRef idx="0">
-            <a:schemeClr val="accent1"/>
-          </a:effectRef>
-          <a:fontRef idx="minor">
-            <a:schemeClr val="lt1"/>
-          </a:fontRef>
-        </p:style>
-        <p:txBody>
-          <a:bodyPr rtlCol="0" anchor="ctr"/>
-          <a:lstStyle/>
-          <a:p>
-            <a:pPr algn="ctr"/>
-            <a:r>
-              <a:rPr lang="en-US" dirty="0">
-                <a:solidFill>
-                  <a:srgbClr val="FFFF00"/>
-                </a:solidFill>
-              </a:rPr>
-              <a:t>4</a:t>
-            </a:r>
-          </a:p>
-        </p:txBody>
-      </p:sp>
-      <p:sp>
-        <p:nvSpPr>
-          <p:cNvPr id="11" name="Rectangle 10"/>
-          <p:cNvSpPr/>
-          <p:nvPr/>
-        </p:nvSpPr>
-        <p:spPr>
-          <a:xfrm>
-            <a:off x="7469744" y="3522371"/>
-            <a:ext cx="1107583" cy="579549"/>
-          </a:xfrm>
-          <a:prstGeom prst="rect">
-            <a:avLst/>
-          </a:prstGeom>
-          <a:ln w="38100">
-            <a:solidFill>
-              <a:schemeClr val="bg1"/>
-            </a:solidFill>
-          </a:ln>
-        </p:spPr>
-        <p:style>
-          <a:lnRef idx="2">
-            <a:schemeClr val="accent1">
-              <a:shade val="50000"/>
-            </a:schemeClr>
-          </a:lnRef>
-          <a:fillRef idx="1">
-            <a:schemeClr val="accent1"/>
-          </a:fillRef>
-          <a:effectRef idx="0">
-            <a:schemeClr val="accent1"/>
-          </a:effectRef>
-          <a:fontRef idx="minor">
-            <a:schemeClr val="lt1"/>
-          </a:fontRef>
-        </p:style>
-        <p:txBody>
-          <a:bodyPr rtlCol="0" anchor="ctr"/>
-          <a:lstStyle/>
-          <a:p>
-            <a:pPr algn="ctr"/>
-            <a:r>
-              <a:rPr lang="en-US" dirty="0"/>
-              <a:t>2</a:t>
-            </a:r>
-          </a:p>
-        </p:txBody>
-      </p:sp>
-      <p:sp>
-        <p:nvSpPr>
-          <p:cNvPr id="12" name="Rectangle 11"/>
-          <p:cNvSpPr/>
-          <p:nvPr/>
-        </p:nvSpPr>
-        <p:spPr>
-          <a:xfrm>
-            <a:off x="1635616" y="3513786"/>
-            <a:ext cx="1107583" cy="579549"/>
-          </a:xfrm>
-          <a:prstGeom prst="rect">
-            <a:avLst/>
-          </a:prstGeom>
-          <a:ln w="38100">
-            <a:solidFill>
-              <a:schemeClr val="bg1"/>
-            </a:solidFill>
-          </a:ln>
-        </p:spPr>
-        <p:style>
-          <a:lnRef idx="2">
-            <a:schemeClr val="accent1">
-              <a:shade val="50000"/>
-            </a:schemeClr>
-          </a:lnRef>
-          <a:fillRef idx="1">
-            <a:schemeClr val="accent1"/>
-          </a:fillRef>
-          <a:effectRef idx="0">
-            <a:schemeClr val="accent1"/>
-          </a:effectRef>
-          <a:fontRef idx="minor">
-            <a:schemeClr val="lt1"/>
-          </a:fontRef>
-        </p:style>
-        <p:txBody>
-          <a:bodyPr rtlCol="0" anchor="ctr"/>
-          <a:lstStyle/>
-          <a:p>
-            <a:pPr algn="ctr"/>
-            <a:r>
-              <a:rPr lang="en-US" dirty="0">
-                <a:solidFill>
-                  <a:schemeClr val="bg1"/>
-                </a:solidFill>
-              </a:rPr>
-              <a:t>1</a:t>
-            </a:r>
-          </a:p>
-        </p:txBody>
-      </p:sp>
-      <p:sp>
-        <p:nvSpPr>
-          <p:cNvPr id="13" name="Rectangle 12"/>
-          <p:cNvSpPr/>
-          <p:nvPr/>
-        </p:nvSpPr>
-        <p:spPr>
-          <a:xfrm>
-            <a:off x="2702414" y="3511639"/>
-            <a:ext cx="1107583" cy="579549"/>
-          </a:xfrm>
-          <a:prstGeom prst="rect">
-            <a:avLst/>
-          </a:prstGeom>
-          <a:ln w="38100">
-            <a:solidFill>
-              <a:schemeClr val="bg1"/>
-            </a:solidFill>
-          </a:ln>
-        </p:spPr>
-        <p:style>
-          <a:lnRef idx="2">
-            <a:schemeClr val="accent1">
-              <a:shade val="50000"/>
-            </a:schemeClr>
-          </a:lnRef>
-          <a:fillRef idx="1">
-            <a:schemeClr val="accent1"/>
-          </a:fillRef>
-          <a:effectRef idx="0">
-            <a:schemeClr val="accent1"/>
-          </a:effectRef>
-          <a:fontRef idx="minor">
-            <a:schemeClr val="lt1"/>
-          </a:fontRef>
-        </p:style>
-        <p:txBody>
-          <a:bodyPr rtlCol="0" anchor="ctr"/>
-          <a:lstStyle/>
-          <a:p>
-            <a:pPr algn="ctr"/>
-            <a:r>
-              <a:rPr lang="en-US" dirty="0"/>
-              <a:t>3</a:t>
-            </a:r>
-          </a:p>
-        </p:txBody>
-      </p:sp>
-      <p:sp>
-        <p:nvSpPr>
-          <p:cNvPr id="14" name="Rectangle 13"/>
-          <p:cNvSpPr/>
-          <p:nvPr/>
-        </p:nvSpPr>
-        <p:spPr>
-          <a:xfrm>
-            <a:off x="3809997" y="3522371"/>
-            <a:ext cx="1107583" cy="579549"/>
-          </a:xfrm>
-          <a:prstGeom prst="rect">
-            <a:avLst/>
-          </a:prstGeom>
-          <a:ln w="38100">
-            <a:solidFill>
-              <a:schemeClr val="bg1"/>
-            </a:solidFill>
-          </a:ln>
-        </p:spPr>
-        <p:style>
-          <a:lnRef idx="2">
-            <a:schemeClr val="accent1">
-              <a:shade val="50000"/>
-            </a:schemeClr>
-          </a:lnRef>
-          <a:fillRef idx="1">
-            <a:schemeClr val="accent1"/>
-          </a:fillRef>
-          <a:effectRef idx="0">
-            <a:schemeClr val="accent1"/>
-          </a:effectRef>
-          <a:fontRef idx="minor">
-            <a:schemeClr val="lt1"/>
-          </a:fontRef>
-        </p:style>
-        <p:txBody>
-          <a:bodyPr rtlCol="0" anchor="ctr"/>
-          <a:lstStyle/>
-          <a:p>
-            <a:pPr algn="ctr"/>
-            <a:r>
-              <a:rPr lang="en-US" dirty="0"/>
-              <a:t>5</a:t>
-            </a:r>
-          </a:p>
-        </p:txBody>
-      </p:sp>
-      <p:sp>
-        <p:nvSpPr>
-          <p:cNvPr id="15" name="Rectangle 14"/>
-          <p:cNvSpPr/>
-          <p:nvPr/>
-        </p:nvSpPr>
-        <p:spPr>
-          <a:xfrm>
-            <a:off x="7469744" y="2419081"/>
-            <a:ext cx="1107583" cy="579549"/>
-          </a:xfrm>
-          <a:prstGeom prst="rect">
-            <a:avLst/>
-          </a:prstGeom>
-          <a:ln w="38100">
-            <a:solidFill>
-              <a:schemeClr val="bg1"/>
-            </a:solidFill>
-          </a:ln>
-        </p:spPr>
-        <p:style>
-          <a:lnRef idx="2">
-            <a:schemeClr val="accent1">
-              <a:shade val="50000"/>
-            </a:schemeClr>
-          </a:lnRef>
-          <a:fillRef idx="1">
-            <a:schemeClr val="accent1"/>
-          </a:fillRef>
-          <a:effectRef idx="0">
-            <a:schemeClr val="accent1"/>
-          </a:effectRef>
-          <a:fontRef idx="minor">
-            <a:schemeClr val="lt1"/>
-          </a:fontRef>
-        </p:style>
-        <p:txBody>
-          <a:bodyPr rtlCol="0" anchor="ctr"/>
-          <a:lstStyle/>
-          <a:p>
-            <a:pPr algn="ctr"/>
-            <a:r>
-              <a:rPr lang="en-US" dirty="0">
-                <a:solidFill>
-                  <a:schemeClr val="bg1"/>
-                </a:solidFill>
-              </a:rPr>
-              <a:t>1</a:t>
-            </a:r>
-          </a:p>
-        </p:txBody>
-      </p:sp>
-      <p:sp>
-        <p:nvSpPr>
-          <p:cNvPr id="16" name="Rectangle 15"/>
-          <p:cNvSpPr/>
-          <p:nvPr/>
-        </p:nvSpPr>
-        <p:spPr>
-          <a:xfrm>
-            <a:off x="6362161" y="2419081"/>
-            <a:ext cx="1107583" cy="579549"/>
-          </a:xfrm>
-          <a:prstGeom prst="rect">
-            <a:avLst/>
-          </a:prstGeom>
-          <a:ln w="38100">
-            <a:solidFill>
-              <a:schemeClr val="bg1"/>
-            </a:solidFill>
-          </a:ln>
-        </p:spPr>
-        <p:style>
-          <a:lnRef idx="2">
-            <a:schemeClr val="accent1">
-              <a:shade val="50000"/>
-            </a:schemeClr>
-          </a:lnRef>
-          <a:fillRef idx="1">
-            <a:schemeClr val="accent1"/>
-          </a:fillRef>
-          <a:effectRef idx="0">
-            <a:schemeClr val="accent1"/>
-          </a:effectRef>
-          <a:fontRef idx="minor">
-            <a:schemeClr val="lt1"/>
-          </a:fontRef>
-        </p:style>
-        <p:txBody>
-          <a:bodyPr rtlCol="0" anchor="ctr"/>
-          <a:lstStyle/>
-          <a:p>
-            <a:pPr algn="ctr"/>
-            <a:r>
-              <a:rPr lang="en-US" dirty="0">
-                <a:solidFill>
-                  <a:schemeClr val="tx1"/>
-                </a:solidFill>
-              </a:rPr>
-              <a:t>2</a:t>
-            </a:r>
-          </a:p>
-        </p:txBody>
-      </p:sp>
-      <p:sp>
-        <p:nvSpPr>
-          <p:cNvPr id="17" name="TextBox 16"/>
-          <p:cNvSpPr txBox="1"/>
-          <p:nvPr/>
-        </p:nvSpPr>
-        <p:spPr>
-          <a:xfrm>
-            <a:off x="1854558" y="1545465"/>
-            <a:ext cx="2215671" cy="369332"/>
-          </a:xfrm>
-          <a:prstGeom prst="rect">
-            <a:avLst/>
-          </a:prstGeom>
-          <a:noFill/>
-        </p:spPr>
-        <p:txBody>
-          <a:bodyPr wrap="none" rtlCol="0">
-            <a:spAutoFit/>
-          </a:bodyPr>
-          <a:lstStyle/>
-          <a:p>
-            <a:r>
-              <a:rPr lang="en-US" dirty="0"/>
-              <a:t>Random index = 3</a:t>
-            </a:r>
-          </a:p>
-        </p:txBody>
-      </p:sp>
-      <p:sp>
-        <p:nvSpPr>
-          <p:cNvPr id="4" name="TextBox 3"/>
-          <p:cNvSpPr txBox="1"/>
-          <p:nvPr/>
-        </p:nvSpPr>
-        <p:spPr>
-          <a:xfrm>
-            <a:off x="6915951" y="1337896"/>
-            <a:ext cx="1952779" cy="923330"/>
-          </a:xfrm>
-          <a:prstGeom prst="rect">
-            <a:avLst/>
-          </a:prstGeom>
-          <a:noFill/>
-        </p:spPr>
-        <p:txBody>
-          <a:bodyPr wrap="none" rtlCol="0">
-            <a:spAutoFit/>
-          </a:bodyPr>
-          <a:lstStyle/>
-          <a:p>
-            <a:r>
-              <a:rPr lang="en-US" dirty="0">
-                <a:solidFill>
-                  <a:srgbClr val="FFFF00"/>
-                </a:solidFill>
-              </a:rPr>
-              <a:t>Already in array</a:t>
-            </a:r>
-          </a:p>
-          <a:p>
-            <a:endParaRPr lang="en-US" dirty="0">
-              <a:solidFill>
-                <a:srgbClr val="FFFF00"/>
-              </a:solidFill>
-            </a:endParaRPr>
-          </a:p>
-          <a:p>
-            <a:endParaRPr lang="en-US" dirty="0">
-              <a:solidFill>
-                <a:srgbClr val="FFFF00"/>
-              </a:solidFill>
-            </a:endParaRPr>
-          </a:p>
-        </p:txBody>
-      </p:sp>
-      <p:sp>
-        <p:nvSpPr>
-          <p:cNvPr id="18" name="TextBox 17"/>
-          <p:cNvSpPr txBox="1"/>
-          <p:nvPr/>
-        </p:nvSpPr>
-        <p:spPr>
-          <a:xfrm>
-            <a:off x="4013900" y="5405473"/>
-            <a:ext cx="3591048" cy="369332"/>
-          </a:xfrm>
-          <a:prstGeom prst="rect">
-            <a:avLst/>
-          </a:prstGeom>
-          <a:noFill/>
-        </p:spPr>
-        <p:txBody>
-          <a:bodyPr wrap="none" rtlCol="0">
-            <a:spAutoFit/>
-          </a:bodyPr>
-          <a:lstStyle/>
-          <a:p>
-            <a:r>
-              <a:rPr lang="en-US" dirty="0">
-                <a:solidFill>
-                  <a:srgbClr val="FFFF00"/>
-                </a:solidFill>
-              </a:rPr>
-              <a:t>Find next one NOT IN the array</a:t>
-            </a:r>
-          </a:p>
-        </p:txBody>
-      </p:sp>
-    </p:spTree>
-    <p:extLst>
-      <p:ext uri="{BB962C8B-B14F-4D97-AF65-F5344CB8AC3E}">
-        <p14:creationId xmlns:p14="http://schemas.microsoft.com/office/powerpoint/2010/main" val="2863682853"/>
-      </p:ext>
-    </p:extLst>
-  </p:cSld>
-  <p:clrMapOvr>
-    <a:masterClrMapping/>
-  </p:clrMapOvr>
-</p:sld>
-</file>
-
-<file path=ppt/slides/slide12.xml><?xml version="1.0" encoding="utf-8"?>
-<p:sld xmlns:a="http://schemas.openxmlformats.org/drawingml/2006/main" xmlns:r="http://schemas.openxmlformats.org/officeDocument/2006/relationships" xmlns:p="http://schemas.openxmlformats.org/presentationml/2006/main">
-  <p:cSld>
-    <p:spTree>
-      <p:nvGrpSpPr>
-        <p:cNvPr id="1" name=""/>
-        <p:cNvGrpSpPr/>
-        <p:nvPr/>
-      </p:nvGrpSpPr>
-      <p:grpSpPr>
-        <a:xfrm>
-          <a:off x="0" y="0"/>
-          <a:ext cx="0" cy="0"/>
-          <a:chOff x="0" y="0"/>
-          <a:chExt cx="0" cy="0"/>
-        </a:xfrm>
-      </p:grpSpPr>
-      <p:sp>
-        <p:nvSpPr>
-          <p:cNvPr id="2" name="TextBox 1"/>
-          <p:cNvSpPr txBox="1"/>
-          <p:nvPr/>
-        </p:nvSpPr>
-        <p:spPr>
-          <a:xfrm>
-            <a:off x="3915177" y="656822"/>
-            <a:ext cx="3979571" cy="523220"/>
-          </a:xfrm>
-          <a:prstGeom prst="rect">
-            <a:avLst/>
-          </a:prstGeom>
-          <a:noFill/>
-        </p:spPr>
-        <p:txBody>
-          <a:bodyPr wrap="square" rtlCol="0">
-            <a:spAutoFit/>
-          </a:bodyPr>
-          <a:lstStyle/>
-          <a:p>
-            <a:r>
-              <a:rPr lang="en-US" sz="2800" dirty="0"/>
-              <a:t>Crossover Operation</a:t>
-            </a:r>
-          </a:p>
-        </p:txBody>
-      </p:sp>
-      <p:sp>
-        <p:nvSpPr>
-          <p:cNvPr id="3" name="Rectangle 2"/>
-          <p:cNvSpPr/>
-          <p:nvPr/>
-        </p:nvSpPr>
-        <p:spPr>
-          <a:xfrm>
-            <a:off x="1635617" y="2421228"/>
-            <a:ext cx="1107583" cy="579549"/>
-          </a:xfrm>
-          <a:prstGeom prst="rect">
-            <a:avLst/>
-          </a:prstGeom>
-          <a:ln w="38100">
-            <a:solidFill>
-              <a:schemeClr val="bg1"/>
-            </a:solidFill>
-          </a:ln>
-        </p:spPr>
-        <p:style>
-          <a:lnRef idx="2">
-            <a:schemeClr val="accent1">
-              <a:shade val="50000"/>
-            </a:schemeClr>
-          </a:lnRef>
-          <a:fillRef idx="1">
-            <a:schemeClr val="accent1"/>
-          </a:fillRef>
-          <a:effectRef idx="0">
-            <a:schemeClr val="accent1"/>
-          </a:effectRef>
-          <a:fontRef idx="minor">
-            <a:schemeClr val="lt1"/>
-          </a:fontRef>
-        </p:style>
-        <p:txBody>
-          <a:bodyPr rtlCol="0" anchor="ctr"/>
-          <a:lstStyle/>
-          <a:p>
-            <a:pPr algn="ctr"/>
-            <a:r>
-              <a:rPr lang="en-US" dirty="0"/>
-              <a:t>3</a:t>
-            </a:r>
-          </a:p>
-        </p:txBody>
-      </p:sp>
-      <p:sp>
-        <p:nvSpPr>
-          <p:cNvPr id="8" name="Rectangle 7"/>
-          <p:cNvSpPr/>
-          <p:nvPr/>
-        </p:nvSpPr>
-        <p:spPr>
-          <a:xfrm>
-            <a:off x="2743199" y="2419081"/>
-            <a:ext cx="1107583" cy="579549"/>
-          </a:xfrm>
-          <a:prstGeom prst="rect">
-            <a:avLst/>
-          </a:prstGeom>
-          <a:ln w="38100">
-            <a:solidFill>
-              <a:schemeClr val="bg1"/>
-            </a:solidFill>
-          </a:ln>
-        </p:spPr>
-        <p:style>
-          <a:lnRef idx="2">
-            <a:schemeClr val="accent1">
-              <a:shade val="50000"/>
-            </a:schemeClr>
-          </a:lnRef>
-          <a:fillRef idx="1">
-            <a:schemeClr val="accent1"/>
-          </a:fillRef>
-          <a:effectRef idx="0">
-            <a:schemeClr val="accent1"/>
-          </a:effectRef>
-          <a:fontRef idx="minor">
-            <a:schemeClr val="lt1"/>
-          </a:fontRef>
-        </p:style>
-        <p:txBody>
-          <a:bodyPr rtlCol="0" anchor="ctr"/>
-          <a:lstStyle/>
-          <a:p>
-            <a:pPr algn="ctr"/>
-            <a:r>
-              <a:rPr lang="en-US" dirty="0"/>
-              <a:t>5</a:t>
-            </a:r>
-          </a:p>
-        </p:txBody>
-      </p:sp>
-      <p:sp>
-        <p:nvSpPr>
-          <p:cNvPr id="9" name="Rectangle 8"/>
-          <p:cNvSpPr/>
-          <p:nvPr/>
-        </p:nvSpPr>
-        <p:spPr>
-          <a:xfrm>
-            <a:off x="3850782" y="2419081"/>
-            <a:ext cx="1107583" cy="579549"/>
-          </a:xfrm>
-          <a:prstGeom prst="rect">
-            <a:avLst/>
-          </a:prstGeom>
-          <a:ln w="38100">
-            <a:solidFill>
-              <a:schemeClr val="bg1"/>
-            </a:solidFill>
-          </a:ln>
-        </p:spPr>
-        <p:style>
-          <a:lnRef idx="2">
-            <a:schemeClr val="accent1">
-              <a:shade val="50000"/>
-            </a:schemeClr>
-          </a:lnRef>
-          <a:fillRef idx="1">
-            <a:schemeClr val="accent1"/>
-          </a:fillRef>
-          <a:effectRef idx="0">
-            <a:schemeClr val="accent1"/>
-          </a:effectRef>
-          <a:fontRef idx="minor">
-            <a:schemeClr val="lt1"/>
-          </a:fontRef>
-        </p:style>
-        <p:txBody>
-          <a:bodyPr rtlCol="0" anchor="ctr"/>
-          <a:lstStyle/>
-          <a:p>
-            <a:pPr algn="ctr"/>
-            <a:r>
-              <a:rPr lang="en-US" dirty="0">
-                <a:solidFill>
-                  <a:schemeClr val="tx1"/>
-                </a:solidFill>
-              </a:rPr>
-              <a:t>4</a:t>
-            </a:r>
-          </a:p>
-        </p:txBody>
-      </p:sp>
-      <p:sp>
-        <p:nvSpPr>
-          <p:cNvPr id="10" name="Rectangle 9"/>
-          <p:cNvSpPr/>
-          <p:nvPr/>
-        </p:nvSpPr>
-        <p:spPr>
-          <a:xfrm>
-            <a:off x="4917580" y="3511638"/>
-            <a:ext cx="1107583" cy="579549"/>
-          </a:xfrm>
-          <a:prstGeom prst="rect">
-            <a:avLst/>
-          </a:prstGeom>
-          <a:ln w="38100">
-            <a:solidFill>
-              <a:schemeClr val="bg1"/>
-            </a:solidFill>
-          </a:ln>
-        </p:spPr>
-        <p:style>
-          <a:lnRef idx="2">
-            <a:schemeClr val="accent1">
-              <a:shade val="50000"/>
-            </a:schemeClr>
-          </a:lnRef>
-          <a:fillRef idx="1">
-            <a:schemeClr val="accent1"/>
-          </a:fillRef>
-          <a:effectRef idx="0">
-            <a:schemeClr val="accent1"/>
-          </a:effectRef>
-          <a:fontRef idx="minor">
-            <a:schemeClr val="lt1"/>
-          </a:fontRef>
-        </p:style>
-        <p:txBody>
-          <a:bodyPr rtlCol="0" anchor="ctr"/>
-          <a:lstStyle/>
-          <a:p>
-            <a:pPr algn="ctr"/>
-            <a:r>
-              <a:rPr lang="en-US" dirty="0">
-                <a:solidFill>
-                  <a:schemeClr val="tx1"/>
-                </a:solidFill>
-              </a:rPr>
-              <a:t>4</a:t>
-            </a:r>
-          </a:p>
-        </p:txBody>
-      </p:sp>
-      <p:sp>
-        <p:nvSpPr>
-          <p:cNvPr id="11" name="Rectangle 10"/>
-          <p:cNvSpPr/>
-          <p:nvPr/>
-        </p:nvSpPr>
-        <p:spPr>
-          <a:xfrm>
-            <a:off x="6025163" y="3522371"/>
-            <a:ext cx="1107583" cy="579549"/>
-          </a:xfrm>
-          <a:prstGeom prst="rect">
-            <a:avLst/>
-          </a:prstGeom>
-          <a:ln w="38100">
-            <a:solidFill>
-              <a:schemeClr val="bg1"/>
-            </a:solidFill>
-          </a:ln>
-        </p:spPr>
-        <p:style>
-          <a:lnRef idx="2">
-            <a:schemeClr val="accent1">
-              <a:shade val="50000"/>
-            </a:schemeClr>
-          </a:lnRef>
-          <a:fillRef idx="1">
-            <a:schemeClr val="accent1"/>
-          </a:fillRef>
-          <a:effectRef idx="0">
-            <a:schemeClr val="accent1"/>
-          </a:effectRef>
-          <a:fontRef idx="minor">
-            <a:schemeClr val="lt1"/>
-          </a:fontRef>
-        </p:style>
-        <p:txBody>
-          <a:bodyPr rtlCol="0" anchor="ctr"/>
-          <a:lstStyle/>
-          <a:p>
-            <a:pPr algn="ctr"/>
-            <a:r>
-              <a:rPr lang="en-US" dirty="0"/>
-              <a:t>2</a:t>
-            </a:r>
-          </a:p>
-        </p:txBody>
-      </p:sp>
-      <p:sp>
-        <p:nvSpPr>
-          <p:cNvPr id="12" name="Rectangle 11"/>
-          <p:cNvSpPr/>
-          <p:nvPr/>
-        </p:nvSpPr>
-        <p:spPr>
-          <a:xfrm>
-            <a:off x="1635616" y="3513786"/>
-            <a:ext cx="1107583" cy="579549"/>
-          </a:xfrm>
-          <a:prstGeom prst="rect">
-            <a:avLst/>
-          </a:prstGeom>
-          <a:ln w="38100">
-            <a:solidFill>
-              <a:schemeClr val="bg1"/>
-            </a:solidFill>
-          </a:ln>
-        </p:spPr>
-        <p:style>
-          <a:lnRef idx="2">
-            <a:schemeClr val="accent1">
-              <a:shade val="50000"/>
-            </a:schemeClr>
-          </a:lnRef>
-          <a:fillRef idx="1">
-            <a:schemeClr val="accent1"/>
-          </a:fillRef>
-          <a:effectRef idx="0">
-            <a:schemeClr val="accent1"/>
-          </a:effectRef>
-          <a:fontRef idx="minor">
-            <a:schemeClr val="lt1"/>
-          </a:fontRef>
-        </p:style>
-        <p:txBody>
-          <a:bodyPr rtlCol="0" anchor="ctr"/>
-          <a:lstStyle/>
-          <a:p>
-            <a:pPr algn="ctr"/>
-            <a:r>
-              <a:rPr lang="en-US" dirty="0">
-                <a:solidFill>
-                  <a:schemeClr val="tx1"/>
-                </a:solidFill>
-              </a:rPr>
-              <a:t>1</a:t>
-            </a:r>
-          </a:p>
-        </p:txBody>
-      </p:sp>
-      <p:sp>
-        <p:nvSpPr>
-          <p:cNvPr id="13" name="Rectangle 12"/>
-          <p:cNvSpPr/>
-          <p:nvPr/>
-        </p:nvSpPr>
-        <p:spPr>
-          <a:xfrm>
-            <a:off x="2702414" y="3511639"/>
-            <a:ext cx="1107583" cy="579549"/>
-          </a:xfrm>
-          <a:prstGeom prst="rect">
-            <a:avLst/>
-          </a:prstGeom>
-          <a:ln w="38100">
-            <a:solidFill>
-              <a:schemeClr val="bg1"/>
-            </a:solidFill>
-          </a:ln>
-        </p:spPr>
-        <p:style>
-          <a:lnRef idx="2">
-            <a:schemeClr val="accent1">
-              <a:shade val="50000"/>
-            </a:schemeClr>
-          </a:lnRef>
-          <a:fillRef idx="1">
-            <a:schemeClr val="accent1"/>
-          </a:fillRef>
-          <a:effectRef idx="0">
-            <a:schemeClr val="accent1"/>
-          </a:effectRef>
-          <a:fontRef idx="minor">
-            <a:schemeClr val="lt1"/>
-          </a:fontRef>
-        </p:style>
-        <p:txBody>
-          <a:bodyPr rtlCol="0" anchor="ctr"/>
-          <a:lstStyle/>
-          <a:p>
-            <a:pPr algn="ctr"/>
-            <a:r>
-              <a:rPr lang="en-US" dirty="0"/>
-              <a:t>3</a:t>
-            </a:r>
-          </a:p>
-        </p:txBody>
-      </p:sp>
-      <p:sp>
-        <p:nvSpPr>
-          <p:cNvPr id="14" name="Rectangle 13"/>
-          <p:cNvSpPr/>
-          <p:nvPr/>
-        </p:nvSpPr>
-        <p:spPr>
-          <a:xfrm>
-            <a:off x="3809997" y="3522371"/>
-            <a:ext cx="1107583" cy="579549"/>
-          </a:xfrm>
-          <a:prstGeom prst="rect">
-            <a:avLst/>
-          </a:prstGeom>
-          <a:ln w="38100">
-            <a:solidFill>
-              <a:schemeClr val="bg1"/>
-            </a:solidFill>
-          </a:ln>
-        </p:spPr>
-        <p:style>
-          <a:lnRef idx="2">
-            <a:schemeClr val="accent1">
-              <a:shade val="50000"/>
-            </a:schemeClr>
-          </a:lnRef>
-          <a:fillRef idx="1">
-            <a:schemeClr val="accent1"/>
-          </a:fillRef>
-          <a:effectRef idx="0">
-            <a:schemeClr val="accent1"/>
-          </a:effectRef>
-          <a:fontRef idx="minor">
-            <a:schemeClr val="lt1"/>
-          </a:fontRef>
-        </p:style>
-        <p:txBody>
-          <a:bodyPr rtlCol="0" anchor="ctr"/>
-          <a:lstStyle/>
-          <a:p>
-            <a:pPr algn="ctr"/>
-            <a:r>
-              <a:rPr lang="en-US" dirty="0"/>
-              <a:t>5</a:t>
-            </a:r>
-          </a:p>
-        </p:txBody>
-      </p:sp>
-      <p:sp>
-        <p:nvSpPr>
-          <p:cNvPr id="15" name="Rectangle 14"/>
-          <p:cNvSpPr/>
-          <p:nvPr/>
-        </p:nvSpPr>
-        <p:spPr>
-          <a:xfrm>
-            <a:off x="6065947" y="2419081"/>
-            <a:ext cx="1107583" cy="579549"/>
-          </a:xfrm>
-          <a:prstGeom prst="rect">
-            <a:avLst/>
-          </a:prstGeom>
-          <a:ln w="38100">
-            <a:solidFill>
-              <a:schemeClr val="bg1"/>
-            </a:solidFill>
-          </a:ln>
-        </p:spPr>
-        <p:style>
-          <a:lnRef idx="2">
-            <a:schemeClr val="accent1">
-              <a:shade val="50000"/>
-            </a:schemeClr>
-          </a:lnRef>
-          <a:fillRef idx="1">
-            <a:schemeClr val="accent1"/>
-          </a:fillRef>
-          <a:effectRef idx="0">
-            <a:schemeClr val="accent1"/>
-          </a:effectRef>
-          <a:fontRef idx="minor">
-            <a:schemeClr val="lt1"/>
-          </a:fontRef>
-        </p:style>
-        <p:txBody>
-          <a:bodyPr rtlCol="0" anchor="ctr"/>
-          <a:lstStyle/>
-          <a:p>
-            <a:pPr algn="ctr"/>
-            <a:r>
-              <a:rPr lang="en-US" dirty="0">
-                <a:solidFill>
-                  <a:schemeClr val="tx1"/>
-                </a:solidFill>
-              </a:rPr>
-              <a:t>1</a:t>
-            </a:r>
-          </a:p>
-        </p:txBody>
-      </p:sp>
-      <p:sp>
-        <p:nvSpPr>
-          <p:cNvPr id="16" name="Rectangle 15"/>
-          <p:cNvSpPr/>
-          <p:nvPr/>
-        </p:nvSpPr>
-        <p:spPr>
-          <a:xfrm>
-            <a:off x="4958364" y="2419081"/>
-            <a:ext cx="1107583" cy="579549"/>
-          </a:xfrm>
-          <a:prstGeom prst="rect">
-            <a:avLst/>
-          </a:prstGeom>
-          <a:ln w="38100">
-            <a:solidFill>
-              <a:schemeClr val="bg1"/>
-            </a:solidFill>
-          </a:ln>
-        </p:spPr>
-        <p:style>
-          <a:lnRef idx="2">
-            <a:schemeClr val="accent1">
-              <a:shade val="50000"/>
-            </a:schemeClr>
-          </a:lnRef>
-          <a:fillRef idx="1">
-            <a:schemeClr val="accent1"/>
-          </a:fillRef>
-          <a:effectRef idx="0">
-            <a:schemeClr val="accent1"/>
-          </a:effectRef>
-          <a:fontRef idx="minor">
-            <a:schemeClr val="lt1"/>
-          </a:fontRef>
-        </p:style>
-        <p:txBody>
-          <a:bodyPr rtlCol="0" anchor="ctr"/>
-          <a:lstStyle/>
-          <a:p>
-            <a:pPr algn="ctr"/>
-            <a:r>
-              <a:rPr lang="en-US" dirty="0">
-                <a:solidFill>
-                  <a:schemeClr val="tx1"/>
-                </a:solidFill>
-              </a:rPr>
-              <a:t>2</a:t>
-            </a:r>
-          </a:p>
-        </p:txBody>
-      </p:sp>
-      <p:sp>
-        <p:nvSpPr>
-          <p:cNvPr id="17" name="TextBox 16"/>
-          <p:cNvSpPr txBox="1"/>
-          <p:nvPr/>
-        </p:nvSpPr>
-        <p:spPr>
-          <a:xfrm>
-            <a:off x="1854558" y="1545465"/>
-            <a:ext cx="2215671" cy="369332"/>
-          </a:xfrm>
-          <a:prstGeom prst="rect">
-            <a:avLst/>
-          </a:prstGeom>
-          <a:noFill/>
-        </p:spPr>
-        <p:txBody>
-          <a:bodyPr wrap="none" rtlCol="0">
-            <a:spAutoFit/>
-          </a:bodyPr>
-          <a:lstStyle/>
-          <a:p>
-            <a:r>
-              <a:rPr lang="en-US" dirty="0"/>
-              <a:t>Random index = 3</a:t>
-            </a:r>
-          </a:p>
-        </p:txBody>
-      </p:sp>
-      <p:sp>
-        <p:nvSpPr>
-          <p:cNvPr id="18" name="TextBox 17"/>
-          <p:cNvSpPr txBox="1"/>
-          <p:nvPr/>
-        </p:nvSpPr>
-        <p:spPr>
-          <a:xfrm>
-            <a:off x="8281112" y="2988418"/>
-            <a:ext cx="3172511" cy="523220"/>
-          </a:xfrm>
-          <a:prstGeom prst="rect">
-            <a:avLst/>
-          </a:prstGeom>
-          <a:noFill/>
-        </p:spPr>
-        <p:txBody>
-          <a:bodyPr wrap="square" rtlCol="0">
-            <a:spAutoFit/>
-          </a:bodyPr>
-          <a:lstStyle/>
-          <a:p>
-            <a:r>
-              <a:rPr lang="en-US" sz="2800" dirty="0"/>
-              <a:t>Children Arrays</a:t>
-            </a:r>
-          </a:p>
-        </p:txBody>
-      </p:sp>
-    </p:spTree>
-    <p:extLst>
-      <p:ext uri="{BB962C8B-B14F-4D97-AF65-F5344CB8AC3E}">
-        <p14:creationId xmlns:p14="http://schemas.microsoft.com/office/powerpoint/2010/main" val="2955997611"/>
-      </p:ext>
-    </p:extLst>
-  </p:cSld>
-  <p:clrMapOvr>
-    <a:masterClrMapping/>
-  </p:clrMapOvr>
-</p:sld>
-</file>
-
-<file path=ppt/slides/slide13.xml><?xml version="1.0" encoding="utf-8"?>
-<p:sld xmlns:a="http://schemas.openxmlformats.org/drawingml/2006/main" xmlns:r="http://schemas.openxmlformats.org/officeDocument/2006/relationships" xmlns:p="http://schemas.openxmlformats.org/presentationml/2006/main">
-  <p:cSld>
-    <p:spTree>
-      <p:nvGrpSpPr>
-        <p:cNvPr id="1" name=""/>
-        <p:cNvGrpSpPr/>
-        <p:nvPr/>
-      </p:nvGrpSpPr>
-      <p:grpSpPr>
-        <a:xfrm>
-          <a:off x="0" y="0"/>
-          <a:ext cx="0" cy="0"/>
-          <a:chOff x="0" y="0"/>
-          <a:chExt cx="0" cy="0"/>
-        </a:xfrm>
-      </p:grpSpPr>
-      <p:sp>
-        <p:nvSpPr>
-          <p:cNvPr id="2" name="Title 1"/>
-          <p:cNvSpPr>
-            <a:spLocks noGrp="1"/>
-          </p:cNvSpPr>
-          <p:nvPr>
-            <p:ph type="title"/>
-          </p:nvPr>
-        </p:nvSpPr>
-        <p:spPr/>
-        <p:txBody>
-          <a:bodyPr/>
-          <a:lstStyle/>
-          <a:p>
-            <a:r>
-              <a:rPr lang="en-US" dirty="0"/>
-              <a:t>Wisdom of The Crowds</a:t>
-            </a:r>
-          </a:p>
-        </p:txBody>
-      </p:sp>
-      <p:sp>
-        <p:nvSpPr>
-          <p:cNvPr id="3" name="Content Placeholder 2"/>
-          <p:cNvSpPr>
-            <a:spLocks noGrp="1"/>
-          </p:cNvSpPr>
-          <p:nvPr>
-            <p:ph idx="1"/>
-          </p:nvPr>
-        </p:nvSpPr>
-        <p:spPr/>
-        <p:txBody>
-          <a:bodyPr/>
-          <a:lstStyle/>
-          <a:p>
-            <a:endParaRPr lang="en-US"/>
-          </a:p>
-        </p:txBody>
-      </p:sp>
-    </p:spTree>
-    <p:extLst>
-      <p:ext uri="{BB962C8B-B14F-4D97-AF65-F5344CB8AC3E}">
-        <p14:creationId xmlns:p14="http://schemas.microsoft.com/office/powerpoint/2010/main" val="39664703"/>
-      </p:ext>
-    </p:extLst>
-  </p:cSld>
-  <p:clrMapOvr>
-    <a:masterClrMapping/>
-  </p:clrMapOvr>
-</p:sld>
-</file>
-
 <file path=ppt/slides/slide14.xml><?xml version="1.0" encoding="utf-8"?>
 <p:sld xmlns:a="http://schemas.openxmlformats.org/drawingml/2006/main" xmlns:r="http://schemas.openxmlformats.org/officeDocument/2006/relationships" xmlns:p="http://schemas.openxmlformats.org/presentationml/2006/main">
   <p:cSld>
@@ -8727,122 +9713,638 @@
       </p:grpSpPr>
       <p:sp>
         <p:nvSpPr>
-          <p:cNvPr id="2" name="Title 1"/>
-          <p:cNvSpPr>
-            <a:spLocks noGrp="1"/>
-          </p:cNvSpPr>
-          <p:nvPr>
-            <p:ph type="title"/>
-          </p:nvPr>
-        </p:nvSpPr>
-        <p:spPr/>
-        <p:txBody>
-          <a:bodyPr/>
-          <a:lstStyle/>
-          <a:p>
-            <a:r>
-              <a:rPr lang="en-US" dirty="0"/>
-              <a:t>Data Used</a:t>
-            </a:r>
-          </a:p>
-        </p:txBody>
-      </p:sp>
-      <p:sp>
-        <p:nvSpPr>
-          <p:cNvPr id="3" name="Content Placeholder 2"/>
-          <p:cNvSpPr>
-            <a:spLocks noGrp="1"/>
-          </p:cNvSpPr>
-          <p:nvPr>
-            <p:ph idx="1"/>
-          </p:nvPr>
-        </p:nvSpPr>
-        <p:spPr/>
-        <p:txBody>
-          <a:bodyPr/>
-          <a:lstStyle/>
-          <a:p>
-            <a:r>
-              <a:rPr lang="en-US" dirty="0"/>
-              <a:t>Known Optimal Data</a:t>
-            </a:r>
-          </a:p>
-          <a:p>
-            <a:pPr marL="0" indent="0">
-              <a:buNone/>
-            </a:pPr>
-            <a:r>
-              <a:rPr lang="en-US" dirty="0"/>
-              <a:t>	Data files where the optimal solution were used to test the program</a:t>
-            </a:r>
-          </a:p>
-          <a:p>
-            <a:pPr marL="0" indent="0">
-              <a:buNone/>
-            </a:pPr>
-            <a:r>
-              <a:rPr lang="en-US" dirty="0"/>
-              <a:t>	Files were from the QAPLIB </a:t>
-            </a:r>
+          <p:cNvPr id="2" name="TextBox 1"/>
+          <p:cNvSpPr txBox="1"/>
+          <p:nvPr/>
+        </p:nvSpPr>
+        <p:spPr>
+          <a:xfrm>
+            <a:off x="3915177" y="656822"/>
+            <a:ext cx="3979571" cy="523220"/>
+          </a:xfrm>
+          <a:prstGeom prst="rect">
+            <a:avLst/>
+          </a:prstGeom>
+          <a:noFill/>
+        </p:spPr>
+        <p:txBody>
+          <a:bodyPr wrap="square" rtlCol="0">
+            <a:spAutoFit/>
+          </a:bodyPr>
+          <a:lstStyle/>
+          <a:p>
+            <a:r>
+              <a:rPr lang="en-US" sz="2800" dirty="0"/>
+              <a:t>Crossover Operation</a:t>
+            </a:r>
+          </a:p>
+        </p:txBody>
+      </p:sp>
+      <p:sp>
+        <p:nvSpPr>
+          <p:cNvPr id="3" name="Rectangle 2"/>
+          <p:cNvSpPr/>
+          <p:nvPr/>
+        </p:nvSpPr>
+        <p:spPr>
+          <a:xfrm>
+            <a:off x="1635617" y="2421228"/>
+            <a:ext cx="1107583" cy="579549"/>
+          </a:xfrm>
+          <a:prstGeom prst="rect">
+            <a:avLst/>
+          </a:prstGeom>
+          <a:ln w="38100">
+            <a:solidFill>
+              <a:schemeClr val="bg1"/>
+            </a:solidFill>
+          </a:ln>
+        </p:spPr>
+        <p:style>
+          <a:lnRef idx="2">
+            <a:schemeClr val="accent1">
+              <a:shade val="50000"/>
+            </a:schemeClr>
+          </a:lnRef>
+          <a:fillRef idx="1">
+            <a:schemeClr val="accent1"/>
+          </a:fillRef>
+          <a:effectRef idx="0">
+            <a:schemeClr val="accent1"/>
+          </a:effectRef>
+          <a:fontRef idx="minor">
+            <a:schemeClr val="lt1"/>
+          </a:fontRef>
+        </p:style>
+        <p:txBody>
+          <a:bodyPr rtlCol="0" anchor="ctr"/>
+          <a:lstStyle/>
+          <a:p>
+            <a:pPr algn="ctr"/>
+            <a:r>
+              <a:rPr lang="en-US" dirty="0"/>
+              <a:t>3</a:t>
+            </a:r>
+          </a:p>
+        </p:txBody>
+      </p:sp>
+      <p:sp>
+        <p:nvSpPr>
+          <p:cNvPr id="8" name="Rectangle 7"/>
+          <p:cNvSpPr/>
+          <p:nvPr/>
+        </p:nvSpPr>
+        <p:spPr>
+          <a:xfrm>
+            <a:off x="2743199" y="2419081"/>
+            <a:ext cx="1107583" cy="579549"/>
+          </a:xfrm>
+          <a:prstGeom prst="rect">
+            <a:avLst/>
+          </a:prstGeom>
+          <a:ln w="38100">
+            <a:solidFill>
+              <a:schemeClr val="bg1"/>
+            </a:solidFill>
+          </a:ln>
+        </p:spPr>
+        <p:style>
+          <a:lnRef idx="2">
+            <a:schemeClr val="accent1">
+              <a:shade val="50000"/>
+            </a:schemeClr>
+          </a:lnRef>
+          <a:fillRef idx="1">
+            <a:schemeClr val="accent1"/>
+          </a:fillRef>
+          <a:effectRef idx="0">
+            <a:schemeClr val="accent1"/>
+          </a:effectRef>
+          <a:fontRef idx="minor">
+            <a:schemeClr val="lt1"/>
+          </a:fontRef>
+        </p:style>
+        <p:txBody>
+          <a:bodyPr rtlCol="0" anchor="ctr"/>
+          <a:lstStyle/>
+          <a:p>
+            <a:pPr algn="ctr"/>
+            <a:r>
+              <a:rPr lang="en-US" dirty="0"/>
+              <a:t>5</a:t>
+            </a:r>
+          </a:p>
+        </p:txBody>
+      </p:sp>
+      <p:sp>
+        <p:nvSpPr>
+          <p:cNvPr id="9" name="Rectangle 8"/>
+          <p:cNvSpPr/>
+          <p:nvPr/>
+        </p:nvSpPr>
+        <p:spPr>
+          <a:xfrm>
+            <a:off x="3850782" y="2419081"/>
+            <a:ext cx="1107583" cy="579549"/>
+          </a:xfrm>
+          <a:prstGeom prst="rect">
+            <a:avLst/>
+          </a:prstGeom>
+          <a:ln w="38100">
+            <a:solidFill>
+              <a:schemeClr val="bg1"/>
+            </a:solidFill>
+          </a:ln>
+        </p:spPr>
+        <p:style>
+          <a:lnRef idx="2">
+            <a:schemeClr val="accent1">
+              <a:shade val="50000"/>
+            </a:schemeClr>
+          </a:lnRef>
+          <a:fillRef idx="1">
+            <a:schemeClr val="accent1"/>
+          </a:fillRef>
+          <a:effectRef idx="0">
+            <a:schemeClr val="accent1"/>
+          </a:effectRef>
+          <a:fontRef idx="minor">
+            <a:schemeClr val="lt1"/>
+          </a:fontRef>
+        </p:style>
+        <p:txBody>
+          <a:bodyPr rtlCol="0" anchor="ctr"/>
+          <a:lstStyle/>
+          <a:p>
+            <a:pPr algn="ctr"/>
             <a:r>
               <a:rPr lang="en-US" dirty="0">
-                <a:hlinkClick r:id="rId2"/>
+                <a:solidFill>
+                  <a:srgbClr val="FFFF00"/>
+                </a:solidFill>
               </a:rPr>
-              <a:t>http://anjos.mgi.polymtl.ca/qaplib/</a:t>
-            </a:r>
-            <a:endParaRPr lang="en-US" dirty="0"/>
-          </a:p>
-          <a:p>
-            <a:pPr marL="0" indent="0">
-              <a:buNone/>
-            </a:pPr>
-            <a:r>
-              <a:rPr lang="en-US" dirty="0"/>
-              <a:t>Data in the form:</a:t>
-            </a:r>
-          </a:p>
-          <a:p>
-            <a:pPr marL="0" indent="0">
-              <a:buNone/>
-            </a:pPr>
-            <a:r>
-              <a:rPr lang="en-US" dirty="0"/>
-              <a:t>	N</a:t>
-            </a:r>
-          </a:p>
-          <a:p>
-            <a:pPr marL="0" indent="0">
-              <a:buNone/>
-            </a:pPr>
-            <a:r>
-              <a:rPr lang="en-US" dirty="0"/>
-              <a:t>	A</a:t>
-            </a:r>
-          </a:p>
-          <a:p>
-            <a:pPr marL="0" indent="0">
-              <a:buNone/>
-            </a:pPr>
-            <a:r>
-              <a:rPr lang="en-US" dirty="0"/>
-              <a:t>	B</a:t>
-            </a:r>
-          </a:p>
-          <a:p>
-            <a:pPr marL="0" indent="0">
-              <a:buNone/>
-            </a:pPr>
-            <a:r>
-              <a:rPr lang="en-US" dirty="0"/>
-              <a:t>Where N is the number of </a:t>
-            </a:r>
-            <a:r>
-              <a:rPr lang="en-US" dirty="0" err="1"/>
-              <a:t>facilites</a:t>
-            </a:r>
-            <a:r>
-              <a:rPr lang="en-US" dirty="0"/>
-              <a:t>/location; A is the distance matrix and B is flow matrix.</a:t>
+              <a:t>4</a:t>
+            </a:r>
+          </a:p>
+        </p:txBody>
+      </p:sp>
+      <p:sp>
+        <p:nvSpPr>
+          <p:cNvPr id="10" name="Rectangle 9"/>
+          <p:cNvSpPr/>
+          <p:nvPr/>
+        </p:nvSpPr>
+        <p:spPr>
+          <a:xfrm>
+            <a:off x="6362160" y="3511638"/>
+            <a:ext cx="1107583" cy="579549"/>
+          </a:xfrm>
+          <a:prstGeom prst="rect">
+            <a:avLst/>
+          </a:prstGeom>
+          <a:ln w="38100">
+            <a:solidFill>
+              <a:schemeClr val="bg1"/>
+            </a:solidFill>
+          </a:ln>
+        </p:spPr>
+        <p:style>
+          <a:lnRef idx="2">
+            <a:schemeClr val="accent1">
+              <a:shade val="50000"/>
+            </a:schemeClr>
+          </a:lnRef>
+          <a:fillRef idx="1">
+            <a:schemeClr val="accent1"/>
+          </a:fillRef>
+          <a:effectRef idx="0">
+            <a:schemeClr val="accent1"/>
+          </a:effectRef>
+          <a:fontRef idx="minor">
+            <a:schemeClr val="lt1"/>
+          </a:fontRef>
+        </p:style>
+        <p:txBody>
+          <a:bodyPr rtlCol="0" anchor="ctr"/>
+          <a:lstStyle/>
+          <a:p>
+            <a:pPr algn="ctr"/>
+            <a:r>
+              <a:rPr lang="en-US" dirty="0">
+                <a:solidFill>
+                  <a:srgbClr val="FFFF00"/>
+                </a:solidFill>
+              </a:rPr>
+              <a:t>4</a:t>
+            </a:r>
+          </a:p>
+        </p:txBody>
+      </p:sp>
+      <p:sp>
+        <p:nvSpPr>
+          <p:cNvPr id="11" name="Rectangle 10"/>
+          <p:cNvSpPr/>
+          <p:nvPr/>
+        </p:nvSpPr>
+        <p:spPr>
+          <a:xfrm>
+            <a:off x="7469744" y="3522371"/>
+            <a:ext cx="1107583" cy="579549"/>
+          </a:xfrm>
+          <a:prstGeom prst="rect">
+            <a:avLst/>
+          </a:prstGeom>
+          <a:ln w="38100">
+            <a:solidFill>
+              <a:schemeClr val="bg1"/>
+            </a:solidFill>
+          </a:ln>
+        </p:spPr>
+        <p:style>
+          <a:lnRef idx="2">
+            <a:schemeClr val="accent1">
+              <a:shade val="50000"/>
+            </a:schemeClr>
+          </a:lnRef>
+          <a:fillRef idx="1">
+            <a:schemeClr val="accent1"/>
+          </a:fillRef>
+          <a:effectRef idx="0">
+            <a:schemeClr val="accent1"/>
+          </a:effectRef>
+          <a:fontRef idx="minor">
+            <a:schemeClr val="lt1"/>
+          </a:fontRef>
+        </p:style>
+        <p:txBody>
+          <a:bodyPr rtlCol="0" anchor="ctr"/>
+          <a:lstStyle/>
+          <a:p>
+            <a:pPr algn="ctr"/>
+            <a:r>
+              <a:rPr lang="en-US" dirty="0"/>
+              <a:t>2</a:t>
+            </a:r>
+          </a:p>
+        </p:txBody>
+      </p:sp>
+      <p:sp>
+        <p:nvSpPr>
+          <p:cNvPr id="12" name="Rectangle 11"/>
+          <p:cNvSpPr/>
+          <p:nvPr/>
+        </p:nvSpPr>
+        <p:spPr>
+          <a:xfrm>
+            <a:off x="1635616" y="3513786"/>
+            <a:ext cx="1107583" cy="579549"/>
+          </a:xfrm>
+          <a:prstGeom prst="rect">
+            <a:avLst/>
+          </a:prstGeom>
+          <a:ln w="38100">
+            <a:solidFill>
+              <a:schemeClr val="bg1"/>
+            </a:solidFill>
+          </a:ln>
+        </p:spPr>
+        <p:style>
+          <a:lnRef idx="2">
+            <a:schemeClr val="accent1">
+              <a:shade val="50000"/>
+            </a:schemeClr>
+          </a:lnRef>
+          <a:fillRef idx="1">
+            <a:schemeClr val="accent1"/>
+          </a:fillRef>
+          <a:effectRef idx="0">
+            <a:schemeClr val="accent1"/>
+          </a:effectRef>
+          <a:fontRef idx="minor">
+            <a:schemeClr val="lt1"/>
+          </a:fontRef>
+        </p:style>
+        <p:txBody>
+          <a:bodyPr rtlCol="0" anchor="ctr"/>
+          <a:lstStyle/>
+          <a:p>
+            <a:pPr algn="ctr"/>
+            <a:r>
+              <a:rPr lang="en-US" dirty="0">
+                <a:solidFill>
+                  <a:schemeClr val="bg1"/>
+                </a:solidFill>
+              </a:rPr>
+              <a:t>1</a:t>
+            </a:r>
+          </a:p>
+        </p:txBody>
+      </p:sp>
+      <p:sp>
+        <p:nvSpPr>
+          <p:cNvPr id="13" name="Rectangle 12"/>
+          <p:cNvSpPr/>
+          <p:nvPr/>
+        </p:nvSpPr>
+        <p:spPr>
+          <a:xfrm>
+            <a:off x="2702414" y="3511639"/>
+            <a:ext cx="1107583" cy="579549"/>
+          </a:xfrm>
+          <a:prstGeom prst="rect">
+            <a:avLst/>
+          </a:prstGeom>
+          <a:ln w="38100">
+            <a:solidFill>
+              <a:schemeClr val="bg1"/>
+            </a:solidFill>
+          </a:ln>
+        </p:spPr>
+        <p:style>
+          <a:lnRef idx="2">
+            <a:schemeClr val="accent1">
+              <a:shade val="50000"/>
+            </a:schemeClr>
+          </a:lnRef>
+          <a:fillRef idx="1">
+            <a:schemeClr val="accent1"/>
+          </a:fillRef>
+          <a:effectRef idx="0">
+            <a:schemeClr val="accent1"/>
+          </a:effectRef>
+          <a:fontRef idx="minor">
+            <a:schemeClr val="lt1"/>
+          </a:fontRef>
+        </p:style>
+        <p:txBody>
+          <a:bodyPr rtlCol="0" anchor="ctr"/>
+          <a:lstStyle/>
+          <a:p>
+            <a:pPr algn="ctr"/>
+            <a:r>
+              <a:rPr lang="en-US" dirty="0"/>
+              <a:t>3</a:t>
+            </a:r>
+          </a:p>
+        </p:txBody>
+      </p:sp>
+      <p:sp>
+        <p:nvSpPr>
+          <p:cNvPr id="14" name="Rectangle 13"/>
+          <p:cNvSpPr/>
+          <p:nvPr/>
+        </p:nvSpPr>
+        <p:spPr>
+          <a:xfrm>
+            <a:off x="3809997" y="3522371"/>
+            <a:ext cx="1107583" cy="579549"/>
+          </a:xfrm>
+          <a:prstGeom prst="rect">
+            <a:avLst/>
+          </a:prstGeom>
+          <a:ln w="38100">
+            <a:solidFill>
+              <a:schemeClr val="bg1"/>
+            </a:solidFill>
+          </a:ln>
+        </p:spPr>
+        <p:style>
+          <a:lnRef idx="2">
+            <a:schemeClr val="accent1">
+              <a:shade val="50000"/>
+            </a:schemeClr>
+          </a:lnRef>
+          <a:fillRef idx="1">
+            <a:schemeClr val="accent1"/>
+          </a:fillRef>
+          <a:effectRef idx="0">
+            <a:schemeClr val="accent1"/>
+          </a:effectRef>
+          <a:fontRef idx="minor">
+            <a:schemeClr val="lt1"/>
+          </a:fontRef>
+        </p:style>
+        <p:txBody>
+          <a:bodyPr rtlCol="0" anchor="ctr"/>
+          <a:lstStyle/>
+          <a:p>
+            <a:pPr algn="ctr"/>
+            <a:r>
+              <a:rPr lang="en-US" dirty="0"/>
+              <a:t>5</a:t>
+            </a:r>
+          </a:p>
+        </p:txBody>
+      </p:sp>
+      <p:sp>
+        <p:nvSpPr>
+          <p:cNvPr id="15" name="Rectangle 14"/>
+          <p:cNvSpPr/>
+          <p:nvPr/>
+        </p:nvSpPr>
+        <p:spPr>
+          <a:xfrm>
+            <a:off x="7469744" y="2419081"/>
+            <a:ext cx="1107583" cy="579549"/>
+          </a:xfrm>
+          <a:prstGeom prst="rect">
+            <a:avLst/>
+          </a:prstGeom>
+          <a:ln w="38100">
+            <a:solidFill>
+              <a:schemeClr val="bg1"/>
+            </a:solidFill>
+          </a:ln>
+        </p:spPr>
+        <p:style>
+          <a:lnRef idx="2">
+            <a:schemeClr val="accent1">
+              <a:shade val="50000"/>
+            </a:schemeClr>
+          </a:lnRef>
+          <a:fillRef idx="1">
+            <a:schemeClr val="accent1"/>
+          </a:fillRef>
+          <a:effectRef idx="0">
+            <a:schemeClr val="accent1"/>
+          </a:effectRef>
+          <a:fontRef idx="minor">
+            <a:schemeClr val="lt1"/>
+          </a:fontRef>
+        </p:style>
+        <p:txBody>
+          <a:bodyPr rtlCol="0" anchor="ctr"/>
+          <a:lstStyle/>
+          <a:p>
+            <a:pPr algn="ctr"/>
+            <a:r>
+              <a:rPr lang="en-US" dirty="0">
+                <a:solidFill>
+                  <a:schemeClr val="bg1"/>
+                </a:solidFill>
+              </a:rPr>
+              <a:t>1</a:t>
+            </a:r>
+          </a:p>
+        </p:txBody>
+      </p:sp>
+      <p:sp>
+        <p:nvSpPr>
+          <p:cNvPr id="16" name="Rectangle 15"/>
+          <p:cNvSpPr/>
+          <p:nvPr/>
+        </p:nvSpPr>
+        <p:spPr>
+          <a:xfrm>
+            <a:off x="6362161" y="2419081"/>
+            <a:ext cx="1107583" cy="579549"/>
+          </a:xfrm>
+          <a:prstGeom prst="rect">
+            <a:avLst/>
+          </a:prstGeom>
+          <a:ln w="38100">
+            <a:solidFill>
+              <a:schemeClr val="bg1"/>
+            </a:solidFill>
+          </a:ln>
+        </p:spPr>
+        <p:style>
+          <a:lnRef idx="2">
+            <a:schemeClr val="accent1">
+              <a:shade val="50000"/>
+            </a:schemeClr>
+          </a:lnRef>
+          <a:fillRef idx="1">
+            <a:schemeClr val="accent1"/>
+          </a:fillRef>
+          <a:effectRef idx="0">
+            <a:schemeClr val="accent1"/>
+          </a:effectRef>
+          <a:fontRef idx="minor">
+            <a:schemeClr val="lt1"/>
+          </a:fontRef>
+        </p:style>
+        <p:txBody>
+          <a:bodyPr rtlCol="0" anchor="ctr"/>
+          <a:lstStyle/>
+          <a:p>
+            <a:pPr algn="ctr"/>
+            <a:r>
+              <a:rPr lang="en-US" dirty="0">
+                <a:solidFill>
+                  <a:schemeClr val="tx1"/>
+                </a:solidFill>
+              </a:rPr>
+              <a:t>2</a:t>
+            </a:r>
+          </a:p>
+        </p:txBody>
+      </p:sp>
+      <p:sp>
+        <p:nvSpPr>
+          <p:cNvPr id="17" name="TextBox 16"/>
+          <p:cNvSpPr txBox="1"/>
+          <p:nvPr/>
+        </p:nvSpPr>
+        <p:spPr>
+          <a:xfrm>
+            <a:off x="1854558" y="1545465"/>
+            <a:ext cx="2215671" cy="369332"/>
+          </a:xfrm>
+          <a:prstGeom prst="rect">
+            <a:avLst/>
+          </a:prstGeom>
+          <a:noFill/>
+        </p:spPr>
+        <p:txBody>
+          <a:bodyPr wrap="none" rtlCol="0">
+            <a:spAutoFit/>
+          </a:bodyPr>
+          <a:lstStyle/>
+          <a:p>
+            <a:r>
+              <a:rPr lang="en-US" dirty="0"/>
+              <a:t>Random index = 3</a:t>
+            </a:r>
+          </a:p>
+        </p:txBody>
+      </p:sp>
+      <p:sp>
+        <p:nvSpPr>
+          <p:cNvPr id="4" name="TextBox 3"/>
+          <p:cNvSpPr txBox="1"/>
+          <p:nvPr/>
+        </p:nvSpPr>
+        <p:spPr>
+          <a:xfrm>
+            <a:off x="6915951" y="1337896"/>
+            <a:ext cx="1952779" cy="923330"/>
+          </a:xfrm>
+          <a:prstGeom prst="rect">
+            <a:avLst/>
+          </a:prstGeom>
+          <a:noFill/>
+        </p:spPr>
+        <p:txBody>
+          <a:bodyPr wrap="none" rtlCol="0">
+            <a:spAutoFit/>
+          </a:bodyPr>
+          <a:lstStyle/>
+          <a:p>
+            <a:r>
+              <a:rPr lang="en-US" dirty="0">
+                <a:solidFill>
+                  <a:srgbClr val="FFFF00"/>
+                </a:solidFill>
+              </a:rPr>
+              <a:t>Already in array</a:t>
+            </a:r>
+          </a:p>
+          <a:p>
+            <a:endParaRPr lang="en-US" dirty="0">
+              <a:solidFill>
+                <a:srgbClr val="FFFF00"/>
+              </a:solidFill>
+            </a:endParaRPr>
+          </a:p>
+          <a:p>
+            <a:endParaRPr lang="en-US" dirty="0">
+              <a:solidFill>
+                <a:srgbClr val="FFFF00"/>
+              </a:solidFill>
+            </a:endParaRPr>
+          </a:p>
+        </p:txBody>
+      </p:sp>
+      <p:sp>
+        <p:nvSpPr>
+          <p:cNvPr id="18" name="TextBox 17"/>
+          <p:cNvSpPr txBox="1"/>
+          <p:nvPr/>
+        </p:nvSpPr>
+        <p:spPr>
+          <a:xfrm>
+            <a:off x="4013900" y="5405473"/>
+            <a:ext cx="3591048" cy="369332"/>
+          </a:xfrm>
+          <a:prstGeom prst="rect">
+            <a:avLst/>
+          </a:prstGeom>
+          <a:noFill/>
+        </p:spPr>
+        <p:txBody>
+          <a:bodyPr wrap="none" rtlCol="0">
+            <a:spAutoFit/>
+          </a:bodyPr>
+          <a:lstStyle/>
+          <a:p>
+            <a:r>
+              <a:rPr lang="en-US" dirty="0">
+                <a:solidFill>
+                  <a:srgbClr val="FFFF00"/>
+                </a:solidFill>
+              </a:rPr>
+              <a:t>Find next one NOT IN the array</a:t>
             </a:r>
           </a:p>
         </p:txBody>
@@ -8850,7 +10352,7 @@
     </p:spTree>
     <p:extLst>
       <p:ext uri="{BB962C8B-B14F-4D97-AF65-F5344CB8AC3E}">
-        <p14:creationId xmlns:p14="http://schemas.microsoft.com/office/powerpoint/2010/main" val="2214631039"/>
+        <p14:creationId xmlns:p14="http://schemas.microsoft.com/office/powerpoint/2010/main" val="2863682853"/>
       </p:ext>
     </p:extLst>
   </p:cSld>
@@ -8879,6 +10381,623 @@
       </p:grpSpPr>
       <p:sp>
         <p:nvSpPr>
+          <p:cNvPr id="2" name="TextBox 1"/>
+          <p:cNvSpPr txBox="1"/>
+          <p:nvPr/>
+        </p:nvSpPr>
+        <p:spPr>
+          <a:xfrm>
+            <a:off x="3915177" y="656822"/>
+            <a:ext cx="3979571" cy="523220"/>
+          </a:xfrm>
+          <a:prstGeom prst="rect">
+            <a:avLst/>
+          </a:prstGeom>
+          <a:noFill/>
+        </p:spPr>
+        <p:txBody>
+          <a:bodyPr wrap="square" rtlCol="0">
+            <a:spAutoFit/>
+          </a:bodyPr>
+          <a:lstStyle/>
+          <a:p>
+            <a:r>
+              <a:rPr lang="en-US" sz="2800" dirty="0"/>
+              <a:t>Crossover Operation</a:t>
+            </a:r>
+          </a:p>
+        </p:txBody>
+      </p:sp>
+      <p:sp>
+        <p:nvSpPr>
+          <p:cNvPr id="3" name="Rectangle 2"/>
+          <p:cNvSpPr/>
+          <p:nvPr/>
+        </p:nvSpPr>
+        <p:spPr>
+          <a:xfrm>
+            <a:off x="1635617" y="2421228"/>
+            <a:ext cx="1107583" cy="579549"/>
+          </a:xfrm>
+          <a:prstGeom prst="rect">
+            <a:avLst/>
+          </a:prstGeom>
+          <a:ln w="38100">
+            <a:solidFill>
+              <a:schemeClr val="bg1"/>
+            </a:solidFill>
+          </a:ln>
+        </p:spPr>
+        <p:style>
+          <a:lnRef idx="2">
+            <a:schemeClr val="accent1">
+              <a:shade val="50000"/>
+            </a:schemeClr>
+          </a:lnRef>
+          <a:fillRef idx="1">
+            <a:schemeClr val="accent1"/>
+          </a:fillRef>
+          <a:effectRef idx="0">
+            <a:schemeClr val="accent1"/>
+          </a:effectRef>
+          <a:fontRef idx="minor">
+            <a:schemeClr val="lt1"/>
+          </a:fontRef>
+        </p:style>
+        <p:txBody>
+          <a:bodyPr rtlCol="0" anchor="ctr"/>
+          <a:lstStyle/>
+          <a:p>
+            <a:pPr algn="ctr"/>
+            <a:r>
+              <a:rPr lang="en-US" dirty="0"/>
+              <a:t>3</a:t>
+            </a:r>
+          </a:p>
+        </p:txBody>
+      </p:sp>
+      <p:sp>
+        <p:nvSpPr>
+          <p:cNvPr id="8" name="Rectangle 7"/>
+          <p:cNvSpPr/>
+          <p:nvPr/>
+        </p:nvSpPr>
+        <p:spPr>
+          <a:xfrm>
+            <a:off x="2743199" y="2419081"/>
+            <a:ext cx="1107583" cy="579549"/>
+          </a:xfrm>
+          <a:prstGeom prst="rect">
+            <a:avLst/>
+          </a:prstGeom>
+          <a:ln w="38100">
+            <a:solidFill>
+              <a:schemeClr val="bg1"/>
+            </a:solidFill>
+          </a:ln>
+        </p:spPr>
+        <p:style>
+          <a:lnRef idx="2">
+            <a:schemeClr val="accent1">
+              <a:shade val="50000"/>
+            </a:schemeClr>
+          </a:lnRef>
+          <a:fillRef idx="1">
+            <a:schemeClr val="accent1"/>
+          </a:fillRef>
+          <a:effectRef idx="0">
+            <a:schemeClr val="accent1"/>
+          </a:effectRef>
+          <a:fontRef idx="minor">
+            <a:schemeClr val="lt1"/>
+          </a:fontRef>
+        </p:style>
+        <p:txBody>
+          <a:bodyPr rtlCol="0" anchor="ctr"/>
+          <a:lstStyle/>
+          <a:p>
+            <a:pPr algn="ctr"/>
+            <a:r>
+              <a:rPr lang="en-US" dirty="0"/>
+              <a:t>5</a:t>
+            </a:r>
+          </a:p>
+        </p:txBody>
+      </p:sp>
+      <p:sp>
+        <p:nvSpPr>
+          <p:cNvPr id="9" name="Rectangle 8"/>
+          <p:cNvSpPr/>
+          <p:nvPr/>
+        </p:nvSpPr>
+        <p:spPr>
+          <a:xfrm>
+            <a:off x="3850782" y="2419081"/>
+            <a:ext cx="1107583" cy="579549"/>
+          </a:xfrm>
+          <a:prstGeom prst="rect">
+            <a:avLst/>
+          </a:prstGeom>
+          <a:ln w="38100">
+            <a:solidFill>
+              <a:schemeClr val="bg1"/>
+            </a:solidFill>
+          </a:ln>
+        </p:spPr>
+        <p:style>
+          <a:lnRef idx="2">
+            <a:schemeClr val="accent1">
+              <a:shade val="50000"/>
+            </a:schemeClr>
+          </a:lnRef>
+          <a:fillRef idx="1">
+            <a:schemeClr val="accent1"/>
+          </a:fillRef>
+          <a:effectRef idx="0">
+            <a:schemeClr val="accent1"/>
+          </a:effectRef>
+          <a:fontRef idx="minor">
+            <a:schemeClr val="lt1"/>
+          </a:fontRef>
+        </p:style>
+        <p:txBody>
+          <a:bodyPr rtlCol="0" anchor="ctr"/>
+          <a:lstStyle/>
+          <a:p>
+            <a:pPr algn="ctr"/>
+            <a:r>
+              <a:rPr lang="en-US" dirty="0">
+                <a:solidFill>
+                  <a:schemeClr val="tx1"/>
+                </a:solidFill>
+              </a:rPr>
+              <a:t>4</a:t>
+            </a:r>
+          </a:p>
+        </p:txBody>
+      </p:sp>
+      <p:sp>
+        <p:nvSpPr>
+          <p:cNvPr id="10" name="Rectangle 9"/>
+          <p:cNvSpPr/>
+          <p:nvPr/>
+        </p:nvSpPr>
+        <p:spPr>
+          <a:xfrm>
+            <a:off x="4917580" y="3511638"/>
+            <a:ext cx="1107583" cy="579549"/>
+          </a:xfrm>
+          <a:prstGeom prst="rect">
+            <a:avLst/>
+          </a:prstGeom>
+          <a:ln w="38100">
+            <a:solidFill>
+              <a:schemeClr val="bg1"/>
+            </a:solidFill>
+          </a:ln>
+        </p:spPr>
+        <p:style>
+          <a:lnRef idx="2">
+            <a:schemeClr val="accent1">
+              <a:shade val="50000"/>
+            </a:schemeClr>
+          </a:lnRef>
+          <a:fillRef idx="1">
+            <a:schemeClr val="accent1"/>
+          </a:fillRef>
+          <a:effectRef idx="0">
+            <a:schemeClr val="accent1"/>
+          </a:effectRef>
+          <a:fontRef idx="minor">
+            <a:schemeClr val="lt1"/>
+          </a:fontRef>
+        </p:style>
+        <p:txBody>
+          <a:bodyPr rtlCol="0" anchor="ctr"/>
+          <a:lstStyle/>
+          <a:p>
+            <a:pPr algn="ctr"/>
+            <a:r>
+              <a:rPr lang="en-US" dirty="0">
+                <a:solidFill>
+                  <a:schemeClr val="tx1"/>
+                </a:solidFill>
+              </a:rPr>
+              <a:t>4</a:t>
+            </a:r>
+          </a:p>
+        </p:txBody>
+      </p:sp>
+      <p:sp>
+        <p:nvSpPr>
+          <p:cNvPr id="11" name="Rectangle 10"/>
+          <p:cNvSpPr/>
+          <p:nvPr/>
+        </p:nvSpPr>
+        <p:spPr>
+          <a:xfrm>
+            <a:off x="6025163" y="3522371"/>
+            <a:ext cx="1107583" cy="579549"/>
+          </a:xfrm>
+          <a:prstGeom prst="rect">
+            <a:avLst/>
+          </a:prstGeom>
+          <a:ln w="38100">
+            <a:solidFill>
+              <a:schemeClr val="bg1"/>
+            </a:solidFill>
+          </a:ln>
+        </p:spPr>
+        <p:style>
+          <a:lnRef idx="2">
+            <a:schemeClr val="accent1">
+              <a:shade val="50000"/>
+            </a:schemeClr>
+          </a:lnRef>
+          <a:fillRef idx="1">
+            <a:schemeClr val="accent1"/>
+          </a:fillRef>
+          <a:effectRef idx="0">
+            <a:schemeClr val="accent1"/>
+          </a:effectRef>
+          <a:fontRef idx="minor">
+            <a:schemeClr val="lt1"/>
+          </a:fontRef>
+        </p:style>
+        <p:txBody>
+          <a:bodyPr rtlCol="0" anchor="ctr"/>
+          <a:lstStyle/>
+          <a:p>
+            <a:pPr algn="ctr"/>
+            <a:r>
+              <a:rPr lang="en-US" dirty="0"/>
+              <a:t>2</a:t>
+            </a:r>
+          </a:p>
+        </p:txBody>
+      </p:sp>
+      <p:sp>
+        <p:nvSpPr>
+          <p:cNvPr id="12" name="Rectangle 11"/>
+          <p:cNvSpPr/>
+          <p:nvPr/>
+        </p:nvSpPr>
+        <p:spPr>
+          <a:xfrm>
+            <a:off x="1635616" y="3513786"/>
+            <a:ext cx="1107583" cy="579549"/>
+          </a:xfrm>
+          <a:prstGeom prst="rect">
+            <a:avLst/>
+          </a:prstGeom>
+          <a:ln w="38100">
+            <a:solidFill>
+              <a:schemeClr val="bg1"/>
+            </a:solidFill>
+          </a:ln>
+        </p:spPr>
+        <p:style>
+          <a:lnRef idx="2">
+            <a:schemeClr val="accent1">
+              <a:shade val="50000"/>
+            </a:schemeClr>
+          </a:lnRef>
+          <a:fillRef idx="1">
+            <a:schemeClr val="accent1"/>
+          </a:fillRef>
+          <a:effectRef idx="0">
+            <a:schemeClr val="accent1"/>
+          </a:effectRef>
+          <a:fontRef idx="minor">
+            <a:schemeClr val="lt1"/>
+          </a:fontRef>
+        </p:style>
+        <p:txBody>
+          <a:bodyPr rtlCol="0" anchor="ctr"/>
+          <a:lstStyle/>
+          <a:p>
+            <a:pPr algn="ctr"/>
+            <a:r>
+              <a:rPr lang="en-US" dirty="0">
+                <a:solidFill>
+                  <a:schemeClr val="tx1"/>
+                </a:solidFill>
+              </a:rPr>
+              <a:t>1</a:t>
+            </a:r>
+          </a:p>
+        </p:txBody>
+      </p:sp>
+      <p:sp>
+        <p:nvSpPr>
+          <p:cNvPr id="13" name="Rectangle 12"/>
+          <p:cNvSpPr/>
+          <p:nvPr/>
+        </p:nvSpPr>
+        <p:spPr>
+          <a:xfrm>
+            <a:off x="2702414" y="3511639"/>
+            <a:ext cx="1107583" cy="579549"/>
+          </a:xfrm>
+          <a:prstGeom prst="rect">
+            <a:avLst/>
+          </a:prstGeom>
+          <a:ln w="38100">
+            <a:solidFill>
+              <a:schemeClr val="bg1"/>
+            </a:solidFill>
+          </a:ln>
+        </p:spPr>
+        <p:style>
+          <a:lnRef idx="2">
+            <a:schemeClr val="accent1">
+              <a:shade val="50000"/>
+            </a:schemeClr>
+          </a:lnRef>
+          <a:fillRef idx="1">
+            <a:schemeClr val="accent1"/>
+          </a:fillRef>
+          <a:effectRef idx="0">
+            <a:schemeClr val="accent1"/>
+          </a:effectRef>
+          <a:fontRef idx="minor">
+            <a:schemeClr val="lt1"/>
+          </a:fontRef>
+        </p:style>
+        <p:txBody>
+          <a:bodyPr rtlCol="0" anchor="ctr"/>
+          <a:lstStyle/>
+          <a:p>
+            <a:pPr algn="ctr"/>
+            <a:r>
+              <a:rPr lang="en-US" dirty="0"/>
+              <a:t>3</a:t>
+            </a:r>
+          </a:p>
+        </p:txBody>
+      </p:sp>
+      <p:sp>
+        <p:nvSpPr>
+          <p:cNvPr id="14" name="Rectangle 13"/>
+          <p:cNvSpPr/>
+          <p:nvPr/>
+        </p:nvSpPr>
+        <p:spPr>
+          <a:xfrm>
+            <a:off x="3809997" y="3522371"/>
+            <a:ext cx="1107583" cy="579549"/>
+          </a:xfrm>
+          <a:prstGeom prst="rect">
+            <a:avLst/>
+          </a:prstGeom>
+          <a:ln w="38100">
+            <a:solidFill>
+              <a:schemeClr val="bg1"/>
+            </a:solidFill>
+          </a:ln>
+        </p:spPr>
+        <p:style>
+          <a:lnRef idx="2">
+            <a:schemeClr val="accent1">
+              <a:shade val="50000"/>
+            </a:schemeClr>
+          </a:lnRef>
+          <a:fillRef idx="1">
+            <a:schemeClr val="accent1"/>
+          </a:fillRef>
+          <a:effectRef idx="0">
+            <a:schemeClr val="accent1"/>
+          </a:effectRef>
+          <a:fontRef idx="minor">
+            <a:schemeClr val="lt1"/>
+          </a:fontRef>
+        </p:style>
+        <p:txBody>
+          <a:bodyPr rtlCol="0" anchor="ctr"/>
+          <a:lstStyle/>
+          <a:p>
+            <a:pPr algn="ctr"/>
+            <a:r>
+              <a:rPr lang="en-US" dirty="0"/>
+              <a:t>5</a:t>
+            </a:r>
+          </a:p>
+        </p:txBody>
+      </p:sp>
+      <p:sp>
+        <p:nvSpPr>
+          <p:cNvPr id="15" name="Rectangle 14"/>
+          <p:cNvSpPr/>
+          <p:nvPr/>
+        </p:nvSpPr>
+        <p:spPr>
+          <a:xfrm>
+            <a:off x="6065947" y="2419081"/>
+            <a:ext cx="1107583" cy="579549"/>
+          </a:xfrm>
+          <a:prstGeom prst="rect">
+            <a:avLst/>
+          </a:prstGeom>
+          <a:ln w="38100">
+            <a:solidFill>
+              <a:schemeClr val="bg1"/>
+            </a:solidFill>
+          </a:ln>
+        </p:spPr>
+        <p:style>
+          <a:lnRef idx="2">
+            <a:schemeClr val="accent1">
+              <a:shade val="50000"/>
+            </a:schemeClr>
+          </a:lnRef>
+          <a:fillRef idx="1">
+            <a:schemeClr val="accent1"/>
+          </a:fillRef>
+          <a:effectRef idx="0">
+            <a:schemeClr val="accent1"/>
+          </a:effectRef>
+          <a:fontRef idx="minor">
+            <a:schemeClr val="lt1"/>
+          </a:fontRef>
+        </p:style>
+        <p:txBody>
+          <a:bodyPr rtlCol="0" anchor="ctr"/>
+          <a:lstStyle/>
+          <a:p>
+            <a:pPr algn="ctr"/>
+            <a:r>
+              <a:rPr lang="en-US" dirty="0">
+                <a:solidFill>
+                  <a:schemeClr val="tx1"/>
+                </a:solidFill>
+              </a:rPr>
+              <a:t>1</a:t>
+            </a:r>
+          </a:p>
+        </p:txBody>
+      </p:sp>
+      <p:sp>
+        <p:nvSpPr>
+          <p:cNvPr id="16" name="Rectangle 15"/>
+          <p:cNvSpPr/>
+          <p:nvPr/>
+        </p:nvSpPr>
+        <p:spPr>
+          <a:xfrm>
+            <a:off x="4958364" y="2419081"/>
+            <a:ext cx="1107583" cy="579549"/>
+          </a:xfrm>
+          <a:prstGeom prst="rect">
+            <a:avLst/>
+          </a:prstGeom>
+          <a:ln w="38100">
+            <a:solidFill>
+              <a:schemeClr val="bg1"/>
+            </a:solidFill>
+          </a:ln>
+        </p:spPr>
+        <p:style>
+          <a:lnRef idx="2">
+            <a:schemeClr val="accent1">
+              <a:shade val="50000"/>
+            </a:schemeClr>
+          </a:lnRef>
+          <a:fillRef idx="1">
+            <a:schemeClr val="accent1"/>
+          </a:fillRef>
+          <a:effectRef idx="0">
+            <a:schemeClr val="accent1"/>
+          </a:effectRef>
+          <a:fontRef idx="minor">
+            <a:schemeClr val="lt1"/>
+          </a:fontRef>
+        </p:style>
+        <p:txBody>
+          <a:bodyPr rtlCol="0" anchor="ctr"/>
+          <a:lstStyle/>
+          <a:p>
+            <a:pPr algn="ctr"/>
+            <a:r>
+              <a:rPr lang="en-US" dirty="0">
+                <a:solidFill>
+                  <a:schemeClr val="tx1"/>
+                </a:solidFill>
+              </a:rPr>
+              <a:t>2</a:t>
+            </a:r>
+          </a:p>
+        </p:txBody>
+      </p:sp>
+      <p:sp>
+        <p:nvSpPr>
+          <p:cNvPr id="17" name="TextBox 16"/>
+          <p:cNvSpPr txBox="1"/>
+          <p:nvPr/>
+        </p:nvSpPr>
+        <p:spPr>
+          <a:xfrm>
+            <a:off x="1854558" y="1545465"/>
+            <a:ext cx="2215671" cy="369332"/>
+          </a:xfrm>
+          <a:prstGeom prst="rect">
+            <a:avLst/>
+          </a:prstGeom>
+          <a:noFill/>
+        </p:spPr>
+        <p:txBody>
+          <a:bodyPr wrap="none" rtlCol="0">
+            <a:spAutoFit/>
+          </a:bodyPr>
+          <a:lstStyle/>
+          <a:p>
+            <a:r>
+              <a:rPr lang="en-US" dirty="0"/>
+              <a:t>Random index = 3</a:t>
+            </a:r>
+          </a:p>
+        </p:txBody>
+      </p:sp>
+      <p:sp>
+        <p:nvSpPr>
+          <p:cNvPr id="18" name="TextBox 17"/>
+          <p:cNvSpPr txBox="1"/>
+          <p:nvPr/>
+        </p:nvSpPr>
+        <p:spPr>
+          <a:xfrm>
+            <a:off x="8281112" y="2988418"/>
+            <a:ext cx="3172511" cy="523220"/>
+          </a:xfrm>
+          <a:prstGeom prst="rect">
+            <a:avLst/>
+          </a:prstGeom>
+          <a:noFill/>
+        </p:spPr>
+        <p:txBody>
+          <a:bodyPr wrap="square" rtlCol="0">
+            <a:spAutoFit/>
+          </a:bodyPr>
+          <a:lstStyle/>
+          <a:p>
+            <a:r>
+              <a:rPr lang="en-US" sz="2800" dirty="0"/>
+              <a:t>Children Arrays</a:t>
+            </a:r>
+          </a:p>
+        </p:txBody>
+      </p:sp>
+    </p:spTree>
+    <p:extLst>
+      <p:ext uri="{BB962C8B-B14F-4D97-AF65-F5344CB8AC3E}">
+        <p14:creationId xmlns:p14="http://schemas.microsoft.com/office/powerpoint/2010/main" val="2955997611"/>
+      </p:ext>
+    </p:extLst>
+  </p:cSld>
+  <p:clrMapOvr>
+    <a:masterClrMapping/>
+  </p:clrMapOvr>
+</p:sld>
+</file>
+
+<file path=ppt/slides/slide16.xml><?xml version="1.0" encoding="utf-8"?>
+<p:sld xmlns:a="http://schemas.openxmlformats.org/drawingml/2006/main" xmlns:r="http://schemas.openxmlformats.org/officeDocument/2006/relationships" xmlns:p="http://schemas.openxmlformats.org/presentationml/2006/main">
+  <p:cSld>
+    <p:spTree>
+      <p:nvGrpSpPr>
+        <p:cNvPr id="1" name=""/>
+        <p:cNvGrpSpPr/>
+        <p:nvPr/>
+      </p:nvGrpSpPr>
+      <p:grpSpPr>
+        <a:xfrm>
+          <a:off x="0" y="0"/>
+          <a:ext cx="0" cy="0"/>
+          <a:chOff x="0" y="0"/>
+          <a:chExt cx="0" cy="0"/>
+        </a:xfrm>
+      </p:grpSpPr>
+      <p:sp>
+        <p:nvSpPr>
           <p:cNvPr id="2" name="Title 1"/>
           <p:cNvSpPr>
             <a:spLocks noGrp="1"/>
@@ -8894,6 +11013,221 @@
           <a:p>
             <a:r>
               <a:rPr lang="en-US" dirty="0"/>
+              <a:t>Wisdom of The Crowds</a:t>
+            </a:r>
+          </a:p>
+        </p:txBody>
+      </p:sp>
+      <p:sp>
+        <p:nvSpPr>
+          <p:cNvPr id="3" name="Content Placeholder 2"/>
+          <p:cNvSpPr>
+            <a:spLocks noGrp="1"/>
+          </p:cNvSpPr>
+          <p:nvPr>
+            <p:ph idx="1"/>
+          </p:nvPr>
+        </p:nvSpPr>
+        <p:spPr/>
+        <p:txBody>
+          <a:bodyPr/>
+          <a:lstStyle/>
+          <a:p>
+            <a:endParaRPr lang="en-US"/>
+          </a:p>
+        </p:txBody>
+      </p:sp>
+    </p:spTree>
+    <p:extLst>
+      <p:ext uri="{BB962C8B-B14F-4D97-AF65-F5344CB8AC3E}">
+        <p14:creationId xmlns:p14="http://schemas.microsoft.com/office/powerpoint/2010/main" val="39664703"/>
+      </p:ext>
+    </p:extLst>
+  </p:cSld>
+  <p:clrMapOvr>
+    <a:masterClrMapping/>
+  </p:clrMapOvr>
+</p:sld>
+</file>
+
+<file path=ppt/slides/slide17.xml><?xml version="1.0" encoding="utf-8"?>
+<p:sld xmlns:a="http://schemas.openxmlformats.org/drawingml/2006/main" xmlns:r="http://schemas.openxmlformats.org/officeDocument/2006/relationships" xmlns:p="http://schemas.openxmlformats.org/presentationml/2006/main">
+  <p:cSld>
+    <p:spTree>
+      <p:nvGrpSpPr>
+        <p:cNvPr id="1" name=""/>
+        <p:cNvGrpSpPr/>
+        <p:nvPr/>
+      </p:nvGrpSpPr>
+      <p:grpSpPr>
+        <a:xfrm>
+          <a:off x="0" y="0"/>
+          <a:ext cx="0" cy="0"/>
+          <a:chOff x="0" y="0"/>
+          <a:chExt cx="0" cy="0"/>
+        </a:xfrm>
+      </p:grpSpPr>
+      <p:sp>
+        <p:nvSpPr>
+          <p:cNvPr id="2" name="Title 1"/>
+          <p:cNvSpPr>
+            <a:spLocks noGrp="1"/>
+          </p:cNvSpPr>
+          <p:nvPr>
+            <p:ph type="title"/>
+          </p:nvPr>
+        </p:nvSpPr>
+        <p:spPr/>
+        <p:txBody>
+          <a:bodyPr/>
+          <a:lstStyle/>
+          <a:p>
+            <a:r>
+              <a:rPr lang="en-US" dirty="0"/>
+              <a:t>Data Used</a:t>
+            </a:r>
+          </a:p>
+        </p:txBody>
+      </p:sp>
+      <p:sp>
+        <p:nvSpPr>
+          <p:cNvPr id="3" name="Content Placeholder 2"/>
+          <p:cNvSpPr>
+            <a:spLocks noGrp="1"/>
+          </p:cNvSpPr>
+          <p:nvPr>
+            <p:ph idx="1"/>
+          </p:nvPr>
+        </p:nvSpPr>
+        <p:spPr/>
+        <p:txBody>
+          <a:bodyPr/>
+          <a:lstStyle/>
+          <a:p>
+            <a:r>
+              <a:rPr lang="en-US" dirty="0"/>
+              <a:t>Known Optimal Data</a:t>
+            </a:r>
+          </a:p>
+          <a:p>
+            <a:pPr marL="0" indent="0">
+              <a:buNone/>
+            </a:pPr>
+            <a:r>
+              <a:rPr lang="en-US" dirty="0"/>
+              <a:t>	Data files where the optimal solution is known were used to test the program</a:t>
+            </a:r>
+          </a:p>
+          <a:p>
+            <a:pPr marL="0" indent="0">
+              <a:buNone/>
+            </a:pPr>
+            <a:r>
+              <a:rPr lang="en-US" dirty="0"/>
+              <a:t>	Files were from the QAPLIB </a:t>
+            </a:r>
+            <a:r>
+              <a:rPr lang="en-US" dirty="0">
+                <a:hlinkClick r:id="rId2"/>
+              </a:rPr>
+              <a:t>http://anjos.mgi.polymtl.ca/qaplib/</a:t>
+            </a:r>
+            <a:endParaRPr lang="en-US" dirty="0"/>
+          </a:p>
+          <a:p>
+            <a:pPr marL="0" indent="0">
+              <a:buNone/>
+            </a:pPr>
+            <a:r>
+              <a:rPr lang="en-US" dirty="0"/>
+              <a:t>Data in the form:</a:t>
+            </a:r>
+          </a:p>
+          <a:p>
+            <a:pPr marL="0" indent="0">
+              <a:buNone/>
+            </a:pPr>
+            <a:r>
+              <a:rPr lang="en-US" dirty="0"/>
+              <a:t>	N</a:t>
+            </a:r>
+          </a:p>
+          <a:p>
+            <a:pPr marL="0" indent="0">
+              <a:buNone/>
+            </a:pPr>
+            <a:r>
+              <a:rPr lang="en-US" dirty="0"/>
+              <a:t>	A</a:t>
+            </a:r>
+          </a:p>
+          <a:p>
+            <a:pPr marL="0" indent="0">
+              <a:buNone/>
+            </a:pPr>
+            <a:r>
+              <a:rPr lang="en-US" dirty="0"/>
+              <a:t>	B</a:t>
+            </a:r>
+          </a:p>
+          <a:p>
+            <a:pPr marL="0" indent="0">
+              <a:buNone/>
+            </a:pPr>
+            <a:r>
+              <a:rPr lang="en-US" dirty="0"/>
+              <a:t>Where N is the number of facilities/location; A is the distance matrix and B is flow matrix.</a:t>
+            </a:r>
+          </a:p>
+        </p:txBody>
+      </p:sp>
+    </p:spTree>
+    <p:extLst>
+      <p:ext uri="{BB962C8B-B14F-4D97-AF65-F5344CB8AC3E}">
+        <p14:creationId xmlns:p14="http://schemas.microsoft.com/office/powerpoint/2010/main" val="2214631039"/>
+      </p:ext>
+    </p:extLst>
+  </p:cSld>
+  <p:clrMapOvr>
+    <a:masterClrMapping/>
+  </p:clrMapOvr>
+</p:sld>
+</file>
+
+<file path=ppt/slides/slide18.xml><?xml version="1.0" encoding="utf-8"?>
+<p:sld xmlns:a="http://schemas.openxmlformats.org/drawingml/2006/main" xmlns:r="http://schemas.openxmlformats.org/officeDocument/2006/relationships" xmlns:p="http://schemas.openxmlformats.org/presentationml/2006/main">
+  <p:cSld>
+    <p:spTree>
+      <p:nvGrpSpPr>
+        <p:cNvPr id="1" name=""/>
+        <p:cNvGrpSpPr/>
+        <p:nvPr/>
+      </p:nvGrpSpPr>
+      <p:grpSpPr>
+        <a:xfrm>
+          <a:off x="0" y="0"/>
+          <a:ext cx="0" cy="0"/>
+          <a:chOff x="0" y="0"/>
+          <a:chExt cx="0" cy="0"/>
+        </a:xfrm>
+      </p:grpSpPr>
+      <p:sp>
+        <p:nvSpPr>
+          <p:cNvPr id="2" name="Title 1"/>
+          <p:cNvSpPr>
+            <a:spLocks noGrp="1"/>
+          </p:cNvSpPr>
+          <p:nvPr>
+            <p:ph type="title"/>
+          </p:nvPr>
+        </p:nvSpPr>
+        <p:spPr/>
+        <p:txBody>
+          <a:bodyPr/>
+          <a:lstStyle/>
+          <a:p>
+            <a:r>
+              <a:rPr lang="en-US" dirty="0"/>
               <a:t>Data Creation</a:t>
             </a:r>
           </a:p>
@@ -8928,7 +11262,7 @@
           <a:p>
             <a:r>
               <a:rPr lang="en-US" dirty="0"/>
-              <a:t>A brute force solver was also included to get optimal solution for generated files (for N &lt; ~ 12)</a:t>
+              <a:t>A brute force solver was also included to get optimal solution for generated files (for N &lt;= 12)</a:t>
             </a:r>
           </a:p>
         </p:txBody>
@@ -8937,6 +11271,90 @@
     <p:extLst>
       <p:ext uri="{BB962C8B-B14F-4D97-AF65-F5344CB8AC3E}">
         <p14:creationId xmlns:p14="http://schemas.microsoft.com/office/powerpoint/2010/main" val="1268194570"/>
+      </p:ext>
+    </p:extLst>
+  </p:cSld>
+  <p:clrMapOvr>
+    <a:masterClrMapping/>
+  </p:clrMapOvr>
+</p:sld>
+</file>
+
+<file path=ppt/slides/slide19.xml><?xml version="1.0" encoding="utf-8"?>
+<p:sld xmlns:a="http://schemas.openxmlformats.org/drawingml/2006/main" xmlns:r="http://schemas.openxmlformats.org/officeDocument/2006/relationships" xmlns:p="http://schemas.openxmlformats.org/presentationml/2006/main">
+  <p:cSld>
+    <p:spTree>
+      <p:nvGrpSpPr>
+        <p:cNvPr id="1" name=""/>
+        <p:cNvGrpSpPr/>
+        <p:nvPr/>
+      </p:nvGrpSpPr>
+      <p:grpSpPr>
+        <a:xfrm>
+          <a:off x="0" y="0"/>
+          <a:ext cx="0" cy="0"/>
+          <a:chOff x="0" y="0"/>
+          <a:chExt cx="0" cy="0"/>
+        </a:xfrm>
+      </p:grpSpPr>
+      <p:sp>
+        <p:nvSpPr>
+          <p:cNvPr id="2" name="Title 1">
+            <a:extLst>
+              <a:ext uri="{FF2B5EF4-FFF2-40B4-BE49-F238E27FC236}">
+                <a16:creationId xmlns:a16="http://schemas.microsoft.com/office/drawing/2014/main" id="{31C39837-E048-458C-9E55-77C550067D59}"/>
+              </a:ext>
+            </a:extLst>
+          </p:cNvPr>
+          <p:cNvSpPr>
+            <a:spLocks noGrp="1"/>
+          </p:cNvSpPr>
+          <p:nvPr>
+            <p:ph type="title"/>
+          </p:nvPr>
+        </p:nvSpPr>
+        <p:spPr/>
+        <p:txBody>
+          <a:bodyPr/>
+          <a:lstStyle/>
+          <a:p>
+            <a:pPr algn="ctr"/>
+            <a:r>
+              <a:rPr lang="en-US" dirty="0"/>
+              <a:t>Results</a:t>
+            </a:r>
+          </a:p>
+        </p:txBody>
+      </p:sp>
+      <p:sp>
+        <p:nvSpPr>
+          <p:cNvPr id="3" name="Content Placeholder 2">
+            <a:extLst>
+              <a:ext uri="{FF2B5EF4-FFF2-40B4-BE49-F238E27FC236}">
+                <a16:creationId xmlns:a16="http://schemas.microsoft.com/office/drawing/2014/main" id="{49CC1EBE-2DA0-43D9-B773-2597602AF538}"/>
+              </a:ext>
+            </a:extLst>
+          </p:cNvPr>
+          <p:cNvSpPr>
+            <a:spLocks noGrp="1"/>
+          </p:cNvSpPr>
+          <p:nvPr>
+            <p:ph idx="1"/>
+          </p:nvPr>
+        </p:nvSpPr>
+        <p:spPr/>
+        <p:txBody>
+          <a:bodyPr/>
+          <a:lstStyle/>
+          <a:p>
+            <a:endParaRPr lang="en-US" dirty="0"/>
+          </a:p>
+        </p:txBody>
+      </p:sp>
+    </p:spTree>
+    <p:extLst>
+      <p:ext uri="{BB962C8B-B14F-4D97-AF65-F5344CB8AC3E}">
+        <p14:creationId xmlns:p14="http://schemas.microsoft.com/office/powerpoint/2010/main" val="1410554905"/>
       </p:ext>
     </p:extLst>
   </p:cSld>
@@ -9362,90 +11780,6 @@
 </file>
 
 <file path=ppt/slides/slide4.xml><?xml version="1.0" encoding="utf-8"?>
-<p:sld xmlns:a="http://schemas.openxmlformats.org/drawingml/2006/main" xmlns:r="http://schemas.openxmlformats.org/officeDocument/2006/relationships" xmlns:p="http://schemas.openxmlformats.org/presentationml/2006/main">
-  <p:cSld>
-    <p:spTree>
-      <p:nvGrpSpPr>
-        <p:cNvPr id="1" name=""/>
-        <p:cNvGrpSpPr/>
-        <p:nvPr/>
-      </p:nvGrpSpPr>
-      <p:grpSpPr>
-        <a:xfrm>
-          <a:off x="0" y="0"/>
-          <a:ext cx="0" cy="0"/>
-          <a:chOff x="0" y="0"/>
-          <a:chExt cx="0" cy="0"/>
-        </a:xfrm>
-      </p:grpSpPr>
-      <p:sp>
-        <p:nvSpPr>
-          <p:cNvPr id="2" name="Title 1">
-            <a:extLst>
-              <a:ext uri="{FF2B5EF4-FFF2-40B4-BE49-F238E27FC236}">
-                <a16:creationId xmlns:a16="http://schemas.microsoft.com/office/drawing/2014/main" id="{850467C5-C431-4C9C-89DA-0A4D6CB6E958}"/>
-              </a:ext>
-            </a:extLst>
-          </p:cNvPr>
-          <p:cNvSpPr>
-            <a:spLocks noGrp="1"/>
-          </p:cNvSpPr>
-          <p:nvPr>
-            <p:ph type="title"/>
-          </p:nvPr>
-        </p:nvSpPr>
-        <p:spPr/>
-        <p:txBody>
-          <a:bodyPr/>
-          <a:lstStyle/>
-          <a:p>
-            <a:pPr algn="ctr"/>
-            <a:r>
-              <a:rPr lang="en-US" dirty="0"/>
-              <a:t>A Little History of QAP</a:t>
-            </a:r>
-          </a:p>
-        </p:txBody>
-      </p:sp>
-      <p:sp>
-        <p:nvSpPr>
-          <p:cNvPr id="3" name="Content Placeholder 2">
-            <a:extLst>
-              <a:ext uri="{FF2B5EF4-FFF2-40B4-BE49-F238E27FC236}">
-                <a16:creationId xmlns:a16="http://schemas.microsoft.com/office/drawing/2014/main" id="{1D35E197-8DF6-4CD8-866C-E9162B83958F}"/>
-              </a:ext>
-            </a:extLst>
-          </p:cNvPr>
-          <p:cNvSpPr>
-            <a:spLocks noGrp="1"/>
-          </p:cNvSpPr>
-          <p:nvPr>
-            <p:ph idx="1"/>
-          </p:nvPr>
-        </p:nvSpPr>
-        <p:spPr/>
-        <p:txBody>
-          <a:bodyPr/>
-          <a:lstStyle/>
-          <a:p>
-            <a:endParaRPr lang="en-US"/>
-          </a:p>
-        </p:txBody>
-      </p:sp>
-    </p:spTree>
-    <p:extLst>
-      <p:ext uri="{BB962C8B-B14F-4D97-AF65-F5344CB8AC3E}">
-        <p14:creationId xmlns:p14="http://schemas.microsoft.com/office/powerpoint/2010/main" val="4067653631"/>
-      </p:ext>
-    </p:extLst>
-  </p:cSld>
-  <p:clrMapOvr>
-    <a:masterClrMapping/>
-  </p:clrMapOvr>
-</p:sld>
-</file>
-
-<file path=ppt/slides/slide5.xml><?xml version="1.0" encoding="utf-8"?>
 <p:sld xmlns:a="http://schemas.openxmlformats.org/drawingml/2006/main" xmlns:r="http://schemas.openxmlformats.org/officeDocument/2006/relationships" xmlns:p="http://schemas.openxmlformats.org/presentationml/2006/main">
   <p:cSld>
     <p:spTree>
@@ -10494,7 +12828,124 @@
     </p:spTree>
     <p:extLst>
       <p:ext uri="{BB962C8B-B14F-4D97-AF65-F5344CB8AC3E}">
-        <p14:creationId xmlns:p14="http://schemas.microsoft.com/office/powerpoint/2010/main" val="661464725"/>
+        <p14:creationId xmlns:p14="http://schemas.microsoft.com/office/powerpoint/2010/main" val="2459592087"/>
+      </p:ext>
+    </p:extLst>
+  </p:cSld>
+  <p:clrMapOvr>
+    <a:masterClrMapping/>
+  </p:clrMapOvr>
+</p:sld>
+</file>
+
+<file path=ppt/slides/slide5.xml><?xml version="1.0" encoding="utf-8"?>
+<p:sld xmlns:a="http://schemas.openxmlformats.org/drawingml/2006/main" xmlns:r="http://schemas.openxmlformats.org/officeDocument/2006/relationships" xmlns:p="http://schemas.openxmlformats.org/presentationml/2006/main">
+  <p:cSld>
+    <p:spTree>
+      <p:nvGrpSpPr>
+        <p:cNvPr id="1" name=""/>
+        <p:cNvGrpSpPr/>
+        <p:nvPr/>
+      </p:nvGrpSpPr>
+      <p:grpSpPr>
+        <a:xfrm>
+          <a:off x="0" y="0"/>
+          <a:ext cx="0" cy="0"/>
+          <a:chOff x="0" y="0"/>
+          <a:chExt cx="0" cy="0"/>
+        </a:xfrm>
+      </p:grpSpPr>
+      <p:sp>
+        <p:nvSpPr>
+          <p:cNvPr id="2" name="Title 1">
+            <a:extLst>
+              <a:ext uri="{FF2B5EF4-FFF2-40B4-BE49-F238E27FC236}">
+                <a16:creationId xmlns:a16="http://schemas.microsoft.com/office/drawing/2014/main" id="{850467C5-C431-4C9C-89DA-0A4D6CB6E958}"/>
+              </a:ext>
+            </a:extLst>
+          </p:cNvPr>
+          <p:cNvSpPr>
+            <a:spLocks noGrp="1"/>
+          </p:cNvSpPr>
+          <p:nvPr>
+            <p:ph type="title"/>
+          </p:nvPr>
+        </p:nvSpPr>
+        <p:spPr/>
+        <p:txBody>
+          <a:bodyPr/>
+          <a:lstStyle/>
+          <a:p>
+            <a:pPr algn="ctr"/>
+            <a:r>
+              <a:rPr lang="en-US" dirty="0"/>
+              <a:t>A Recent History of QAP</a:t>
+            </a:r>
+          </a:p>
+        </p:txBody>
+      </p:sp>
+      <p:sp>
+        <p:nvSpPr>
+          <p:cNvPr id="3" name="Content Placeholder 2">
+            <a:extLst>
+              <a:ext uri="{FF2B5EF4-FFF2-40B4-BE49-F238E27FC236}">
+                <a16:creationId xmlns:a16="http://schemas.microsoft.com/office/drawing/2014/main" id="{1D35E197-8DF6-4CD8-866C-E9162B83958F}"/>
+              </a:ext>
+            </a:extLst>
+          </p:cNvPr>
+          <p:cNvSpPr>
+            <a:spLocks noGrp="1"/>
+          </p:cNvSpPr>
+          <p:nvPr>
+            <p:ph idx="1"/>
+          </p:nvPr>
+        </p:nvSpPr>
+        <p:spPr/>
+        <p:txBody>
+          <a:bodyPr/>
+          <a:lstStyle/>
+          <a:p>
+            <a:r>
+              <a:rPr lang="en-US" dirty="0"/>
+              <a:t>July 2011</a:t>
+            </a:r>
+          </a:p>
+          <a:p>
+            <a:pPr marL="0" indent="0">
+              <a:buNone/>
+            </a:pPr>
+            <a:r>
+              <a:rPr lang="en-US" dirty="0"/>
+              <a:t>	An N = 30 instance (Tai30b) was optimally solved for the first time using parallel code and the Palmetto Supercomputing Cluster at Clemson University</a:t>
+            </a:r>
+          </a:p>
+          <a:p>
+            <a:pPr marL="0" indent="0">
+              <a:buNone/>
+            </a:pPr>
+            <a:endParaRPr lang="en-US" dirty="0"/>
+          </a:p>
+          <a:p>
+            <a:r>
+              <a:rPr lang="en-US" dirty="0"/>
+              <a:t>August 2017 </a:t>
+            </a:r>
+          </a:p>
+          <a:p>
+            <a:pPr marL="457200" lvl="1" indent="0">
+              <a:buNone/>
+            </a:pPr>
+            <a:r>
+              <a:rPr lang="en-US" dirty="0"/>
+              <a:t>An N = 256 instance (Tai256c) had a new lower bound discovered. </a:t>
+            </a:r>
+          </a:p>
+        </p:txBody>
+      </p:sp>
+    </p:spTree>
+    <p:extLst>
+      <p:ext uri="{BB962C8B-B14F-4D97-AF65-F5344CB8AC3E}">
+        <p14:creationId xmlns:p14="http://schemas.microsoft.com/office/powerpoint/2010/main" val="4067653631"/>
       </p:ext>
     </p:extLst>
   </p:cSld>
@@ -10521,108 +12972,40 @@
           <a:chExt cx="0" cy="0"/>
         </a:xfrm>
       </p:grpSpPr>
-      <p:sp>
-        <p:nvSpPr>
-          <p:cNvPr id="2" name="Title 1"/>
-          <p:cNvSpPr>
-            <a:spLocks noGrp="1"/>
-          </p:cNvSpPr>
-          <p:nvPr>
-            <p:ph type="title"/>
-          </p:nvPr>
-        </p:nvSpPr>
-        <p:spPr/>
-        <p:txBody>
-          <a:bodyPr/>
-          <a:lstStyle/>
-          <a:p>
-            <a:pPr algn="ctr"/>
-            <a:r>
-              <a:rPr lang="en-US" dirty="0"/>
-              <a:t>Our Genetic Algorithm Approach</a:t>
-            </a:r>
-          </a:p>
-        </p:txBody>
-      </p:sp>
-      <p:sp>
-        <p:nvSpPr>
-          <p:cNvPr id="3" name="Content Placeholder 2"/>
-          <p:cNvSpPr>
-            <a:spLocks noGrp="1"/>
-          </p:cNvSpPr>
-          <p:nvPr>
-            <p:ph idx="1"/>
-          </p:nvPr>
-        </p:nvSpPr>
-        <p:spPr/>
-        <p:txBody>
-          <a:bodyPr>
-            <a:normAutofit fontScale="85000" lnSpcReduction="10000"/>
-          </a:bodyPr>
-          <a:lstStyle/>
-          <a:p>
-            <a:r>
-              <a:rPr lang="en-US" dirty="0"/>
-              <a:t>Setup: A population of random permutations of the “facilities” is created. </a:t>
-            </a:r>
-          </a:p>
-          <a:p>
-            <a:endParaRPr lang="en-US" dirty="0"/>
-          </a:p>
-          <a:p>
-            <a:r>
-              <a:rPr lang="en-US" dirty="0"/>
-              <a:t>A percentage of the best permutations are selected to “reproduce”</a:t>
-            </a:r>
-          </a:p>
-          <a:p>
-            <a:r>
-              <a:rPr lang="en-US" dirty="0"/>
-              <a:t>2 “parents” are split at a random index, elements after index are added to opposite parent. </a:t>
-            </a:r>
-          </a:p>
-          <a:p>
-            <a:r>
-              <a:rPr lang="en-US" dirty="0"/>
-              <a:t>The 2 “children” replace the worst of the previous population.</a:t>
-            </a:r>
-          </a:p>
-          <a:p>
-            <a:r>
-              <a:rPr lang="en-US" dirty="0"/>
-              <a:t>Population is sorted.</a:t>
-            </a:r>
-          </a:p>
-          <a:p>
-            <a:r>
-              <a:rPr lang="en-US" dirty="0"/>
-              <a:t>Mutation odds are ran (10% chance, in order to delay convergence)</a:t>
-            </a:r>
-          </a:p>
-          <a:p>
-            <a:r>
-              <a:rPr lang="en-US" dirty="0"/>
-              <a:t>WOC is ran on % of population</a:t>
-            </a:r>
-          </a:p>
-          <a:p>
-            <a:endParaRPr lang="en-US" dirty="0"/>
-          </a:p>
-          <a:p>
-            <a:endParaRPr lang="en-US" dirty="0"/>
-          </a:p>
-          <a:p>
-            <a:r>
-              <a:rPr lang="en-US" dirty="0"/>
-              <a:t>This repeated for an X number of generations or convergence. </a:t>
-            </a:r>
-          </a:p>
-        </p:txBody>
-      </p:sp>
+      <p:pic>
+        <p:nvPicPr>
+          <p:cNvPr id="3" name="Picture 2">
+            <a:extLst>
+              <a:ext uri="{FF2B5EF4-FFF2-40B4-BE49-F238E27FC236}">
+                <a16:creationId xmlns:a16="http://schemas.microsoft.com/office/drawing/2014/main" id="{46F9224A-D586-4789-A39F-09C97CDE38F8}"/>
+              </a:ext>
+            </a:extLst>
+          </p:cNvPr>
+          <p:cNvPicPr>
+            <a:picLocks noChangeAspect="1"/>
+          </p:cNvPicPr>
+          <p:nvPr/>
+        </p:nvPicPr>
+        <p:blipFill>
+          <a:blip r:embed="rId3"/>
+          <a:stretch>
+            <a:fillRect/>
+          </a:stretch>
+        </p:blipFill>
+        <p:spPr>
+          <a:xfrm>
+            <a:off x="1776136" y="0"/>
+            <a:ext cx="8639728" cy="6818609"/>
+          </a:xfrm>
+          <a:prstGeom prst="rect">
+            <a:avLst/>
+          </a:prstGeom>
+        </p:spPr>
+      </p:pic>
     </p:spTree>
     <p:extLst>
       <p:ext uri="{BB962C8B-B14F-4D97-AF65-F5344CB8AC3E}">
-        <p14:creationId xmlns:p14="http://schemas.microsoft.com/office/powerpoint/2010/main" val="1491124500"/>
+        <p14:creationId xmlns:p14="http://schemas.microsoft.com/office/powerpoint/2010/main" val="105385343"/>
       </p:ext>
     </p:extLst>
   </p:cSld>
@@ -10651,546 +13034,66 @@
       </p:grpSpPr>
       <p:sp>
         <p:nvSpPr>
-          <p:cNvPr id="2" name="TextBox 1"/>
-          <p:cNvSpPr txBox="1"/>
-          <p:nvPr/>
-        </p:nvSpPr>
-        <p:spPr>
-          <a:xfrm>
-            <a:off x="3915177" y="656822"/>
-            <a:ext cx="3979571" cy="523220"/>
-          </a:xfrm>
-          <a:prstGeom prst="rect">
-            <a:avLst/>
-          </a:prstGeom>
-          <a:noFill/>
-        </p:spPr>
-        <p:txBody>
-          <a:bodyPr wrap="square" rtlCol="0">
-            <a:spAutoFit/>
-          </a:bodyPr>
-          <a:lstStyle/>
-          <a:p>
-            <a:r>
-              <a:rPr lang="en-US" sz="2800" dirty="0"/>
-              <a:t>Crossover Operation</a:t>
-            </a:r>
-          </a:p>
-        </p:txBody>
-      </p:sp>
-      <p:sp>
-        <p:nvSpPr>
-          <p:cNvPr id="3" name="Rectangle 2"/>
-          <p:cNvSpPr/>
-          <p:nvPr/>
-        </p:nvSpPr>
-        <p:spPr>
-          <a:xfrm>
-            <a:off x="1635617" y="2421228"/>
-            <a:ext cx="1107583" cy="579549"/>
-          </a:xfrm>
-          <a:prstGeom prst="rect">
-            <a:avLst/>
-          </a:prstGeom>
-          <a:ln w="38100">
-            <a:solidFill>
-              <a:schemeClr val="bg1"/>
-            </a:solidFill>
-          </a:ln>
-        </p:spPr>
-        <p:style>
-          <a:lnRef idx="2">
-            <a:schemeClr val="accent1">
-              <a:shade val="50000"/>
-            </a:schemeClr>
-          </a:lnRef>
-          <a:fillRef idx="1">
-            <a:schemeClr val="accent1"/>
-          </a:fillRef>
-          <a:effectRef idx="0">
-            <a:schemeClr val="accent1"/>
-          </a:effectRef>
-          <a:fontRef idx="minor">
-            <a:schemeClr val="lt1"/>
-          </a:fontRef>
-        </p:style>
-        <p:txBody>
-          <a:bodyPr rtlCol="0" anchor="ctr"/>
+          <p:cNvPr id="2" name="Title 1">
+            <a:extLst>
+              <a:ext uri="{FF2B5EF4-FFF2-40B4-BE49-F238E27FC236}">
+                <a16:creationId xmlns:a16="http://schemas.microsoft.com/office/drawing/2014/main" id="{1A90415D-3977-48D2-875B-8B3391E596CC}"/>
+              </a:ext>
+            </a:extLst>
+          </p:cNvPr>
+          <p:cNvSpPr>
+            <a:spLocks noGrp="1"/>
+          </p:cNvSpPr>
+          <p:nvPr>
+            <p:ph type="title"/>
+          </p:nvPr>
+        </p:nvSpPr>
+        <p:spPr/>
+        <p:txBody>
+          <a:bodyPr/>
           <a:lstStyle/>
           <a:p>
             <a:pPr algn="ctr"/>
             <a:r>
               <a:rPr lang="en-US" dirty="0"/>
-              <a:t>3</a:t>
-            </a:r>
-          </a:p>
-        </p:txBody>
-      </p:sp>
-      <p:sp>
-        <p:nvSpPr>
-          <p:cNvPr id="8" name="Rectangle 7"/>
-          <p:cNvSpPr/>
-          <p:nvPr/>
-        </p:nvSpPr>
-        <p:spPr>
-          <a:xfrm>
-            <a:off x="2743199" y="2419081"/>
-            <a:ext cx="1107583" cy="579549"/>
-          </a:xfrm>
-          <a:prstGeom prst="rect">
-            <a:avLst/>
-          </a:prstGeom>
-          <a:ln w="38100">
-            <a:solidFill>
-              <a:schemeClr val="bg1"/>
-            </a:solidFill>
-          </a:ln>
-        </p:spPr>
-        <p:style>
-          <a:lnRef idx="2">
-            <a:schemeClr val="accent1">
-              <a:shade val="50000"/>
-            </a:schemeClr>
-          </a:lnRef>
-          <a:fillRef idx="1">
-            <a:schemeClr val="accent1"/>
-          </a:fillRef>
-          <a:effectRef idx="0">
-            <a:schemeClr val="accent1"/>
-          </a:effectRef>
-          <a:fontRef idx="minor">
-            <a:schemeClr val="lt1"/>
-          </a:fontRef>
-        </p:style>
-        <p:txBody>
-          <a:bodyPr rtlCol="0" anchor="ctr"/>
-          <a:lstStyle/>
-          <a:p>
-            <a:pPr algn="ctr"/>
-            <a:r>
-              <a:rPr lang="en-US" dirty="0"/>
-              <a:t>5</a:t>
-            </a:r>
-          </a:p>
-        </p:txBody>
-      </p:sp>
-      <p:sp>
-        <p:nvSpPr>
-          <p:cNvPr id="9" name="Rectangle 8"/>
-          <p:cNvSpPr/>
-          <p:nvPr/>
-        </p:nvSpPr>
-        <p:spPr>
-          <a:xfrm>
-            <a:off x="3850782" y="2419081"/>
-            <a:ext cx="1107583" cy="579549"/>
-          </a:xfrm>
-          <a:prstGeom prst="rect">
-            <a:avLst/>
-          </a:prstGeom>
-          <a:ln w="38100">
-            <a:solidFill>
-              <a:schemeClr val="bg1"/>
-            </a:solidFill>
-          </a:ln>
-        </p:spPr>
-        <p:style>
-          <a:lnRef idx="2">
-            <a:schemeClr val="accent1">
-              <a:shade val="50000"/>
-            </a:schemeClr>
-          </a:lnRef>
-          <a:fillRef idx="1">
-            <a:schemeClr val="accent1"/>
-          </a:fillRef>
-          <a:effectRef idx="0">
-            <a:schemeClr val="accent1"/>
-          </a:effectRef>
-          <a:fontRef idx="minor">
-            <a:schemeClr val="lt1"/>
-          </a:fontRef>
-        </p:style>
-        <p:txBody>
-          <a:bodyPr rtlCol="0" anchor="ctr"/>
-          <a:lstStyle/>
-          <a:p>
-            <a:pPr algn="ctr"/>
-            <a:r>
-              <a:rPr lang="en-US" dirty="0"/>
-              <a:t>4</a:t>
-            </a:r>
-          </a:p>
-        </p:txBody>
-      </p:sp>
-      <p:sp>
-        <p:nvSpPr>
-          <p:cNvPr id="10" name="Rectangle 9"/>
-          <p:cNvSpPr/>
-          <p:nvPr/>
-        </p:nvSpPr>
-        <p:spPr>
-          <a:xfrm>
-            <a:off x="4958364" y="2419080"/>
-            <a:ext cx="1107583" cy="579549"/>
-          </a:xfrm>
-          <a:prstGeom prst="rect">
-            <a:avLst/>
-          </a:prstGeom>
-          <a:ln w="38100">
-            <a:solidFill>
-              <a:schemeClr val="bg1"/>
-            </a:solidFill>
-          </a:ln>
-        </p:spPr>
-        <p:style>
-          <a:lnRef idx="2">
-            <a:schemeClr val="accent1">
-              <a:shade val="50000"/>
-            </a:schemeClr>
-          </a:lnRef>
-          <a:fillRef idx="1">
-            <a:schemeClr val="accent1"/>
-          </a:fillRef>
-          <a:effectRef idx="0">
-            <a:schemeClr val="accent1"/>
-          </a:effectRef>
-          <a:fontRef idx="minor">
-            <a:schemeClr val="lt1"/>
-          </a:fontRef>
-        </p:style>
-        <p:txBody>
-          <a:bodyPr rtlCol="0" anchor="ctr"/>
-          <a:lstStyle/>
-          <a:p>
-            <a:pPr algn="ctr"/>
-            <a:r>
-              <a:rPr lang="en-US" dirty="0"/>
-              <a:t>1</a:t>
-            </a:r>
-          </a:p>
-        </p:txBody>
-      </p:sp>
-      <p:sp>
-        <p:nvSpPr>
-          <p:cNvPr id="11" name="Rectangle 10"/>
-          <p:cNvSpPr/>
-          <p:nvPr/>
-        </p:nvSpPr>
-        <p:spPr>
-          <a:xfrm>
-            <a:off x="6065946" y="2419080"/>
-            <a:ext cx="1107583" cy="579549"/>
-          </a:xfrm>
-          <a:prstGeom prst="rect">
-            <a:avLst/>
-          </a:prstGeom>
-          <a:ln w="38100">
-            <a:solidFill>
-              <a:schemeClr val="bg1"/>
-            </a:solidFill>
-          </a:ln>
-        </p:spPr>
-        <p:style>
-          <a:lnRef idx="2">
-            <a:schemeClr val="accent1">
-              <a:shade val="50000"/>
-            </a:schemeClr>
-          </a:lnRef>
-          <a:fillRef idx="1">
-            <a:schemeClr val="accent1"/>
-          </a:fillRef>
-          <a:effectRef idx="0">
-            <a:schemeClr val="accent1"/>
-          </a:effectRef>
-          <a:fontRef idx="minor">
-            <a:schemeClr val="lt1"/>
-          </a:fontRef>
-        </p:style>
-        <p:txBody>
-          <a:bodyPr rtlCol="0" anchor="ctr"/>
-          <a:lstStyle/>
-          <a:p>
-            <a:pPr algn="ctr"/>
-            <a:r>
-              <a:rPr lang="en-US" dirty="0"/>
-              <a:t>2</a:t>
-            </a:r>
-          </a:p>
-        </p:txBody>
-      </p:sp>
-      <p:sp>
-        <p:nvSpPr>
-          <p:cNvPr id="12" name="Rectangle 11"/>
-          <p:cNvSpPr/>
-          <p:nvPr/>
-        </p:nvSpPr>
-        <p:spPr>
-          <a:xfrm>
-            <a:off x="1635616" y="3513786"/>
-            <a:ext cx="1107583" cy="579549"/>
-          </a:xfrm>
-          <a:prstGeom prst="rect">
-            <a:avLst/>
-          </a:prstGeom>
-          <a:ln w="38100">
-            <a:solidFill>
-              <a:schemeClr val="bg1"/>
-            </a:solidFill>
-          </a:ln>
-        </p:spPr>
-        <p:style>
-          <a:lnRef idx="2">
-            <a:schemeClr val="accent1">
-              <a:shade val="50000"/>
-            </a:schemeClr>
-          </a:lnRef>
-          <a:fillRef idx="1">
-            <a:schemeClr val="accent1"/>
-          </a:fillRef>
-          <a:effectRef idx="0">
-            <a:schemeClr val="accent1"/>
-          </a:effectRef>
-          <a:fontRef idx="minor">
-            <a:schemeClr val="lt1"/>
-          </a:fontRef>
-        </p:style>
-        <p:txBody>
-          <a:bodyPr rtlCol="0" anchor="ctr"/>
-          <a:lstStyle/>
-          <a:p>
-            <a:pPr algn="ctr"/>
-            <a:r>
-              <a:rPr lang="en-US" dirty="0"/>
-              <a:t>1</a:t>
-            </a:r>
-          </a:p>
-        </p:txBody>
-      </p:sp>
-      <p:sp>
-        <p:nvSpPr>
-          <p:cNvPr id="13" name="Rectangle 12"/>
-          <p:cNvSpPr/>
-          <p:nvPr/>
-        </p:nvSpPr>
-        <p:spPr>
-          <a:xfrm>
-            <a:off x="2702414" y="3511639"/>
-            <a:ext cx="1107583" cy="579549"/>
-          </a:xfrm>
-          <a:prstGeom prst="rect">
-            <a:avLst/>
-          </a:prstGeom>
-          <a:ln w="38100">
-            <a:solidFill>
-              <a:schemeClr val="bg1"/>
-            </a:solidFill>
-          </a:ln>
-        </p:spPr>
-        <p:style>
-          <a:lnRef idx="2">
-            <a:schemeClr val="accent1">
-              <a:shade val="50000"/>
-            </a:schemeClr>
-          </a:lnRef>
-          <a:fillRef idx="1">
-            <a:schemeClr val="accent1"/>
-          </a:fillRef>
-          <a:effectRef idx="0">
-            <a:schemeClr val="accent1"/>
-          </a:effectRef>
-          <a:fontRef idx="minor">
-            <a:schemeClr val="lt1"/>
-          </a:fontRef>
-        </p:style>
-        <p:txBody>
-          <a:bodyPr rtlCol="0" anchor="ctr"/>
-          <a:lstStyle/>
-          <a:p>
-            <a:pPr algn="ctr"/>
-            <a:r>
-              <a:rPr lang="en-US" dirty="0"/>
-              <a:t>3</a:t>
-            </a:r>
-          </a:p>
-        </p:txBody>
-      </p:sp>
-      <p:sp>
-        <p:nvSpPr>
-          <p:cNvPr id="14" name="Rectangle 13"/>
-          <p:cNvSpPr/>
-          <p:nvPr/>
-        </p:nvSpPr>
-        <p:spPr>
-          <a:xfrm>
-            <a:off x="3809997" y="3522371"/>
-            <a:ext cx="1107583" cy="579549"/>
-          </a:xfrm>
-          <a:prstGeom prst="rect">
-            <a:avLst/>
-          </a:prstGeom>
-          <a:ln w="38100">
-            <a:solidFill>
-              <a:schemeClr val="bg1"/>
-            </a:solidFill>
-          </a:ln>
-        </p:spPr>
-        <p:style>
-          <a:lnRef idx="2">
-            <a:schemeClr val="accent1">
-              <a:shade val="50000"/>
-            </a:schemeClr>
-          </a:lnRef>
-          <a:fillRef idx="1">
-            <a:schemeClr val="accent1"/>
-          </a:fillRef>
-          <a:effectRef idx="0">
-            <a:schemeClr val="accent1"/>
-          </a:effectRef>
-          <a:fontRef idx="minor">
-            <a:schemeClr val="lt1"/>
-          </a:fontRef>
-        </p:style>
-        <p:txBody>
-          <a:bodyPr rtlCol="0" anchor="ctr"/>
-          <a:lstStyle/>
-          <a:p>
-            <a:pPr algn="ctr"/>
-            <a:r>
-              <a:rPr lang="en-US" dirty="0"/>
-              <a:t>5</a:t>
-            </a:r>
-          </a:p>
-        </p:txBody>
-      </p:sp>
-      <p:sp>
-        <p:nvSpPr>
-          <p:cNvPr id="15" name="Rectangle 14"/>
-          <p:cNvSpPr/>
-          <p:nvPr/>
-        </p:nvSpPr>
-        <p:spPr>
-          <a:xfrm>
-            <a:off x="6027307" y="3522371"/>
-            <a:ext cx="1107583" cy="579549"/>
-          </a:xfrm>
-          <a:prstGeom prst="rect">
-            <a:avLst/>
-          </a:prstGeom>
-          <a:ln w="38100">
-            <a:solidFill>
-              <a:schemeClr val="bg1"/>
-            </a:solidFill>
-          </a:ln>
-        </p:spPr>
-        <p:style>
-          <a:lnRef idx="2">
-            <a:schemeClr val="accent1">
-              <a:shade val="50000"/>
-            </a:schemeClr>
-          </a:lnRef>
-          <a:fillRef idx="1">
-            <a:schemeClr val="accent1"/>
-          </a:fillRef>
-          <a:effectRef idx="0">
-            <a:schemeClr val="accent1"/>
-          </a:effectRef>
-          <a:fontRef idx="minor">
-            <a:schemeClr val="lt1"/>
-          </a:fontRef>
-        </p:style>
-        <p:txBody>
-          <a:bodyPr rtlCol="0" anchor="ctr"/>
-          <a:lstStyle/>
-          <a:p>
-            <a:pPr algn="ctr"/>
-            <a:r>
-              <a:rPr lang="en-US" dirty="0"/>
-              <a:t>2</a:t>
-            </a:r>
-          </a:p>
-        </p:txBody>
-      </p:sp>
-      <p:sp>
-        <p:nvSpPr>
-          <p:cNvPr id="16" name="Rectangle 15"/>
-          <p:cNvSpPr/>
-          <p:nvPr/>
-        </p:nvSpPr>
-        <p:spPr>
-          <a:xfrm>
-            <a:off x="4917580" y="3511638"/>
-            <a:ext cx="1107583" cy="579549"/>
-          </a:xfrm>
-          <a:prstGeom prst="rect">
-            <a:avLst/>
-          </a:prstGeom>
-          <a:ln w="38100">
-            <a:solidFill>
-              <a:schemeClr val="bg1"/>
-            </a:solidFill>
-          </a:ln>
-        </p:spPr>
-        <p:style>
-          <a:lnRef idx="2">
-            <a:schemeClr val="accent1">
-              <a:shade val="50000"/>
-            </a:schemeClr>
-          </a:lnRef>
-          <a:fillRef idx="1">
-            <a:schemeClr val="accent1"/>
-          </a:fillRef>
-          <a:effectRef idx="0">
-            <a:schemeClr val="accent1"/>
-          </a:effectRef>
-          <a:fontRef idx="minor">
-            <a:schemeClr val="lt1"/>
-          </a:fontRef>
-        </p:style>
-        <p:txBody>
-          <a:bodyPr rtlCol="0" anchor="ctr"/>
-          <a:lstStyle/>
-          <a:p>
-            <a:pPr algn="ctr"/>
-            <a:r>
-              <a:rPr lang="en-US" dirty="0"/>
-              <a:t>4</a:t>
-            </a:r>
-          </a:p>
-        </p:txBody>
-      </p:sp>
-      <p:sp>
-        <p:nvSpPr>
-          <p:cNvPr id="17" name="TextBox 16"/>
-          <p:cNvSpPr txBox="1"/>
-          <p:nvPr/>
-        </p:nvSpPr>
-        <p:spPr>
-          <a:xfrm>
-            <a:off x="1854558" y="1545465"/>
-            <a:ext cx="2215671" cy="369332"/>
-          </a:xfrm>
-          <a:prstGeom prst="rect">
-            <a:avLst/>
-          </a:prstGeom>
-          <a:noFill/>
-        </p:spPr>
-        <p:txBody>
-          <a:bodyPr wrap="none" rtlCol="0">
-            <a:spAutoFit/>
-          </a:bodyPr>
-          <a:lstStyle/>
-          <a:p>
-            <a:r>
-              <a:rPr lang="en-US" dirty="0"/>
-              <a:t>Random index = 3</a:t>
-            </a:r>
-          </a:p>
-        </p:txBody>
-      </p:sp>
+              <a:t>Flow Visualization (N = 12)</a:t>
+            </a:r>
+          </a:p>
+        </p:txBody>
+      </p:sp>
+      <p:pic>
+        <p:nvPicPr>
+          <p:cNvPr id="8" name="Content Placeholder 7">
+            <a:extLst>
+              <a:ext uri="{FF2B5EF4-FFF2-40B4-BE49-F238E27FC236}">
+                <a16:creationId xmlns:a16="http://schemas.microsoft.com/office/drawing/2014/main" id="{57F87004-310C-4160-B380-BA1A9D746FA4}"/>
+              </a:ext>
+            </a:extLst>
+          </p:cNvPr>
+          <p:cNvPicPr>
+            <a:picLocks noGrp="1" noChangeAspect="1"/>
+          </p:cNvPicPr>
+          <p:nvPr>
+            <p:ph idx="1"/>
+          </p:nvPr>
+        </p:nvPicPr>
+        <p:blipFill>
+          <a:blip r:embed="rId3"/>
+          <a:stretch>
+            <a:fillRect/>
+          </a:stretch>
+        </p:blipFill>
+        <p:spPr>
+          <a:xfrm>
+            <a:off x="2048280" y="1179526"/>
+            <a:ext cx="6746585" cy="5225756"/>
+          </a:xfrm>
+        </p:spPr>
+      </p:pic>
     </p:spTree>
     <p:extLst>
       <p:ext uri="{BB962C8B-B14F-4D97-AF65-F5344CB8AC3E}">
-        <p14:creationId xmlns:p14="http://schemas.microsoft.com/office/powerpoint/2010/main" val="2477469298"/>
+        <p14:creationId xmlns:p14="http://schemas.microsoft.com/office/powerpoint/2010/main" val="2288149139"/>
       </p:ext>
     </p:extLst>
   </p:cSld>
@@ -11219,704 +13122,66 @@
       </p:grpSpPr>
       <p:sp>
         <p:nvSpPr>
-          <p:cNvPr id="2" name="TextBox 1"/>
-          <p:cNvSpPr txBox="1"/>
-          <p:nvPr/>
-        </p:nvSpPr>
-        <p:spPr>
-          <a:xfrm>
-            <a:off x="3915177" y="656822"/>
-            <a:ext cx="3979571" cy="523220"/>
-          </a:xfrm>
-          <a:prstGeom prst="rect">
-            <a:avLst/>
-          </a:prstGeom>
-          <a:noFill/>
-        </p:spPr>
-        <p:txBody>
-          <a:bodyPr wrap="square" rtlCol="0">
-            <a:spAutoFit/>
-          </a:bodyPr>
-          <a:lstStyle/>
-          <a:p>
-            <a:r>
-              <a:rPr lang="en-US" sz="2800" dirty="0"/>
-              <a:t>Crossover Operation</a:t>
-            </a:r>
-          </a:p>
-        </p:txBody>
-      </p:sp>
-      <p:sp>
-        <p:nvSpPr>
-          <p:cNvPr id="3" name="Rectangle 2"/>
-          <p:cNvSpPr/>
-          <p:nvPr/>
-        </p:nvSpPr>
-        <p:spPr>
-          <a:xfrm>
-            <a:off x="1635617" y="2421228"/>
-            <a:ext cx="1107583" cy="579549"/>
-          </a:xfrm>
-          <a:prstGeom prst="rect">
-            <a:avLst/>
-          </a:prstGeom>
-          <a:ln w="38100">
-            <a:solidFill>
-              <a:schemeClr val="bg1"/>
-            </a:solidFill>
-          </a:ln>
-        </p:spPr>
-        <p:style>
-          <a:lnRef idx="2">
-            <a:schemeClr val="accent1">
-              <a:shade val="50000"/>
-            </a:schemeClr>
-          </a:lnRef>
-          <a:fillRef idx="1">
-            <a:schemeClr val="accent1"/>
-          </a:fillRef>
-          <a:effectRef idx="0">
-            <a:schemeClr val="accent1"/>
-          </a:effectRef>
-          <a:fontRef idx="minor">
-            <a:schemeClr val="lt1"/>
-          </a:fontRef>
-        </p:style>
-        <p:txBody>
-          <a:bodyPr rtlCol="0" anchor="ctr"/>
+          <p:cNvPr id="2" name="Title 1">
+            <a:extLst>
+              <a:ext uri="{FF2B5EF4-FFF2-40B4-BE49-F238E27FC236}">
+                <a16:creationId xmlns:a16="http://schemas.microsoft.com/office/drawing/2014/main" id="{A5454BE2-E068-4D56-B270-AF330CDB05FF}"/>
+              </a:ext>
+            </a:extLst>
+          </p:cNvPr>
+          <p:cNvSpPr>
+            <a:spLocks noGrp="1"/>
+          </p:cNvSpPr>
+          <p:nvPr>
+            <p:ph type="title"/>
+          </p:nvPr>
+        </p:nvSpPr>
+        <p:spPr/>
+        <p:txBody>
+          <a:bodyPr/>
           <a:lstStyle/>
           <a:p>
             <a:pPr algn="ctr"/>
             <a:r>
               <a:rPr lang="en-US" dirty="0"/>
-              <a:t>3</a:t>
-            </a:r>
-          </a:p>
-        </p:txBody>
-      </p:sp>
-      <p:sp>
-        <p:nvSpPr>
-          <p:cNvPr id="8" name="Rectangle 7"/>
-          <p:cNvSpPr/>
-          <p:nvPr/>
-        </p:nvSpPr>
-        <p:spPr>
-          <a:xfrm>
-            <a:off x="2743199" y="2419081"/>
-            <a:ext cx="1107583" cy="579549"/>
-          </a:xfrm>
-          <a:prstGeom prst="rect">
-            <a:avLst/>
-          </a:prstGeom>
-          <a:ln w="38100">
-            <a:solidFill>
-              <a:schemeClr val="bg1"/>
-            </a:solidFill>
-          </a:ln>
-        </p:spPr>
-        <p:style>
-          <a:lnRef idx="2">
-            <a:schemeClr val="accent1">
-              <a:shade val="50000"/>
-            </a:schemeClr>
-          </a:lnRef>
-          <a:fillRef idx="1">
-            <a:schemeClr val="accent1"/>
-          </a:fillRef>
-          <a:effectRef idx="0">
-            <a:schemeClr val="accent1"/>
-          </a:effectRef>
-          <a:fontRef idx="minor">
-            <a:schemeClr val="lt1"/>
-          </a:fontRef>
-        </p:style>
-        <p:txBody>
-          <a:bodyPr rtlCol="0" anchor="ctr"/>
-          <a:lstStyle/>
-          <a:p>
-            <a:pPr algn="ctr"/>
-            <a:r>
-              <a:rPr lang="en-US" dirty="0"/>
-              <a:t>5</a:t>
-            </a:r>
-          </a:p>
-        </p:txBody>
-      </p:sp>
-      <p:sp>
-        <p:nvSpPr>
-          <p:cNvPr id="9" name="Rectangle 8"/>
-          <p:cNvSpPr/>
-          <p:nvPr/>
-        </p:nvSpPr>
-        <p:spPr>
-          <a:xfrm>
-            <a:off x="3850782" y="2419081"/>
-            <a:ext cx="1107583" cy="579549"/>
-          </a:xfrm>
-          <a:prstGeom prst="rect">
-            <a:avLst/>
-          </a:prstGeom>
-          <a:ln w="38100">
-            <a:solidFill>
-              <a:schemeClr val="bg1"/>
-            </a:solidFill>
-          </a:ln>
-        </p:spPr>
-        <p:style>
-          <a:lnRef idx="2">
-            <a:schemeClr val="accent1">
-              <a:shade val="50000"/>
-            </a:schemeClr>
-          </a:lnRef>
-          <a:fillRef idx="1">
-            <a:schemeClr val="accent1"/>
-          </a:fillRef>
-          <a:effectRef idx="0">
-            <a:schemeClr val="accent1"/>
-          </a:effectRef>
-          <a:fontRef idx="minor">
-            <a:schemeClr val="lt1"/>
-          </a:fontRef>
-        </p:style>
-        <p:txBody>
-          <a:bodyPr rtlCol="0" anchor="ctr"/>
-          <a:lstStyle/>
-          <a:p>
-            <a:pPr algn="ctr"/>
-            <a:r>
-              <a:rPr lang="en-US" dirty="0"/>
-              <a:t>4</a:t>
-            </a:r>
-          </a:p>
-        </p:txBody>
-      </p:sp>
-      <p:sp>
-        <p:nvSpPr>
-          <p:cNvPr id="10" name="Rectangle 9"/>
-          <p:cNvSpPr/>
-          <p:nvPr/>
-        </p:nvSpPr>
-        <p:spPr>
-          <a:xfrm>
-            <a:off x="6478071" y="2419079"/>
-            <a:ext cx="1107583" cy="579549"/>
-          </a:xfrm>
-          <a:prstGeom prst="rect">
-            <a:avLst/>
-          </a:prstGeom>
-          <a:ln w="38100">
-            <a:solidFill>
-              <a:schemeClr val="bg1"/>
-            </a:solidFill>
-          </a:ln>
-        </p:spPr>
-        <p:style>
-          <a:lnRef idx="2">
-            <a:schemeClr val="accent1">
-              <a:shade val="50000"/>
-            </a:schemeClr>
-          </a:lnRef>
-          <a:fillRef idx="1">
-            <a:schemeClr val="accent1"/>
-          </a:fillRef>
-          <a:effectRef idx="0">
-            <a:schemeClr val="accent1"/>
-          </a:effectRef>
-          <a:fontRef idx="minor">
-            <a:schemeClr val="lt1"/>
-          </a:fontRef>
-        </p:style>
-        <p:txBody>
-          <a:bodyPr rtlCol="0" anchor="ctr"/>
-          <a:lstStyle/>
-          <a:p>
-            <a:pPr algn="ctr"/>
-            <a:r>
-              <a:rPr lang="en-US" dirty="0"/>
-              <a:t>1</a:t>
-            </a:r>
-          </a:p>
-        </p:txBody>
-      </p:sp>
-      <p:sp>
-        <p:nvSpPr>
-          <p:cNvPr id="11" name="Rectangle 10"/>
-          <p:cNvSpPr/>
-          <p:nvPr/>
-        </p:nvSpPr>
-        <p:spPr>
-          <a:xfrm>
-            <a:off x="7585654" y="2419080"/>
-            <a:ext cx="1107583" cy="579549"/>
-          </a:xfrm>
-          <a:prstGeom prst="rect">
-            <a:avLst/>
-          </a:prstGeom>
-          <a:ln w="38100">
-            <a:solidFill>
-              <a:schemeClr val="bg1"/>
-            </a:solidFill>
-          </a:ln>
-        </p:spPr>
-        <p:style>
-          <a:lnRef idx="2">
-            <a:schemeClr val="accent1">
-              <a:shade val="50000"/>
-            </a:schemeClr>
-          </a:lnRef>
-          <a:fillRef idx="1">
-            <a:schemeClr val="accent1"/>
-          </a:fillRef>
-          <a:effectRef idx="0">
-            <a:schemeClr val="accent1"/>
-          </a:effectRef>
-          <a:fontRef idx="minor">
-            <a:schemeClr val="lt1"/>
-          </a:fontRef>
-        </p:style>
-        <p:txBody>
-          <a:bodyPr rtlCol="0" anchor="ctr"/>
-          <a:lstStyle/>
-          <a:p>
-            <a:pPr algn="ctr"/>
-            <a:r>
-              <a:rPr lang="en-US" dirty="0"/>
-              <a:t>2</a:t>
-            </a:r>
-          </a:p>
-        </p:txBody>
-      </p:sp>
-      <p:sp>
-        <p:nvSpPr>
-          <p:cNvPr id="12" name="Rectangle 11"/>
-          <p:cNvSpPr/>
-          <p:nvPr/>
-        </p:nvSpPr>
-        <p:spPr>
-          <a:xfrm>
-            <a:off x="1635616" y="3513786"/>
-            <a:ext cx="1107583" cy="579549"/>
-          </a:xfrm>
-          <a:prstGeom prst="rect">
-            <a:avLst/>
-          </a:prstGeom>
-          <a:ln w="38100">
-            <a:solidFill>
-              <a:schemeClr val="bg1"/>
-            </a:solidFill>
-          </a:ln>
-        </p:spPr>
-        <p:style>
-          <a:lnRef idx="2">
-            <a:schemeClr val="accent1">
-              <a:shade val="50000"/>
-            </a:schemeClr>
-          </a:lnRef>
-          <a:fillRef idx="1">
-            <a:schemeClr val="accent1"/>
-          </a:fillRef>
-          <a:effectRef idx="0">
-            <a:schemeClr val="accent1"/>
-          </a:effectRef>
-          <a:fontRef idx="minor">
-            <a:schemeClr val="lt1"/>
-          </a:fontRef>
-        </p:style>
-        <p:txBody>
-          <a:bodyPr rtlCol="0" anchor="ctr"/>
-          <a:lstStyle/>
-          <a:p>
-            <a:pPr algn="ctr"/>
-            <a:r>
-              <a:rPr lang="en-US" dirty="0"/>
-              <a:t>1</a:t>
-            </a:r>
-          </a:p>
-        </p:txBody>
-      </p:sp>
-      <p:sp>
-        <p:nvSpPr>
-          <p:cNvPr id="13" name="Rectangle 12"/>
-          <p:cNvSpPr/>
-          <p:nvPr/>
-        </p:nvSpPr>
-        <p:spPr>
-          <a:xfrm>
-            <a:off x="2702414" y="3511639"/>
-            <a:ext cx="1107583" cy="579549"/>
-          </a:xfrm>
-          <a:prstGeom prst="rect">
-            <a:avLst/>
-          </a:prstGeom>
-          <a:ln w="38100">
-            <a:solidFill>
-              <a:schemeClr val="bg1"/>
-            </a:solidFill>
-          </a:ln>
-        </p:spPr>
-        <p:style>
-          <a:lnRef idx="2">
-            <a:schemeClr val="accent1">
-              <a:shade val="50000"/>
-            </a:schemeClr>
-          </a:lnRef>
-          <a:fillRef idx="1">
-            <a:schemeClr val="accent1"/>
-          </a:fillRef>
-          <a:effectRef idx="0">
-            <a:schemeClr val="accent1"/>
-          </a:effectRef>
-          <a:fontRef idx="minor">
-            <a:schemeClr val="lt1"/>
-          </a:fontRef>
-        </p:style>
-        <p:txBody>
-          <a:bodyPr rtlCol="0" anchor="ctr"/>
-          <a:lstStyle/>
-          <a:p>
-            <a:pPr algn="ctr"/>
-            <a:r>
-              <a:rPr lang="en-US" dirty="0"/>
-              <a:t>3</a:t>
-            </a:r>
-          </a:p>
-        </p:txBody>
-      </p:sp>
-      <p:sp>
-        <p:nvSpPr>
-          <p:cNvPr id="14" name="Rectangle 13"/>
-          <p:cNvSpPr/>
-          <p:nvPr/>
-        </p:nvSpPr>
-        <p:spPr>
-          <a:xfrm>
-            <a:off x="3809997" y="3522371"/>
-            <a:ext cx="1107583" cy="579549"/>
-          </a:xfrm>
-          <a:prstGeom prst="rect">
-            <a:avLst/>
-          </a:prstGeom>
-          <a:ln w="38100">
-            <a:solidFill>
-              <a:schemeClr val="bg1"/>
-            </a:solidFill>
-          </a:ln>
-        </p:spPr>
-        <p:style>
-          <a:lnRef idx="2">
-            <a:schemeClr val="accent1">
-              <a:shade val="50000"/>
-            </a:schemeClr>
-          </a:lnRef>
-          <a:fillRef idx="1">
-            <a:schemeClr val="accent1"/>
-          </a:fillRef>
-          <a:effectRef idx="0">
-            <a:schemeClr val="accent1"/>
-          </a:effectRef>
-          <a:fontRef idx="minor">
-            <a:schemeClr val="lt1"/>
-          </a:fontRef>
-        </p:style>
-        <p:txBody>
-          <a:bodyPr rtlCol="0" anchor="ctr"/>
-          <a:lstStyle/>
-          <a:p>
-            <a:pPr algn="ctr"/>
-            <a:r>
-              <a:rPr lang="en-US" dirty="0"/>
-              <a:t>5</a:t>
-            </a:r>
-          </a:p>
-        </p:txBody>
-      </p:sp>
-      <p:sp>
-        <p:nvSpPr>
-          <p:cNvPr id="15" name="Rectangle 14"/>
-          <p:cNvSpPr/>
-          <p:nvPr/>
-        </p:nvSpPr>
-        <p:spPr>
-          <a:xfrm>
-            <a:off x="7585654" y="3522371"/>
-            <a:ext cx="1107583" cy="579549"/>
-          </a:xfrm>
-          <a:prstGeom prst="rect">
-            <a:avLst/>
-          </a:prstGeom>
-          <a:ln w="38100">
-            <a:solidFill>
-              <a:schemeClr val="bg1"/>
-            </a:solidFill>
-          </a:ln>
-        </p:spPr>
-        <p:style>
-          <a:lnRef idx="2">
-            <a:schemeClr val="accent1">
-              <a:shade val="50000"/>
-            </a:schemeClr>
-          </a:lnRef>
-          <a:fillRef idx="1">
-            <a:schemeClr val="accent1"/>
-          </a:fillRef>
-          <a:effectRef idx="0">
-            <a:schemeClr val="accent1"/>
-          </a:effectRef>
-          <a:fontRef idx="minor">
-            <a:schemeClr val="lt1"/>
-          </a:fontRef>
-        </p:style>
-        <p:txBody>
-          <a:bodyPr rtlCol="0" anchor="ctr"/>
-          <a:lstStyle/>
-          <a:p>
-            <a:pPr algn="ctr"/>
-            <a:r>
-              <a:rPr lang="en-US" dirty="0"/>
-              <a:t>4</a:t>
-            </a:r>
-          </a:p>
-        </p:txBody>
-      </p:sp>
-      <p:sp>
-        <p:nvSpPr>
-          <p:cNvPr id="16" name="Rectangle 15"/>
-          <p:cNvSpPr/>
-          <p:nvPr/>
-        </p:nvSpPr>
-        <p:spPr>
-          <a:xfrm>
-            <a:off x="6478071" y="3511638"/>
-            <a:ext cx="1107583" cy="579549"/>
-          </a:xfrm>
-          <a:prstGeom prst="rect">
-            <a:avLst/>
-          </a:prstGeom>
-          <a:ln w="38100">
-            <a:solidFill>
-              <a:schemeClr val="bg1"/>
-            </a:solidFill>
-          </a:ln>
-        </p:spPr>
-        <p:style>
-          <a:lnRef idx="2">
-            <a:schemeClr val="accent1">
-              <a:shade val="50000"/>
-            </a:schemeClr>
-          </a:lnRef>
-          <a:fillRef idx="1">
-            <a:schemeClr val="accent1"/>
-          </a:fillRef>
-          <a:effectRef idx="0">
-            <a:schemeClr val="accent1"/>
-          </a:effectRef>
-          <a:fontRef idx="minor">
-            <a:schemeClr val="lt1"/>
-          </a:fontRef>
-        </p:style>
-        <p:txBody>
-          <a:bodyPr rtlCol="0" anchor="ctr"/>
-          <a:lstStyle/>
-          <a:p>
-            <a:pPr algn="ctr"/>
-            <a:r>
-              <a:rPr lang="en-US" dirty="0"/>
-              <a:t>2</a:t>
-            </a:r>
-          </a:p>
-        </p:txBody>
-      </p:sp>
-      <p:sp>
-        <p:nvSpPr>
-          <p:cNvPr id="17" name="TextBox 16"/>
-          <p:cNvSpPr txBox="1"/>
-          <p:nvPr/>
-        </p:nvSpPr>
-        <p:spPr>
-          <a:xfrm>
-            <a:off x="1854558" y="1545465"/>
-            <a:ext cx="2215671" cy="369332"/>
-          </a:xfrm>
-          <a:prstGeom prst="rect">
-            <a:avLst/>
-          </a:prstGeom>
-          <a:noFill/>
-        </p:spPr>
-        <p:txBody>
-          <a:bodyPr wrap="none" rtlCol="0">
-            <a:spAutoFit/>
-          </a:bodyPr>
-          <a:lstStyle/>
-          <a:p>
-            <a:r>
-              <a:rPr lang="en-US" dirty="0"/>
-              <a:t>Random index = 3</a:t>
-            </a:r>
-          </a:p>
-        </p:txBody>
-      </p:sp>
-      <p:cxnSp>
-        <p:nvCxnSpPr>
-          <p:cNvPr id="19" name="Straight Arrow Connector 18"/>
-          <p:cNvCxnSpPr>
-            <a:stCxn id="9" idx="3"/>
-          </p:cNvCxnSpPr>
-          <p:nvPr/>
-        </p:nvCxnSpPr>
-        <p:spPr>
-          <a:xfrm flipV="1">
-            <a:off x="4958365" y="2704563"/>
-            <a:ext cx="978796" cy="4293"/>
-          </a:xfrm>
-          <a:prstGeom prst="straightConnector1">
-            <a:avLst/>
-          </a:prstGeom>
-          <a:ln>
-            <a:tailEnd type="triangle"/>
-          </a:ln>
-        </p:spPr>
-        <p:style>
-          <a:lnRef idx="3">
-            <a:schemeClr val="accent1"/>
-          </a:lnRef>
-          <a:fillRef idx="0">
-            <a:schemeClr val="accent1"/>
-          </a:fillRef>
-          <a:effectRef idx="2">
-            <a:schemeClr val="accent1"/>
-          </a:effectRef>
-          <a:fontRef idx="minor">
-            <a:schemeClr val="tx1"/>
-          </a:fontRef>
-        </p:style>
-      </p:cxnSp>
-      <p:cxnSp>
-        <p:nvCxnSpPr>
-          <p:cNvPr id="20" name="Straight Arrow Connector 19"/>
-          <p:cNvCxnSpPr>
-            <a:stCxn id="14" idx="3"/>
-          </p:cNvCxnSpPr>
-          <p:nvPr/>
-        </p:nvCxnSpPr>
-        <p:spPr>
-          <a:xfrm flipV="1">
-            <a:off x="4917580" y="3799268"/>
-            <a:ext cx="1019581" cy="12878"/>
-          </a:xfrm>
-          <a:prstGeom prst="straightConnector1">
-            <a:avLst/>
-          </a:prstGeom>
-          <a:ln>
-            <a:tailEnd type="triangle"/>
-          </a:ln>
-        </p:spPr>
-        <p:style>
-          <a:lnRef idx="3">
-            <a:schemeClr val="accent1"/>
-          </a:lnRef>
-          <a:fillRef idx="0">
-            <a:schemeClr val="accent1"/>
-          </a:fillRef>
-          <a:effectRef idx="2">
-            <a:schemeClr val="accent1"/>
-          </a:effectRef>
-          <a:fontRef idx="minor">
-            <a:schemeClr val="tx1"/>
-          </a:fontRef>
-        </p:style>
-      </p:cxnSp>
-      <p:sp>
-        <p:nvSpPr>
-          <p:cNvPr id="23" name="Curved Left Arrow 22"/>
-          <p:cNvSpPr/>
-          <p:nvPr/>
-        </p:nvSpPr>
-        <p:spPr>
-          <a:xfrm>
-            <a:off x="9146145" y="2704563"/>
-            <a:ext cx="731520" cy="1216152"/>
-          </a:xfrm>
-          <a:prstGeom prst="curvedLeftArrow">
-            <a:avLst/>
-          </a:prstGeom>
-        </p:spPr>
-        <p:style>
-          <a:lnRef idx="2">
-            <a:schemeClr val="accent1">
-              <a:shade val="50000"/>
-            </a:schemeClr>
-          </a:lnRef>
-          <a:fillRef idx="1">
-            <a:schemeClr val="accent1"/>
-          </a:fillRef>
-          <a:effectRef idx="0">
-            <a:schemeClr val="accent1"/>
-          </a:effectRef>
-          <a:fontRef idx="minor">
-            <a:schemeClr val="lt1"/>
-          </a:fontRef>
-        </p:style>
-        <p:txBody>
-          <a:bodyPr rtlCol="0" anchor="ctr"/>
-          <a:lstStyle/>
-          <a:p>
-            <a:pPr algn="ctr"/>
-            <a:endParaRPr lang="en-US">
-              <a:solidFill>
-                <a:schemeClr val="tx1"/>
-              </a:solidFill>
-            </a:endParaRPr>
-          </a:p>
-        </p:txBody>
-      </p:sp>
-      <p:sp>
-        <p:nvSpPr>
-          <p:cNvPr id="25" name="Curved Right Arrow 24"/>
-          <p:cNvSpPr/>
-          <p:nvPr/>
-        </p:nvSpPr>
-        <p:spPr>
-          <a:xfrm rot="10800000">
-            <a:off x="9591762" y="2304492"/>
-            <a:ext cx="1066358" cy="1797428"/>
-          </a:xfrm>
-          <a:prstGeom prst="curvedRightArrow">
-            <a:avLst/>
-          </a:prstGeom>
-        </p:spPr>
-        <p:style>
-          <a:lnRef idx="2">
-            <a:schemeClr val="accent1">
-              <a:shade val="50000"/>
-            </a:schemeClr>
-          </a:lnRef>
-          <a:fillRef idx="1">
-            <a:schemeClr val="accent1"/>
-          </a:fillRef>
-          <a:effectRef idx="0">
-            <a:schemeClr val="accent1"/>
-          </a:effectRef>
-          <a:fontRef idx="minor">
-            <a:schemeClr val="lt1"/>
-          </a:fontRef>
-        </p:style>
-        <p:txBody>
-          <a:bodyPr rtlCol="0" anchor="ctr"/>
-          <a:lstStyle/>
-          <a:p>
-            <a:pPr algn="ctr"/>
-            <a:endParaRPr lang="en-US">
-              <a:solidFill>
-                <a:schemeClr val="tx1"/>
-              </a:solidFill>
-            </a:endParaRPr>
-          </a:p>
-        </p:txBody>
-      </p:sp>
+              <a:t>Flow Visualization (N = 32)</a:t>
+            </a:r>
+          </a:p>
+        </p:txBody>
+      </p:sp>
+      <p:pic>
+        <p:nvPicPr>
+          <p:cNvPr id="5" name="Content Placeholder 4">
+            <a:extLst>
+              <a:ext uri="{FF2B5EF4-FFF2-40B4-BE49-F238E27FC236}">
+                <a16:creationId xmlns:a16="http://schemas.microsoft.com/office/drawing/2014/main" id="{910298AA-3EC1-4FC5-9CFA-0B28FA6FC566}"/>
+              </a:ext>
+            </a:extLst>
+          </p:cNvPr>
+          <p:cNvPicPr>
+            <a:picLocks noGrp="1" noChangeAspect="1"/>
+          </p:cNvPicPr>
+          <p:nvPr>
+            <p:ph idx="1"/>
+          </p:nvPr>
+        </p:nvPicPr>
+        <p:blipFill>
+          <a:blip r:embed="rId3"/>
+          <a:stretch>
+            <a:fillRect/>
+          </a:stretch>
+        </p:blipFill>
+        <p:spPr>
+          <a:xfrm>
+            <a:off x="1973381" y="1194773"/>
+            <a:ext cx="6932319" cy="5363969"/>
+          </a:xfrm>
+        </p:spPr>
+      </p:pic>
     </p:spTree>
     <p:extLst>
       <p:ext uri="{BB962C8B-B14F-4D97-AF65-F5344CB8AC3E}">
-        <p14:creationId xmlns:p14="http://schemas.microsoft.com/office/powerpoint/2010/main" val="2639030084"/>
+        <p14:creationId xmlns:p14="http://schemas.microsoft.com/office/powerpoint/2010/main" val="278194024"/>
       </p:ext>
     </p:extLst>
   </p:cSld>
@@ -11945,583 +13210,98 @@
       </p:grpSpPr>
       <p:sp>
         <p:nvSpPr>
-          <p:cNvPr id="2" name="TextBox 1"/>
-          <p:cNvSpPr txBox="1"/>
-          <p:nvPr/>
-        </p:nvSpPr>
-        <p:spPr>
-          <a:xfrm>
-            <a:off x="3915177" y="656822"/>
-            <a:ext cx="3979571" cy="523220"/>
-          </a:xfrm>
-          <a:prstGeom prst="rect">
-            <a:avLst/>
-          </a:prstGeom>
-          <a:noFill/>
-        </p:spPr>
-        <p:txBody>
-          <a:bodyPr wrap="square" rtlCol="0">
-            <a:spAutoFit/>
+          <p:cNvPr id="2" name="Title 1"/>
+          <p:cNvSpPr>
+            <a:spLocks noGrp="1"/>
+          </p:cNvSpPr>
+          <p:nvPr>
+            <p:ph type="title"/>
+          </p:nvPr>
+        </p:nvSpPr>
+        <p:spPr/>
+        <p:txBody>
+          <a:bodyPr/>
+          <a:lstStyle/>
+          <a:p>
+            <a:pPr algn="ctr"/>
+            <a:r>
+              <a:rPr lang="en-US" dirty="0"/>
+              <a:t>Our Genetic Algorithm Approach</a:t>
+            </a:r>
+          </a:p>
+        </p:txBody>
+      </p:sp>
+      <p:sp>
+        <p:nvSpPr>
+          <p:cNvPr id="3" name="Content Placeholder 2"/>
+          <p:cNvSpPr>
+            <a:spLocks noGrp="1"/>
+          </p:cNvSpPr>
+          <p:nvPr>
+            <p:ph idx="1"/>
+          </p:nvPr>
+        </p:nvSpPr>
+        <p:spPr/>
+        <p:txBody>
+          <a:bodyPr>
+            <a:normAutofit fontScale="85000" lnSpcReduction="10000"/>
           </a:bodyPr>
           <a:lstStyle/>
           <a:p>
             <a:r>
-              <a:rPr lang="en-US" sz="2800" dirty="0"/>
-              <a:t>Crossover Operation</a:t>
-            </a:r>
-          </a:p>
-        </p:txBody>
-      </p:sp>
-      <p:sp>
-        <p:nvSpPr>
-          <p:cNvPr id="3" name="Rectangle 2"/>
-          <p:cNvSpPr/>
-          <p:nvPr/>
-        </p:nvSpPr>
-        <p:spPr>
-          <a:xfrm>
-            <a:off x="1635617" y="2421228"/>
-            <a:ext cx="1107583" cy="579549"/>
-          </a:xfrm>
-          <a:prstGeom prst="rect">
-            <a:avLst/>
-          </a:prstGeom>
-          <a:ln w="38100">
-            <a:solidFill>
-              <a:schemeClr val="bg1"/>
-            </a:solidFill>
-          </a:ln>
-        </p:spPr>
-        <p:style>
-          <a:lnRef idx="2">
-            <a:schemeClr val="accent1">
-              <a:shade val="50000"/>
-            </a:schemeClr>
-          </a:lnRef>
-          <a:fillRef idx="1">
-            <a:schemeClr val="accent1"/>
-          </a:fillRef>
-          <a:effectRef idx="0">
-            <a:schemeClr val="accent1"/>
-          </a:effectRef>
-          <a:fontRef idx="minor">
-            <a:schemeClr val="lt1"/>
-          </a:fontRef>
-        </p:style>
-        <p:txBody>
-          <a:bodyPr rtlCol="0" anchor="ctr"/>
-          <a:lstStyle/>
-          <a:p>
-            <a:pPr algn="ctr"/>
-            <a:r>
-              <a:rPr lang="en-US" dirty="0"/>
-              <a:t>3</a:t>
-            </a:r>
-          </a:p>
-        </p:txBody>
-      </p:sp>
-      <p:sp>
-        <p:nvSpPr>
-          <p:cNvPr id="8" name="Rectangle 7"/>
-          <p:cNvSpPr/>
-          <p:nvPr/>
-        </p:nvSpPr>
-        <p:spPr>
-          <a:xfrm>
-            <a:off x="2743199" y="2419081"/>
-            <a:ext cx="1107583" cy="579549"/>
-          </a:xfrm>
-          <a:prstGeom prst="rect">
-            <a:avLst/>
-          </a:prstGeom>
-          <a:ln w="38100">
-            <a:solidFill>
-              <a:schemeClr val="bg1"/>
-            </a:solidFill>
-          </a:ln>
-        </p:spPr>
-        <p:style>
-          <a:lnRef idx="2">
-            <a:schemeClr val="accent1">
-              <a:shade val="50000"/>
-            </a:schemeClr>
-          </a:lnRef>
-          <a:fillRef idx="1">
-            <a:schemeClr val="accent1"/>
-          </a:fillRef>
-          <a:effectRef idx="0">
-            <a:schemeClr val="accent1"/>
-          </a:effectRef>
-          <a:fontRef idx="minor">
-            <a:schemeClr val="lt1"/>
-          </a:fontRef>
-        </p:style>
-        <p:txBody>
-          <a:bodyPr rtlCol="0" anchor="ctr"/>
-          <a:lstStyle/>
-          <a:p>
-            <a:pPr algn="ctr"/>
-            <a:r>
-              <a:rPr lang="en-US" dirty="0"/>
-              <a:t>5</a:t>
-            </a:r>
-          </a:p>
-        </p:txBody>
-      </p:sp>
-      <p:sp>
-        <p:nvSpPr>
-          <p:cNvPr id="9" name="Rectangle 8"/>
-          <p:cNvSpPr/>
-          <p:nvPr/>
-        </p:nvSpPr>
-        <p:spPr>
-          <a:xfrm>
-            <a:off x="3850782" y="2419081"/>
-            <a:ext cx="1107583" cy="579549"/>
-          </a:xfrm>
-          <a:prstGeom prst="rect">
-            <a:avLst/>
-          </a:prstGeom>
-          <a:ln w="38100">
-            <a:solidFill>
-              <a:schemeClr val="bg1"/>
-            </a:solidFill>
-          </a:ln>
-        </p:spPr>
-        <p:style>
-          <a:lnRef idx="2">
-            <a:schemeClr val="accent1">
-              <a:shade val="50000"/>
-            </a:schemeClr>
-          </a:lnRef>
-          <a:fillRef idx="1">
-            <a:schemeClr val="accent1"/>
-          </a:fillRef>
-          <a:effectRef idx="0">
-            <a:schemeClr val="accent1"/>
-          </a:effectRef>
-          <a:fontRef idx="minor">
-            <a:schemeClr val="lt1"/>
-          </a:fontRef>
-        </p:style>
-        <p:txBody>
-          <a:bodyPr rtlCol="0" anchor="ctr"/>
-          <a:lstStyle/>
-          <a:p>
-            <a:pPr algn="ctr"/>
-            <a:r>
-              <a:rPr lang="en-US" dirty="0"/>
-              <a:t>4</a:t>
-            </a:r>
-          </a:p>
-        </p:txBody>
-      </p:sp>
-      <p:sp>
-        <p:nvSpPr>
-          <p:cNvPr id="10" name="Rectangle 9"/>
-          <p:cNvSpPr/>
-          <p:nvPr/>
-        </p:nvSpPr>
-        <p:spPr>
-          <a:xfrm>
-            <a:off x="6362160" y="3511638"/>
-            <a:ext cx="1107583" cy="579549"/>
-          </a:xfrm>
-          <a:prstGeom prst="rect">
-            <a:avLst/>
-          </a:prstGeom>
-          <a:ln w="38100">
-            <a:solidFill>
-              <a:schemeClr val="bg1"/>
-            </a:solidFill>
-          </a:ln>
-        </p:spPr>
-        <p:style>
-          <a:lnRef idx="2">
-            <a:schemeClr val="accent1">
-              <a:shade val="50000"/>
-            </a:schemeClr>
-          </a:lnRef>
-          <a:fillRef idx="1">
-            <a:schemeClr val="accent1"/>
-          </a:fillRef>
-          <a:effectRef idx="0">
-            <a:schemeClr val="accent1"/>
-          </a:effectRef>
-          <a:fontRef idx="minor">
-            <a:schemeClr val="lt1"/>
-          </a:fontRef>
-        </p:style>
-        <p:txBody>
-          <a:bodyPr rtlCol="0" anchor="ctr"/>
-          <a:lstStyle/>
-          <a:p>
-            <a:pPr algn="ctr"/>
-            <a:r>
-              <a:rPr lang="en-US" dirty="0">
-                <a:solidFill>
-                  <a:srgbClr val="FFFF00"/>
-                </a:solidFill>
-              </a:rPr>
-              <a:t>1</a:t>
-            </a:r>
-          </a:p>
-        </p:txBody>
-      </p:sp>
-      <p:sp>
-        <p:nvSpPr>
-          <p:cNvPr id="11" name="Rectangle 10"/>
-          <p:cNvSpPr/>
-          <p:nvPr/>
-        </p:nvSpPr>
-        <p:spPr>
-          <a:xfrm>
-            <a:off x="7469744" y="3522371"/>
-            <a:ext cx="1107583" cy="579549"/>
-          </a:xfrm>
-          <a:prstGeom prst="rect">
-            <a:avLst/>
-          </a:prstGeom>
-          <a:ln w="38100">
-            <a:solidFill>
-              <a:schemeClr val="bg1"/>
-            </a:solidFill>
-          </a:ln>
-        </p:spPr>
-        <p:style>
-          <a:lnRef idx="2">
-            <a:schemeClr val="accent1">
-              <a:shade val="50000"/>
-            </a:schemeClr>
-          </a:lnRef>
-          <a:fillRef idx="1">
-            <a:schemeClr val="accent1"/>
-          </a:fillRef>
-          <a:effectRef idx="0">
-            <a:schemeClr val="accent1"/>
-          </a:effectRef>
-          <a:fontRef idx="minor">
-            <a:schemeClr val="lt1"/>
-          </a:fontRef>
-        </p:style>
-        <p:txBody>
-          <a:bodyPr rtlCol="0" anchor="ctr"/>
-          <a:lstStyle/>
-          <a:p>
-            <a:pPr algn="ctr"/>
-            <a:r>
-              <a:rPr lang="en-US" dirty="0"/>
-              <a:t>2</a:t>
-            </a:r>
-          </a:p>
-        </p:txBody>
-      </p:sp>
-      <p:sp>
-        <p:nvSpPr>
-          <p:cNvPr id="12" name="Rectangle 11"/>
-          <p:cNvSpPr/>
-          <p:nvPr/>
-        </p:nvSpPr>
-        <p:spPr>
-          <a:xfrm>
-            <a:off x="1635616" y="3513786"/>
-            <a:ext cx="1107583" cy="579549"/>
-          </a:xfrm>
-          <a:prstGeom prst="rect">
-            <a:avLst/>
-          </a:prstGeom>
-          <a:ln w="38100">
-            <a:solidFill>
-              <a:schemeClr val="bg1"/>
-            </a:solidFill>
-          </a:ln>
-        </p:spPr>
-        <p:style>
-          <a:lnRef idx="2">
-            <a:schemeClr val="accent1">
-              <a:shade val="50000"/>
-            </a:schemeClr>
-          </a:lnRef>
-          <a:fillRef idx="1">
-            <a:schemeClr val="accent1"/>
-          </a:fillRef>
-          <a:effectRef idx="0">
-            <a:schemeClr val="accent1"/>
-          </a:effectRef>
-          <a:fontRef idx="minor">
-            <a:schemeClr val="lt1"/>
-          </a:fontRef>
-        </p:style>
-        <p:txBody>
-          <a:bodyPr rtlCol="0" anchor="ctr"/>
-          <a:lstStyle/>
-          <a:p>
-            <a:pPr algn="ctr"/>
-            <a:r>
-              <a:rPr lang="en-US" dirty="0"/>
-              <a:t>1</a:t>
-            </a:r>
-          </a:p>
-        </p:txBody>
-      </p:sp>
-      <p:sp>
-        <p:nvSpPr>
-          <p:cNvPr id="13" name="Rectangle 12"/>
-          <p:cNvSpPr/>
-          <p:nvPr/>
-        </p:nvSpPr>
-        <p:spPr>
-          <a:xfrm>
-            <a:off x="2702414" y="3511639"/>
-            <a:ext cx="1107583" cy="579549"/>
-          </a:xfrm>
-          <a:prstGeom prst="rect">
-            <a:avLst/>
-          </a:prstGeom>
-          <a:ln w="38100">
-            <a:solidFill>
-              <a:schemeClr val="bg1"/>
-            </a:solidFill>
-          </a:ln>
-        </p:spPr>
-        <p:style>
-          <a:lnRef idx="2">
-            <a:schemeClr val="accent1">
-              <a:shade val="50000"/>
-            </a:schemeClr>
-          </a:lnRef>
-          <a:fillRef idx="1">
-            <a:schemeClr val="accent1"/>
-          </a:fillRef>
-          <a:effectRef idx="0">
-            <a:schemeClr val="accent1"/>
-          </a:effectRef>
-          <a:fontRef idx="minor">
-            <a:schemeClr val="lt1"/>
-          </a:fontRef>
-        </p:style>
-        <p:txBody>
-          <a:bodyPr rtlCol="0" anchor="ctr"/>
-          <a:lstStyle/>
-          <a:p>
-            <a:pPr algn="ctr"/>
-            <a:r>
-              <a:rPr lang="en-US" dirty="0"/>
-              <a:t>3</a:t>
-            </a:r>
-          </a:p>
-        </p:txBody>
-      </p:sp>
-      <p:sp>
-        <p:nvSpPr>
-          <p:cNvPr id="14" name="Rectangle 13"/>
-          <p:cNvSpPr/>
-          <p:nvPr/>
-        </p:nvSpPr>
-        <p:spPr>
-          <a:xfrm>
-            <a:off x="3809997" y="3522371"/>
-            <a:ext cx="1107583" cy="579549"/>
-          </a:xfrm>
-          <a:prstGeom prst="rect">
-            <a:avLst/>
-          </a:prstGeom>
-          <a:ln w="38100">
-            <a:solidFill>
-              <a:schemeClr val="bg1"/>
-            </a:solidFill>
-          </a:ln>
-        </p:spPr>
-        <p:style>
-          <a:lnRef idx="2">
-            <a:schemeClr val="accent1">
-              <a:shade val="50000"/>
-            </a:schemeClr>
-          </a:lnRef>
-          <a:fillRef idx="1">
-            <a:schemeClr val="accent1"/>
-          </a:fillRef>
-          <a:effectRef idx="0">
-            <a:schemeClr val="accent1"/>
-          </a:effectRef>
-          <a:fontRef idx="minor">
-            <a:schemeClr val="lt1"/>
-          </a:fontRef>
-        </p:style>
-        <p:txBody>
-          <a:bodyPr rtlCol="0" anchor="ctr"/>
-          <a:lstStyle/>
-          <a:p>
-            <a:pPr algn="ctr"/>
-            <a:r>
-              <a:rPr lang="en-US" dirty="0"/>
-              <a:t>5</a:t>
-            </a:r>
-          </a:p>
-        </p:txBody>
-      </p:sp>
-      <p:sp>
-        <p:nvSpPr>
-          <p:cNvPr id="15" name="Rectangle 14"/>
-          <p:cNvSpPr/>
-          <p:nvPr/>
-        </p:nvSpPr>
-        <p:spPr>
-          <a:xfrm>
-            <a:off x="7469744" y="2419081"/>
-            <a:ext cx="1107583" cy="579549"/>
-          </a:xfrm>
-          <a:prstGeom prst="rect">
-            <a:avLst/>
-          </a:prstGeom>
-          <a:ln w="38100">
-            <a:solidFill>
-              <a:schemeClr val="bg1"/>
-            </a:solidFill>
-          </a:ln>
-        </p:spPr>
-        <p:style>
-          <a:lnRef idx="2">
-            <a:schemeClr val="accent1">
-              <a:shade val="50000"/>
-            </a:schemeClr>
-          </a:lnRef>
-          <a:fillRef idx="1">
-            <a:schemeClr val="accent1"/>
-          </a:fillRef>
-          <a:effectRef idx="0">
-            <a:schemeClr val="accent1"/>
-          </a:effectRef>
-          <a:fontRef idx="minor">
-            <a:schemeClr val="lt1"/>
-          </a:fontRef>
-        </p:style>
-        <p:txBody>
-          <a:bodyPr rtlCol="0" anchor="ctr"/>
-          <a:lstStyle/>
-          <a:p>
-            <a:pPr algn="ctr"/>
-            <a:r>
-              <a:rPr lang="en-US" dirty="0">
-                <a:solidFill>
-                  <a:srgbClr val="FFFF00"/>
-                </a:solidFill>
-              </a:rPr>
-              <a:t>4</a:t>
-            </a:r>
-          </a:p>
-        </p:txBody>
-      </p:sp>
-      <p:sp>
-        <p:nvSpPr>
-          <p:cNvPr id="16" name="Rectangle 15"/>
-          <p:cNvSpPr/>
-          <p:nvPr/>
-        </p:nvSpPr>
-        <p:spPr>
-          <a:xfrm>
-            <a:off x="6362161" y="2419081"/>
-            <a:ext cx="1107583" cy="579549"/>
-          </a:xfrm>
-          <a:prstGeom prst="rect">
-            <a:avLst/>
-          </a:prstGeom>
-          <a:ln w="38100">
-            <a:solidFill>
-              <a:schemeClr val="bg1"/>
-            </a:solidFill>
-          </a:ln>
-        </p:spPr>
-        <p:style>
-          <a:lnRef idx="2">
-            <a:schemeClr val="accent1">
-              <a:shade val="50000"/>
-            </a:schemeClr>
-          </a:lnRef>
-          <a:fillRef idx="1">
-            <a:schemeClr val="accent1"/>
-          </a:fillRef>
-          <a:effectRef idx="0">
-            <a:schemeClr val="accent1"/>
-          </a:effectRef>
-          <a:fontRef idx="minor">
-            <a:schemeClr val="lt1"/>
-          </a:fontRef>
-        </p:style>
-        <p:txBody>
-          <a:bodyPr rtlCol="0" anchor="ctr"/>
-          <a:lstStyle/>
-          <a:p>
-            <a:pPr algn="ctr"/>
-            <a:r>
-              <a:rPr lang="en-US" dirty="0">
-                <a:solidFill>
-                  <a:schemeClr val="tx1"/>
-                </a:solidFill>
-              </a:rPr>
-              <a:t>2</a:t>
-            </a:r>
-          </a:p>
-        </p:txBody>
-      </p:sp>
-      <p:sp>
-        <p:nvSpPr>
-          <p:cNvPr id="17" name="TextBox 16"/>
-          <p:cNvSpPr txBox="1"/>
-          <p:nvPr/>
-        </p:nvSpPr>
-        <p:spPr>
-          <a:xfrm>
-            <a:off x="1854558" y="1545465"/>
-            <a:ext cx="2215671" cy="369332"/>
-          </a:xfrm>
-          <a:prstGeom prst="rect">
-            <a:avLst/>
-          </a:prstGeom>
-          <a:noFill/>
-        </p:spPr>
-        <p:txBody>
-          <a:bodyPr wrap="none" rtlCol="0">
-            <a:spAutoFit/>
-          </a:bodyPr>
-          <a:lstStyle/>
-          <a:p>
-            <a:r>
-              <a:rPr lang="en-US" dirty="0"/>
-              <a:t>Random index = 3</a:t>
-            </a:r>
-          </a:p>
-        </p:txBody>
-      </p:sp>
-      <p:sp>
-        <p:nvSpPr>
-          <p:cNvPr id="4" name="TextBox 3"/>
-          <p:cNvSpPr txBox="1"/>
-          <p:nvPr/>
-        </p:nvSpPr>
-        <p:spPr>
-          <a:xfrm>
-            <a:off x="6812924" y="1545465"/>
-            <a:ext cx="1952779" cy="369332"/>
-          </a:xfrm>
-          <a:prstGeom prst="rect">
-            <a:avLst/>
-          </a:prstGeom>
-          <a:noFill/>
-        </p:spPr>
-        <p:txBody>
-          <a:bodyPr wrap="none" rtlCol="0">
-            <a:spAutoFit/>
-          </a:bodyPr>
-          <a:lstStyle/>
-          <a:p>
-            <a:r>
-              <a:rPr lang="en-US" dirty="0">
-                <a:solidFill>
-                  <a:srgbClr val="FFFF00"/>
-                </a:solidFill>
-              </a:rPr>
-              <a:t>Already in array</a:t>
+              <a:rPr lang="en-US" dirty="0"/>
+              <a:t>Setup: A population of random permutations of the “facilities” is created. </a:t>
+            </a:r>
+          </a:p>
+          <a:p>
+            <a:endParaRPr lang="en-US" dirty="0"/>
+          </a:p>
+          <a:p>
+            <a:r>
+              <a:rPr lang="en-US" dirty="0"/>
+              <a:t>A percentage of the best permutations are selected to “reproduce”</a:t>
+            </a:r>
+          </a:p>
+          <a:p>
+            <a:r>
+              <a:rPr lang="en-US" dirty="0"/>
+              <a:t>2 “parents” are split at a random index, elements after index are added to opposite parent. </a:t>
+            </a:r>
+          </a:p>
+          <a:p>
+            <a:r>
+              <a:rPr lang="en-US" dirty="0"/>
+              <a:t>The 2 “children” replace the worst of the previous population.</a:t>
+            </a:r>
+          </a:p>
+          <a:p>
+            <a:r>
+              <a:rPr lang="en-US" dirty="0"/>
+              <a:t>Population is sorted.</a:t>
+            </a:r>
+          </a:p>
+          <a:p>
+            <a:r>
+              <a:rPr lang="en-US" dirty="0"/>
+              <a:t>Mutation odds are ran (10% chance, in order to delay convergence)</a:t>
+            </a:r>
+          </a:p>
+          <a:p>
+            <a:r>
+              <a:rPr lang="en-US" dirty="0"/>
+              <a:t>WOC is ran on % of population</a:t>
+            </a:r>
+          </a:p>
+          <a:p>
+            <a:endParaRPr lang="en-US" dirty="0"/>
+          </a:p>
+          <a:p>
+            <a:endParaRPr lang="en-US" dirty="0"/>
+          </a:p>
+          <a:p>
+            <a:r>
+              <a:rPr lang="en-US" dirty="0"/>
+              <a:t>This repeated for an X number of generations or convergence. </a:t>
             </a:r>
           </a:p>
         </p:txBody>
@@ -12529,7 +13309,7 @@
     </p:spTree>
     <p:extLst>
       <p:ext uri="{BB962C8B-B14F-4D97-AF65-F5344CB8AC3E}">
-        <p14:creationId xmlns:p14="http://schemas.microsoft.com/office/powerpoint/2010/main" val="901840836"/>
+        <p14:creationId xmlns:p14="http://schemas.microsoft.com/office/powerpoint/2010/main" val="1491124500"/>
       </p:ext>
     </p:extLst>
   </p:cSld>
